--- a/详细设计.pptx
+++ b/详细设计.pptx
@@ -5,7 +5,7 @@
     <p:sldMasterId id="2147483648" r:id="rId1"/>
   </p:sldMasterIdLst>
   <p:notesMasterIdLst>
-    <p:notesMasterId r:id="rId23"/>
+    <p:notesMasterId r:id="rId25"/>
   </p:notesMasterIdLst>
   <p:sldIdLst>
     <p:sldId id="256" r:id="rId3"/>
@@ -25,9 +25,11 @@
     <p:sldId id="319" r:id="rId17"/>
     <p:sldId id="320" r:id="rId18"/>
     <p:sldId id="321" r:id="rId19"/>
-    <p:sldId id="273" r:id="rId20"/>
-    <p:sldId id="318" r:id="rId21"/>
-    <p:sldId id="278" r:id="rId22"/>
+    <p:sldId id="326" r:id="rId20"/>
+    <p:sldId id="325" r:id="rId21"/>
+    <p:sldId id="273" r:id="rId22"/>
+    <p:sldId id="318" r:id="rId23"/>
+    <p:sldId id="278" r:id="rId24"/>
   </p:sldIdLst>
   <p:sldSz cx="9144000" cy="5143500" type="screen16x9"/>
   <p:notesSz cx="6858000" cy="9144000"/>
@@ -3486,7 +3488,7 @@
         </p:blipFill>
         <p:spPr>
           <a:xfrm>
-            <a:off x="2051720" y="1059582"/>
+            <a:off x="1819310" y="1068472"/>
             <a:ext cx="5344788" cy="3314700"/>
           </a:xfrm>
           <a:prstGeom prst="rect">
@@ -3503,7 +3505,7 @@
         <p:spPr>
           <a:xfrm>
             <a:off x="1907704" y="1349946"/>
-            <a:ext cx="6048672" cy="800100"/>
+            <a:ext cx="6048672" cy="768350"/>
           </a:xfrm>
           <a:prstGeom prst="rect">
             <a:avLst/>
@@ -3526,10 +3528,34 @@
                 </a:solidFill>
                 <a:latin typeface="Adobe Gothic Std B" pitchFamily="34" charset="-128"/>
               </a:rPr>
-              <a:t>           </a:t>
-            </a:r>
-            <a:r>
-              <a:rPr lang="zh-CN" altLang="en-US" sz="4400" dirty="0">
+              <a:t> </a:t>
+            </a:r>
+            <a:r>
+              <a:rPr lang="en-US" altLang="zh-CN" sz="4400" b="1" dirty="0">
+                <a:solidFill>
+                  <a:schemeClr val="tx1">
+                    <a:lumMod val="75000"/>
+                    <a:lumOff val="25000"/>
+                  </a:schemeClr>
+                </a:solidFill>
+                <a:latin typeface="Adobe Gothic Std B" pitchFamily="34" charset="-128"/>
+              </a:rPr>
+              <a:t>   </a:t>
+            </a:r>
+            <a:r>
+              <a:rPr lang="zh-CN" altLang="en-US" sz="4400" b="1" dirty="0">
+                <a:solidFill>
+                  <a:schemeClr val="tx1">
+                    <a:lumMod val="75000"/>
+                    <a:lumOff val="25000"/>
+                  </a:schemeClr>
+                </a:solidFill>
+                <a:latin typeface="Adobe Gothic Std B" pitchFamily="34" charset="-128"/>
+              </a:rPr>
+              <a:t>懒人游</a:t>
+            </a:r>
+            <a:r>
+              <a:rPr lang="zh-CN" altLang="en-US" sz="4400" b="1" dirty="0">
                 <a:solidFill>
                   <a:schemeClr val="tx1">
                     <a:lumMod val="75000"/>
@@ -3540,7 +3566,7 @@
               </a:rPr>
               <a:t>详细设计</a:t>
             </a:r>
-            <a:endParaRPr lang="zh-CN" altLang="en-US" sz="4400" dirty="0">
+            <a:endParaRPr lang="zh-CN" altLang="en-US" sz="4400" b="1" dirty="0">
               <a:solidFill>
                 <a:schemeClr val="tx1">
                   <a:lumMod val="75000"/>
@@ -3560,7 +3586,7 @@
         </p:nvSpPr>
         <p:spPr>
           <a:xfrm>
-            <a:off x="2420015" y="2646711"/>
+            <a:off x="2230150" y="2682271"/>
             <a:ext cx="701457" cy="701457"/>
           </a:xfrm>
           <a:prstGeom prst="rect">
@@ -3606,7 +3632,7 @@
         </p:nvSpPr>
         <p:spPr>
           <a:xfrm>
-            <a:off x="5003634" y="2637399"/>
+            <a:off x="4957914" y="2637399"/>
             <a:ext cx="720080" cy="720080"/>
           </a:xfrm>
           <a:prstGeom prst="plus">
@@ -3652,7 +3678,7 @@
         </p:nvSpPr>
         <p:spPr>
           <a:xfrm>
-            <a:off x="3689695" y="2646489"/>
+            <a:off x="3598890" y="2656014"/>
             <a:ext cx="737461" cy="737461"/>
           </a:xfrm>
           <a:prstGeom prst="ellipse">
@@ -3698,7 +3724,7 @@
         </p:nvSpPr>
         <p:spPr>
           <a:xfrm>
-            <a:off x="6300192" y="2656022"/>
+            <a:off x="6255107" y="2656022"/>
             <a:ext cx="792088" cy="682834"/>
           </a:xfrm>
           <a:prstGeom prst="triangle">
@@ -3733,6 +3759,35 @@
           <a:p>
             <a:pPr algn="ctr"/>
             <a:endParaRPr lang="zh-CN" altLang="en-US"/>
+          </a:p>
+        </p:txBody>
+      </p:sp>
+      <p:sp>
+        <p:nvSpPr>
+          <p:cNvPr id="3" name="文本框 2"/>
+          <p:cNvSpPr txBox="1"/>
+          <p:nvPr/>
+        </p:nvSpPr>
+        <p:spPr>
+          <a:xfrm>
+            <a:off x="5533390" y="2118360"/>
+            <a:ext cx="1222375" cy="368300"/>
+          </a:xfrm>
+          <a:prstGeom prst="rect">
+            <a:avLst/>
+          </a:prstGeom>
+          <a:noFill/>
+        </p:spPr>
+        <p:txBody>
+          <a:bodyPr wrap="square" rtlCol="0">
+            <a:spAutoFit/>
+          </a:bodyPr>
+          <a:p>
+            <a:r>
+              <a:rPr lang="en-US" altLang="zh-CN"/>
+              <a:t>G07</a:t>
+            </a:r>
+            <a:endParaRPr lang="en-US" altLang="zh-CN"/>
           </a:p>
         </p:txBody>
       </p:sp>
@@ -4385,8 +4440,8 @@
         </p:nvSpPr>
         <p:spPr>
           <a:xfrm>
-            <a:off x="4211960" y="1580198"/>
-            <a:ext cx="4392488" cy="1862048"/>
+            <a:off x="3914145" y="2052003"/>
+            <a:ext cx="4392488" cy="768350"/>
           </a:xfrm>
           <a:prstGeom prst="rect">
             <a:avLst/>
@@ -4400,16 +4455,16 @@
           <a:lstStyle/>
           <a:p>
             <a:r>
-              <a:rPr lang="en-US" altLang="zh-CN" sz="11500" dirty="0" smtClean="0">
+              <a:rPr lang="zh-CN" sz="4400" dirty="0" smtClean="0">
                 <a:solidFill>
                   <a:srgbClr val="00B0F0"/>
                 </a:solidFill>
                 <a:latin typeface="Adobe Gothic Std B" pitchFamily="34" charset="-128"/>
                 <a:ea typeface="Adobe Gothic Std B" pitchFamily="34" charset="-128"/>
               </a:rPr>
-              <a:t>Part 3</a:t>
-            </a:r>
-            <a:endParaRPr lang="zh-CN" altLang="en-US" sz="11500" dirty="0">
+              <a:t>程序的设计说明</a:t>
+            </a:r>
+            <a:endParaRPr lang="zh-CN" sz="4400" dirty="0">
               <a:solidFill>
                 <a:srgbClr val="00B0F0"/>
               </a:solidFill>
@@ -5701,56 +5756,6 @@
       </p:sp>
       <p:sp>
         <p:nvSpPr>
-          <p:cNvPr id="3" name="矩形 2"/>
-          <p:cNvSpPr/>
-          <p:nvPr/>
-        </p:nvSpPr>
-        <p:spPr>
-          <a:xfrm>
-            <a:off x="0" y="2358102"/>
-            <a:ext cx="611560" cy="611560"/>
-          </a:xfrm>
-          <a:prstGeom prst="rect">
-            <a:avLst/>
-          </a:prstGeom>
-          <a:solidFill>
-            <a:srgbClr val="00B0F0"/>
-          </a:solidFill>
-          <a:ln>
-            <a:noFill/>
-          </a:ln>
-        </p:spPr>
-        <p:style>
-          <a:lnRef idx="2">
-            <a:schemeClr val="accent1">
-              <a:shade val="50000"/>
-            </a:schemeClr>
-          </a:lnRef>
-          <a:fillRef idx="1">
-            <a:schemeClr val="accent1"/>
-          </a:fillRef>
-          <a:effectRef idx="0">
-            <a:schemeClr val="accent1"/>
-          </a:effectRef>
-          <a:fontRef idx="minor">
-            <a:schemeClr val="lt1"/>
-          </a:fontRef>
-        </p:style>
-        <p:txBody>
-          <a:bodyPr rtlCol="0" anchor="ctr"/>
-          <a:lstStyle/>
-          <a:p>
-            <a:pPr algn="ctr"/>
-            <a:endParaRPr lang="zh-CN" altLang="en-US">
-              <a:solidFill>
-                <a:srgbClr val="F2A849"/>
-              </a:solidFill>
-            </a:endParaRPr>
-          </a:p>
-        </p:txBody>
-      </p:sp>
-      <p:sp>
-        <p:nvSpPr>
           <p:cNvPr id="4" name="文本框 3"/>
           <p:cNvSpPr txBox="1"/>
           <p:nvPr/>
@@ -5770,13 +5775,21 @@
             <a:spAutoFit/>
           </a:bodyPr>
           <a:p>
+            <a:r>
+              <a:rPr lang="zh-CN" altLang="en-US" b="1">
+                <a:solidFill>
+                  <a:schemeClr val="tx2"/>
+                </a:solidFill>
+              </a:rPr>
+              <a:t>程序描述</a:t>
+            </a:r>
             <a:r>
               <a:rPr lang="zh-CN" altLang="en-US" b="1">
                 <a:solidFill>
                   <a:srgbClr val="054487"/>
                 </a:solidFill>
               </a:rPr>
-              <a:t>程序描述 </a:t>
+              <a:t> </a:t>
             </a:r>
             <a:endParaRPr lang="zh-CN" altLang="en-US" b="1">
               <a:solidFill>
@@ -5794,8 +5807,8 @@
         </p:nvSpPr>
         <p:spPr>
           <a:xfrm>
-            <a:off x="1668780" y="1217295"/>
-            <a:ext cx="5645150" cy="916940"/>
+            <a:off x="1645920" y="922655"/>
+            <a:ext cx="5645150" cy="922020"/>
           </a:xfrm>
           <a:prstGeom prst="rect">
             <a:avLst/>
@@ -5809,7 +5822,7 @@
           <a:p>
             <a:r>
               <a:rPr lang="en-US" altLang="zh-CN"/>
-              <a:t>        </a:t>
+              <a:t>       </a:t>
             </a:r>
             <a:r>
               <a:rPr lang="zh-CN" altLang="en-US"/>
@@ -5819,54 +5832,9 @@
           </a:p>
         </p:txBody>
       </p:sp>
-      <p:sp>
-        <p:nvSpPr>
-          <p:cNvPr id="6" name="文本框 5"/>
-          <p:cNvSpPr txBox="1"/>
-          <p:nvPr/>
-        </p:nvSpPr>
-        <p:spPr>
-          <a:xfrm>
-            <a:off x="880110" y="2484120"/>
-            <a:ext cx="1243330" cy="659130"/>
-          </a:xfrm>
-          <a:prstGeom prst="rect">
-            <a:avLst/>
-          </a:prstGeom>
-          <a:noFill/>
-        </p:spPr>
-        <p:txBody>
-          <a:bodyPr wrap="square" rtlCol="0">
-            <a:spAutoFit/>
-          </a:bodyPr>
-          <a:p>
-            <a:r>
-              <a:rPr lang="zh-CN" b="1" dirty="0" smtClean="0">
-                <a:solidFill>
-                  <a:srgbClr val="1173B0"/>
-                </a:solidFill>
-                <a:latin typeface="微软雅黑" panose="020B0503020204020204" pitchFamily="34" charset="-122"/>
-                <a:ea typeface="微软雅黑" panose="020B0503020204020204" pitchFamily="34" charset="-122"/>
-                <a:sym typeface="+mn-ea"/>
-              </a:rPr>
-              <a:t>流程逻辑</a:t>
-            </a:r>
-            <a:endParaRPr lang="zh-CN" b="1" dirty="0">
-              <a:solidFill>
-                <a:srgbClr val="1173B0"/>
-              </a:solidFill>
-              <a:latin typeface="微软雅黑" panose="020B0503020204020204" pitchFamily="34" charset="-122"/>
-              <a:ea typeface="微软雅黑" panose="020B0503020204020204" pitchFamily="34" charset="-122"/>
-            </a:endParaRPr>
-          </a:p>
-          <a:p>
-            <a:endParaRPr lang="zh-CN" altLang="en-US"/>
-          </a:p>
-        </p:txBody>
-      </p:sp>
       <p:pic>
         <p:nvPicPr>
-          <p:cNvPr id="-2147482621" name="图片 5" descr="1495235361(1)"/>
+          <p:cNvPr id="8" name="图片 -2147482624" descr="超级截屏_20170311_184728"/>
           <p:cNvPicPr>
             <a:picLocks noChangeAspect="1"/>
           </p:cNvPicPr>
@@ -5874,14 +5842,15 @@
         </p:nvPicPr>
         <p:blipFill>
           <a:blip r:embed="rId1"/>
+          <a:srcRect b="7617"/>
           <a:stretch>
             <a:fillRect/>
           </a:stretch>
         </p:blipFill>
         <p:spPr>
           <a:xfrm>
-            <a:off x="2042160" y="2694623"/>
-            <a:ext cx="5271770" cy="2131695"/>
+            <a:off x="7843520" y="-38100"/>
+            <a:ext cx="1167765" cy="1012825"/>
           </a:xfrm>
           <a:prstGeom prst="rect">
             <a:avLst/>
@@ -5892,9 +5861,54 @@
           </a:ln>
         </p:spPr>
       </p:pic>
+      <p:sp>
+        <p:nvSpPr>
+          <p:cNvPr id="9" name="文本框 8"/>
+          <p:cNvSpPr txBox="1"/>
+          <p:nvPr/>
+        </p:nvSpPr>
+        <p:spPr>
+          <a:xfrm>
+            <a:off x="902970" y="2232660"/>
+            <a:ext cx="1402715" cy="368300"/>
+          </a:xfrm>
+          <a:prstGeom prst="rect">
+            <a:avLst/>
+          </a:prstGeom>
+          <a:noFill/>
+        </p:spPr>
+        <p:txBody>
+          <a:bodyPr wrap="square" rtlCol="0">
+            <a:spAutoFit/>
+          </a:bodyPr>
+          <a:p>
+            <a:r>
+              <a:rPr lang="en-US" altLang="zh-CN" b="1">
+                <a:solidFill>
+                  <a:schemeClr val="tx2"/>
+                </a:solidFill>
+              </a:rPr>
+              <a:t>E-R</a:t>
+            </a:r>
+            <a:r>
+              <a:rPr lang="zh-CN" altLang="en-US" b="1">
+                <a:solidFill>
+                  <a:schemeClr val="tx2"/>
+                </a:solidFill>
+              </a:rPr>
+              <a:t>图</a:t>
+            </a:r>
+            <a:endParaRPr lang="zh-CN" altLang="en-US" b="1">
+              <a:solidFill>
+                <a:schemeClr val="tx2"/>
+              </a:solidFill>
+            </a:endParaRPr>
+          </a:p>
+        </p:txBody>
+      </p:sp>
       <p:pic>
         <p:nvPicPr>
-          <p:cNvPr id="8" name="图片 -2147482624" descr="超级截屏_20170311_184728"/>
+          <p:cNvPr id="11" name="图片 10" descr="微信图片_20170528192012"/>
           <p:cNvPicPr>
             <a:picLocks noChangeAspect="1"/>
           </p:cNvPicPr>
@@ -5902,23 +5916,19 @@
         </p:nvPicPr>
         <p:blipFill>
           <a:blip r:embed="rId2"/>
-          <a:srcRect b="7617"/>
+          <a:srcRect l="7842" t="1867" r="7617" b="-1867"/>
           <a:stretch>
             <a:fillRect/>
           </a:stretch>
         </p:blipFill>
         <p:spPr>
           <a:xfrm>
-            <a:off x="7843520" y="-38100"/>
-            <a:ext cx="1167765" cy="1012825"/>
+            <a:off x="1880870" y="2075815"/>
+            <a:ext cx="5962650" cy="3255010"/>
           </a:xfrm>
           <a:prstGeom prst="rect">
             <a:avLst/>
           </a:prstGeom>
-          <a:noFill/>
-          <a:ln w="9525">
-            <a:noFill/>
-          </a:ln>
         </p:spPr>
       </p:pic>
     </p:spTree>
@@ -6047,7 +6057,7 @@
         <p:spPr>
           <a:xfrm>
             <a:off x="1028700" y="554355"/>
-            <a:ext cx="1887220" cy="365760"/>
+            <a:ext cx="1887220" cy="368300"/>
           </a:xfrm>
           <a:prstGeom prst="rect">
             <a:avLst/>
@@ -6060,10 +6070,18 @@
           </a:bodyPr>
           <a:p>
             <a:r>
-              <a:rPr lang="zh-CN" altLang="en-US"/>
+              <a:rPr lang="zh-CN" altLang="en-US" b="1">
+                <a:solidFill>
+                  <a:schemeClr val="tx2"/>
+                </a:solidFill>
+              </a:rPr>
               <a:t>输入项</a:t>
             </a:r>
-            <a:endParaRPr lang="zh-CN" altLang="en-US"/>
+            <a:endParaRPr lang="zh-CN" altLang="en-US" b="1">
+              <a:solidFill>
+                <a:schemeClr val="tx2"/>
+              </a:solidFill>
+            </a:endParaRPr>
           </a:p>
         </p:txBody>
       </p:sp>
@@ -6076,7 +6094,7 @@
         <p:spPr>
           <a:xfrm>
             <a:off x="1074420" y="2920365"/>
-            <a:ext cx="1409065" cy="365760"/>
+            <a:ext cx="1409065" cy="368300"/>
           </a:xfrm>
           <a:prstGeom prst="rect">
             <a:avLst/>
@@ -6089,10 +6107,18 @@
           </a:bodyPr>
           <a:p>
             <a:r>
-              <a:rPr lang="zh-CN" altLang="en-US"/>
+              <a:rPr lang="zh-CN" altLang="en-US" b="1">
+                <a:solidFill>
+                  <a:schemeClr val="tx2"/>
+                </a:solidFill>
+              </a:rPr>
               <a:t>输出项</a:t>
             </a:r>
-            <a:endParaRPr lang="zh-CN" altLang="en-US"/>
+            <a:endParaRPr lang="zh-CN" altLang="en-US" b="1">
+              <a:solidFill>
+                <a:schemeClr val="tx2"/>
+              </a:solidFill>
+            </a:endParaRPr>
           </a:p>
         </p:txBody>
       </p:sp>
@@ -6253,13 +6279,125 @@
       </p:sp>
       <p:sp>
         <p:nvSpPr>
-          <p:cNvPr id="3" name="矩形 2"/>
+          <p:cNvPr id="4" name="文本框 3"/>
+          <p:cNvSpPr txBox="1"/>
+          <p:nvPr/>
+        </p:nvSpPr>
+        <p:spPr>
+          <a:xfrm>
+            <a:off x="902970" y="448310"/>
+            <a:ext cx="1440180" cy="368300"/>
+          </a:xfrm>
+          <a:prstGeom prst="rect">
+            <a:avLst/>
+          </a:prstGeom>
+          <a:noFill/>
+        </p:spPr>
+        <p:txBody>
+          <a:bodyPr wrap="square" rtlCol="0">
+            <a:spAutoFit/>
+          </a:bodyPr>
+          <a:p>
+            <a:r>
+              <a:rPr lang="zh-CN" altLang="en-US" b="1">
+                <a:solidFill>
+                  <a:schemeClr val="tx2"/>
+                </a:solidFill>
+              </a:rPr>
+              <a:t>功能</a:t>
+            </a:r>
+            <a:endParaRPr lang="zh-CN" altLang="en-US" b="1">
+              <a:solidFill>
+                <a:schemeClr val="tx2"/>
+              </a:solidFill>
+            </a:endParaRPr>
+          </a:p>
+        </p:txBody>
+      </p:sp>
+      <p:pic>
+        <p:nvPicPr>
+          <p:cNvPr id="6" name="图片 -2147482623" descr="微信图片_20170423193339"/>
+          <p:cNvPicPr>
+            <a:picLocks noChangeAspect="1"/>
+          </p:cNvPicPr>
+          <p:nvPr/>
+        </p:nvPicPr>
+        <p:blipFill>
+          <a:blip r:embed="rId1"/>
+          <a:stretch>
+            <a:fillRect/>
+          </a:stretch>
+        </p:blipFill>
+        <p:spPr>
+          <a:xfrm>
+            <a:off x="1456690" y="1382395"/>
+            <a:ext cx="6440805" cy="3207385"/>
+          </a:xfrm>
+          <a:prstGeom prst="rect">
+            <a:avLst/>
+          </a:prstGeom>
+          <a:noFill/>
+          <a:ln w="9525">
+            <a:noFill/>
+          </a:ln>
+        </p:spPr>
+      </p:pic>
+      <p:pic>
+        <p:nvPicPr>
+          <p:cNvPr id="9" name="图片 -2147482624" descr="超级截屏_20170311_184728"/>
+          <p:cNvPicPr>
+            <a:picLocks noChangeAspect="1"/>
+          </p:cNvPicPr>
+          <p:nvPr/>
+        </p:nvPicPr>
+        <p:blipFill>
+          <a:blip r:embed="rId2"/>
+          <a:srcRect b="7617"/>
+          <a:stretch>
+            <a:fillRect/>
+          </a:stretch>
+        </p:blipFill>
+        <p:spPr>
+          <a:xfrm>
+            <a:off x="7843520" y="-38100"/>
+            <a:ext cx="1167765" cy="1012825"/>
+          </a:xfrm>
+          <a:prstGeom prst="rect">
+            <a:avLst/>
+          </a:prstGeom>
+          <a:noFill/>
+          <a:ln w="9525">
+            <a:noFill/>
+          </a:ln>
+        </p:spPr>
+      </p:pic>
+    </p:spTree>
+  </p:cSld>
+  <p:clrMapOvr>
+    <a:masterClrMapping/>
+  </p:clrMapOvr>
+</p:sld>
+</file>
+
+<file path=ppt/slides/slide18.xml><?xml version="1.0" encoding="utf-8"?>
+<p:sld xmlns:a="http://schemas.openxmlformats.org/drawingml/2006/main" xmlns:r="http://schemas.openxmlformats.org/officeDocument/2006/relationships" xmlns:p="http://schemas.openxmlformats.org/presentationml/2006/main">
+  <p:cSld>
+    <p:spTree>
+      <p:nvGrpSpPr>
+        <p:cNvPr id="1" name=""/>
+        <p:cNvGrpSpPr/>
+        <p:nvPr/>
+      </p:nvGrpSpPr>
+      <p:grpSpPr/>
+      <p:sp>
+        <p:nvSpPr>
+          <p:cNvPr id="2" name="矩形 1"/>
           <p:cNvSpPr/>
           <p:nvPr/>
         </p:nvSpPr>
         <p:spPr>
           <a:xfrm>
-            <a:off x="0" y="2758152"/>
+            <a:off x="0" y="448022"/>
             <a:ext cx="611560" cy="611560"/>
           </a:xfrm>
           <a:prstGeom prst="rect">
@@ -6290,7 +6428,6 @@
         </p:style>
         <p:txBody>
           <a:bodyPr rtlCol="0" anchor="ctr"/>
-          <a:lstStyle/>
           <a:p>
             <a:pPr algn="ctr"/>
             <a:endParaRPr lang="zh-CN" altLang="en-US">
@@ -6301,116 +6438,9 @@
           </a:p>
         </p:txBody>
       </p:sp>
-      <p:sp>
-        <p:nvSpPr>
-          <p:cNvPr id="4" name="文本框 3"/>
-          <p:cNvSpPr txBox="1"/>
-          <p:nvPr/>
-        </p:nvSpPr>
-        <p:spPr>
-          <a:xfrm>
-            <a:off x="902970" y="448310"/>
-            <a:ext cx="1440180" cy="365760"/>
-          </a:xfrm>
-          <a:prstGeom prst="rect">
-            <a:avLst/>
-          </a:prstGeom>
-          <a:noFill/>
-        </p:spPr>
-        <p:txBody>
-          <a:bodyPr wrap="square" rtlCol="0">
-            <a:spAutoFit/>
-          </a:bodyPr>
-          <a:p>
-            <a:r>
-              <a:rPr lang="zh-CN" altLang="en-US"/>
-              <a:t>功能</a:t>
-            </a:r>
-            <a:endParaRPr lang="zh-CN" altLang="en-US"/>
-          </a:p>
-        </p:txBody>
-      </p:sp>
-      <p:sp>
-        <p:nvSpPr>
-          <p:cNvPr id="5" name="文本框 4"/>
-          <p:cNvSpPr txBox="1"/>
-          <p:nvPr/>
-        </p:nvSpPr>
-        <p:spPr>
-          <a:xfrm>
-            <a:off x="902970" y="2828925"/>
-            <a:ext cx="932815" cy="365760"/>
-          </a:xfrm>
-          <a:prstGeom prst="rect">
-            <a:avLst/>
-          </a:prstGeom>
-          <a:noFill/>
-        </p:spPr>
-        <p:txBody>
-          <a:bodyPr wrap="square" rtlCol="0">
-            <a:spAutoFit/>
-          </a:bodyPr>
-          <a:p>
-            <a:r>
-              <a:rPr lang="zh-CN" altLang="en-US"/>
-              <a:t>性能</a:t>
-            </a:r>
-            <a:endParaRPr lang="zh-CN" altLang="en-US"/>
-          </a:p>
-        </p:txBody>
-      </p:sp>
-      <p:sp>
-        <p:nvSpPr>
-          <p:cNvPr id="7" name="文本框 6"/>
-          <p:cNvSpPr txBox="1"/>
-          <p:nvPr/>
-        </p:nvSpPr>
-        <p:spPr>
-          <a:xfrm>
-            <a:off x="1623060" y="3046095"/>
-            <a:ext cx="6405880" cy="2011680"/>
-          </a:xfrm>
-          <a:prstGeom prst="rect">
-            <a:avLst/>
-          </a:prstGeom>
-          <a:noFill/>
-        </p:spPr>
-        <p:txBody>
-          <a:bodyPr wrap="square" rtlCol="0">
-            <a:spAutoFit/>
-          </a:bodyPr>
-          <a:p>
-            <a:r>
-              <a:rPr lang="zh-CN" altLang="en-US"/>
-              <a:t>软件的输入要求：登录界面要求输入准确，手机号输入要求输入精确，目的地点及预期出发    时间要求输入准确；</a:t>
-            </a:r>
-            <a:endParaRPr lang="zh-CN" altLang="en-US"/>
-          </a:p>
-          <a:p>
-            <a:endParaRPr lang="zh-CN" altLang="en-US"/>
-          </a:p>
-          <a:p>
-            <a:r>
-              <a:rPr lang="zh-CN" altLang="en-US"/>
-              <a:t>软件的输出要求：根据用户提供的标签，输出相对应的攻略要求的精度较低，允许有错误</a:t>
-            </a:r>
-            <a:endParaRPr lang="zh-CN" altLang="en-US"/>
-          </a:p>
-          <a:p>
-            <a:endParaRPr lang="zh-CN" altLang="en-US"/>
-          </a:p>
-          <a:p>
-            <a:r>
-              <a:rPr lang="zh-CN" altLang="en-US"/>
-              <a:t>软件的传输过程中的精度：精度要求高，不允许出错</a:t>
-            </a:r>
-            <a:endParaRPr lang="zh-CN" altLang="en-US"/>
-          </a:p>
-        </p:txBody>
-      </p:sp>
       <p:pic>
         <p:nvPicPr>
-          <p:cNvPr id="-2147482622" name="图片 -2147482623" descr="微信图片_20170423193339"/>
+          <p:cNvPr id="9" name="图片 -2147482624" descr="超级截屏_20170311_184728"/>
           <p:cNvPicPr>
             <a:picLocks noChangeAspect="1"/>
           </p:cNvPicPr>
@@ -6418,14 +6448,15 @@
         </p:nvPicPr>
         <p:blipFill>
           <a:blip r:embed="rId1"/>
+          <a:srcRect b="7617"/>
           <a:stretch>
             <a:fillRect/>
           </a:stretch>
         </p:blipFill>
         <p:spPr>
           <a:xfrm>
-            <a:off x="2096770" y="205105"/>
-            <a:ext cx="5270500" cy="2624455"/>
+            <a:off x="7843520" y="-38100"/>
+            <a:ext cx="1167765" cy="1012825"/>
           </a:xfrm>
           <a:prstGeom prst="rect">
             <a:avLst/>
@@ -6436,6 +6467,185 @@
           </a:ln>
         </p:spPr>
       </p:pic>
+      <p:sp>
+        <p:nvSpPr>
+          <p:cNvPr id="3" name="文本框 2"/>
+          <p:cNvSpPr txBox="1"/>
+          <p:nvPr/>
+        </p:nvSpPr>
+        <p:spPr>
+          <a:xfrm>
+            <a:off x="937260" y="506730"/>
+            <a:ext cx="1402715" cy="368300"/>
+          </a:xfrm>
+          <a:prstGeom prst="rect">
+            <a:avLst/>
+          </a:prstGeom>
+          <a:noFill/>
+        </p:spPr>
+        <p:txBody>
+          <a:bodyPr wrap="square" rtlCol="0">
+            <a:spAutoFit/>
+          </a:bodyPr>
+          <a:p>
+            <a:r>
+              <a:rPr lang="zh-CN" altLang="en-US" b="1">
+                <a:solidFill>
+                  <a:schemeClr val="tx2"/>
+                </a:solidFill>
+              </a:rPr>
+              <a:t>性能</a:t>
+            </a:r>
+            <a:endParaRPr lang="zh-CN" altLang="en-US" b="1">
+              <a:solidFill>
+                <a:schemeClr val="tx2"/>
+              </a:solidFill>
+            </a:endParaRPr>
+          </a:p>
+        </p:txBody>
+      </p:sp>
+      <p:sp>
+        <p:nvSpPr>
+          <p:cNvPr id="4" name="文本框 3"/>
+          <p:cNvSpPr txBox="1"/>
+          <p:nvPr/>
+        </p:nvSpPr>
+        <p:spPr>
+          <a:xfrm>
+            <a:off x="1245870" y="1421130"/>
+            <a:ext cx="5831840" cy="2861310"/>
+          </a:xfrm>
+          <a:prstGeom prst="rect">
+            <a:avLst/>
+          </a:prstGeom>
+          <a:noFill/>
+        </p:spPr>
+        <p:txBody>
+          <a:bodyPr wrap="square" rtlCol="0">
+            <a:spAutoFit/>
+          </a:bodyPr>
+          <a:p>
+            <a:r>
+              <a:rPr lang="en-US" altLang="zh-CN">
+                <a:sym typeface="+mn-ea"/>
+              </a:rPr>
+              <a:t>        </a:t>
+            </a:r>
+            <a:r>
+              <a:rPr lang="zh-CN" altLang="en-US">
+                <a:sym typeface="+mn-ea"/>
+              </a:rPr>
+              <a:t>软件的输入要求：登录界面要求输入准确，手机号输入要求输入精确，目的地点及预期出发    时间要求输入准确；</a:t>
+            </a:r>
+            <a:endParaRPr lang="zh-CN" altLang="en-US"/>
+          </a:p>
+          <a:p>
+            <a:endParaRPr lang="zh-CN" altLang="en-US"/>
+          </a:p>
+          <a:p>
+            <a:r>
+              <a:rPr lang="zh-CN" altLang="en-US">
+                <a:sym typeface="+mn-ea"/>
+              </a:rPr>
+              <a:t>         软件的输出要求：根据用户提供的标签，输出相对应的攻略要求的精度较低，允许有错误</a:t>
+            </a:r>
+            <a:endParaRPr lang="zh-CN" altLang="en-US"/>
+          </a:p>
+          <a:p>
+            <a:endParaRPr lang="zh-CN" altLang="en-US"/>
+          </a:p>
+          <a:p>
+            <a:r>
+              <a:rPr lang="zh-CN" altLang="en-US">
+                <a:sym typeface="+mn-ea"/>
+              </a:rPr>
+              <a:t>          软件的传输过程中的精度：</a:t>
+            </a:r>
+            <a:endParaRPr lang="zh-CN" altLang="en-US">
+              <a:sym typeface="+mn-ea"/>
+            </a:endParaRPr>
+          </a:p>
+          <a:p>
+            <a:r>
+              <a:rPr lang="zh-CN" altLang="en-US">
+                <a:sym typeface="+mn-ea"/>
+              </a:rPr>
+              <a:t>精度要求高，不允许出错</a:t>
+            </a:r>
+            <a:endParaRPr lang="zh-CN" altLang="en-US"/>
+          </a:p>
+          <a:p>
+            <a:endParaRPr lang="zh-CN" altLang="en-US"/>
+          </a:p>
+        </p:txBody>
+      </p:sp>
+    </p:spTree>
+  </p:cSld>
+  <p:clrMapOvr>
+    <a:masterClrMapping/>
+  </p:clrMapOvr>
+</p:sld>
+</file>
+
+<file path=ppt/slides/slide19.xml><?xml version="1.0" encoding="utf-8"?>
+<p:sld xmlns:a="http://schemas.openxmlformats.org/drawingml/2006/main" xmlns:r="http://schemas.openxmlformats.org/officeDocument/2006/relationships" xmlns:p="http://schemas.openxmlformats.org/presentationml/2006/main">
+  <p:cSld>
+    <p:spTree>
+      <p:nvGrpSpPr>
+        <p:cNvPr id="1" name=""/>
+        <p:cNvGrpSpPr/>
+        <p:nvPr/>
+      </p:nvGrpSpPr>
+      <p:grpSpPr/>
+      <p:sp>
+        <p:nvSpPr>
+          <p:cNvPr id="2" name="矩形 1"/>
+          <p:cNvSpPr/>
+          <p:nvPr/>
+        </p:nvSpPr>
+        <p:spPr>
+          <a:xfrm>
+            <a:off x="0" y="448022"/>
+            <a:ext cx="611560" cy="611560"/>
+          </a:xfrm>
+          <a:prstGeom prst="rect">
+            <a:avLst/>
+          </a:prstGeom>
+          <a:solidFill>
+            <a:srgbClr val="00B0F0"/>
+          </a:solidFill>
+          <a:ln>
+            <a:noFill/>
+          </a:ln>
+        </p:spPr>
+        <p:style>
+          <a:lnRef idx="2">
+            <a:schemeClr val="accent1">
+              <a:shade val="50000"/>
+            </a:schemeClr>
+          </a:lnRef>
+          <a:fillRef idx="1">
+            <a:schemeClr val="accent1"/>
+          </a:fillRef>
+          <a:effectRef idx="0">
+            <a:schemeClr val="accent1"/>
+          </a:effectRef>
+          <a:fontRef idx="minor">
+            <a:schemeClr val="lt1"/>
+          </a:fontRef>
+        </p:style>
+        <p:txBody>
+          <a:bodyPr rtlCol="0" anchor="ctr"/>
+          <a:p>
+            <a:pPr algn="ctr"/>
+            <a:endParaRPr lang="zh-CN" altLang="en-US">
+              <a:solidFill>
+                <a:srgbClr val="F2A849"/>
+              </a:solidFill>
+            </a:endParaRPr>
+          </a:p>
+        </p:txBody>
+      </p:sp>
       <p:pic>
         <p:nvPicPr>
           <p:cNvPr id="9" name="图片 -2147482624" descr="超级截屏_20170311_184728"/>
@@ -6445,7 +6655,7 @@
           <p:nvPr/>
         </p:nvPicPr>
         <p:blipFill>
-          <a:blip r:embed="rId2"/>
+          <a:blip r:embed="rId1"/>
           <a:srcRect b="7617"/>
           <a:stretch>
             <a:fillRect/>
@@ -6455,6 +6665,71 @@
           <a:xfrm>
             <a:off x="7843520" y="-38100"/>
             <a:ext cx="1167765" cy="1012825"/>
+          </a:xfrm>
+          <a:prstGeom prst="rect">
+            <a:avLst/>
+          </a:prstGeom>
+          <a:noFill/>
+          <a:ln w="9525">
+            <a:noFill/>
+          </a:ln>
+        </p:spPr>
+      </p:pic>
+      <p:sp>
+        <p:nvSpPr>
+          <p:cNvPr id="3" name="文本框 2"/>
+          <p:cNvSpPr txBox="1"/>
+          <p:nvPr/>
+        </p:nvSpPr>
+        <p:spPr>
+          <a:xfrm>
+            <a:off x="960120" y="606425"/>
+            <a:ext cx="1630045" cy="368300"/>
+          </a:xfrm>
+          <a:prstGeom prst="rect">
+            <a:avLst/>
+          </a:prstGeom>
+          <a:noFill/>
+        </p:spPr>
+        <p:txBody>
+          <a:bodyPr wrap="square" rtlCol="0">
+            <a:spAutoFit/>
+          </a:bodyPr>
+          <a:p>
+            <a:r>
+              <a:rPr lang="zh-CN" altLang="en-US" b="1">
+                <a:solidFill>
+                  <a:schemeClr val="tx2"/>
+                </a:solidFill>
+              </a:rPr>
+              <a:t>流程逻辑</a:t>
+            </a:r>
+            <a:endParaRPr lang="zh-CN" altLang="en-US" b="1">
+              <a:solidFill>
+                <a:schemeClr val="tx2"/>
+              </a:solidFill>
+            </a:endParaRPr>
+          </a:p>
+        </p:txBody>
+      </p:sp>
+      <p:pic>
+        <p:nvPicPr>
+          <p:cNvPr id="4" name="图片 -2147482621" descr="1495969790"/>
+          <p:cNvPicPr>
+            <a:picLocks noChangeAspect="1"/>
+          </p:cNvPicPr>
+          <p:nvPr/>
+        </p:nvPicPr>
+        <p:blipFill>
+          <a:blip r:embed="rId2"/>
+          <a:stretch>
+            <a:fillRect/>
+          </a:stretch>
+        </p:blipFill>
+        <p:spPr>
+          <a:xfrm>
+            <a:off x="1233170" y="1379220"/>
+            <a:ext cx="6610350" cy="3105150"/>
           </a:xfrm>
           <a:prstGeom prst="rect">
             <a:avLst/>
@@ -6473,7 +6748,2150 @@
 </p:sld>
 </file>
 
-<file path=ppt/slides/slide18.xml><?xml version="1.0" encoding="utf-8"?>
+<file path=ppt/slides/slide2.xml><?xml version="1.0" encoding="utf-8"?>
+<p:sld xmlns:a="http://schemas.openxmlformats.org/drawingml/2006/main" xmlns:r="http://schemas.openxmlformats.org/officeDocument/2006/relationships" xmlns:p="http://schemas.openxmlformats.org/presentationml/2006/main">
+  <p:cSld>
+    <p:spTree>
+      <p:nvGrpSpPr>
+        <p:cNvPr id="1" name=""/>
+        <p:cNvGrpSpPr/>
+        <p:nvPr/>
+      </p:nvGrpSpPr>
+      <p:grpSpPr>
+        <a:xfrm>
+          <a:off x="0" y="0"/>
+          <a:ext cx="0" cy="0"/>
+          <a:chOff x="0" y="0"/>
+          <a:chExt cx="0" cy="0"/>
+        </a:xfrm>
+      </p:grpSpPr>
+      <p:grpSp>
+        <p:nvGrpSpPr>
+          <p:cNvPr id="22" name="组合 21"/>
+          <p:cNvGrpSpPr/>
+          <p:nvPr/>
+        </p:nvGrpSpPr>
+        <p:grpSpPr>
+          <a:xfrm rot="0">
+            <a:off x="6376035" y="1330325"/>
+            <a:ext cx="1467485" cy="1577340"/>
+            <a:chOff x="1259632" y="1419622"/>
+            <a:chExt cx="1152128" cy="1300919"/>
+          </a:xfrm>
+        </p:grpSpPr>
+        <p:sp>
+          <p:nvSpPr>
+            <p:cNvPr id="25" name="椭圆 24"/>
+            <p:cNvSpPr/>
+            <p:nvPr/>
+          </p:nvSpPr>
+          <p:spPr>
+            <a:xfrm>
+              <a:off x="1259632" y="1419622"/>
+              <a:ext cx="1152128" cy="1152128"/>
+            </a:xfrm>
+            <a:prstGeom prst="ellipse">
+              <a:avLst/>
+            </a:prstGeom>
+            <a:solidFill>
+              <a:srgbClr val="67D993"/>
+            </a:solidFill>
+            <a:ln>
+              <a:noFill/>
+            </a:ln>
+          </p:spPr>
+          <p:style>
+            <a:lnRef idx="2">
+              <a:schemeClr val="accent1">
+                <a:shade val="50000"/>
+              </a:schemeClr>
+            </a:lnRef>
+            <a:fillRef idx="1">
+              <a:schemeClr val="accent1"/>
+            </a:fillRef>
+            <a:effectRef idx="0">
+              <a:schemeClr val="accent1"/>
+            </a:effectRef>
+            <a:fontRef idx="minor">
+              <a:schemeClr val="lt1"/>
+            </a:fontRef>
+          </p:style>
+          <p:txBody>
+            <a:bodyPr rtlCol="0" anchor="ctr"/>
+            <a:p>
+              <a:pPr algn="ctr"/>
+              <a:endParaRPr lang="zh-CN" altLang="en-US"/>
+            </a:p>
+          </p:txBody>
+        </p:sp>
+        <p:sp>
+          <p:nvSpPr>
+            <p:cNvPr id="27" name="椭圆 2"/>
+            <p:cNvSpPr/>
+            <p:nvPr/>
+          </p:nvSpPr>
+          <p:spPr>
+            <a:xfrm rot="1761192">
+              <a:off x="1806317" y="1568413"/>
+              <a:ext cx="576064" cy="1152128"/>
+            </a:xfrm>
+            <a:custGeom>
+              <a:avLst/>
+              <a:gdLst/>
+              <a:ahLst/>
+              <a:cxnLst/>
+              <a:rect l="l" t="t" r="r" b="b"/>
+              <a:pathLst>
+                <a:path w="576064" h="1152128">
+                  <a:moveTo>
+                    <a:pt x="0" y="0"/>
+                  </a:moveTo>
+                  <a:cubicBezTo>
+                    <a:pt x="318151" y="0"/>
+                    <a:pt x="576064" y="257913"/>
+                    <a:pt x="576064" y="576064"/>
+                  </a:cubicBezTo>
+                  <a:cubicBezTo>
+                    <a:pt x="576064" y="894215"/>
+                    <a:pt x="318151" y="1152128"/>
+                    <a:pt x="0" y="1152128"/>
+                  </a:cubicBezTo>
+                  <a:close/>
+                </a:path>
+              </a:pathLst>
+            </a:custGeom>
+            <a:solidFill>
+              <a:srgbClr val="EAEAEA">
+                <a:alpha val="30196"/>
+              </a:srgbClr>
+            </a:solidFill>
+            <a:ln>
+              <a:noFill/>
+            </a:ln>
+          </p:spPr>
+          <p:style>
+            <a:lnRef idx="2">
+              <a:schemeClr val="accent1">
+                <a:shade val="50000"/>
+              </a:schemeClr>
+            </a:lnRef>
+            <a:fillRef idx="1">
+              <a:schemeClr val="accent1"/>
+            </a:fillRef>
+            <a:effectRef idx="0">
+              <a:schemeClr val="accent1"/>
+            </a:effectRef>
+            <a:fontRef idx="minor">
+              <a:schemeClr val="lt1"/>
+            </a:fontRef>
+          </p:style>
+          <p:txBody>
+            <a:bodyPr rtlCol="0" anchor="ctr"/>
+            <a:p>
+              <a:pPr algn="ctr"/>
+              <a:endParaRPr lang="zh-CN" altLang="en-US"/>
+            </a:p>
+          </p:txBody>
+        </p:sp>
+      </p:grpSp>
+      <p:grpSp>
+        <p:nvGrpSpPr>
+          <p:cNvPr id="15" name="组合 14"/>
+          <p:cNvGrpSpPr/>
+          <p:nvPr/>
+        </p:nvGrpSpPr>
+        <p:grpSpPr>
+          <a:xfrm>
+            <a:off x="2654935" y="-143776"/>
+            <a:ext cx="1299732" cy="2757702"/>
+            <a:chOff x="1207393" y="1794853"/>
+            <a:chExt cx="1174988" cy="2754598"/>
+          </a:xfrm>
+        </p:grpSpPr>
+        <p:sp>
+          <p:nvSpPr>
+            <p:cNvPr id="16" name="椭圆 15"/>
+            <p:cNvSpPr/>
+            <p:nvPr/>
+          </p:nvSpPr>
+          <p:spPr>
+            <a:xfrm>
+              <a:off x="1207393" y="3397323"/>
+              <a:ext cx="1152128" cy="1152128"/>
+            </a:xfrm>
+            <a:prstGeom prst="ellipse">
+              <a:avLst/>
+            </a:prstGeom>
+            <a:solidFill>
+              <a:srgbClr val="F2A849"/>
+            </a:solidFill>
+            <a:ln>
+              <a:noFill/>
+            </a:ln>
+          </p:spPr>
+          <p:style>
+            <a:lnRef idx="2">
+              <a:schemeClr val="accent1">
+                <a:shade val="50000"/>
+              </a:schemeClr>
+            </a:lnRef>
+            <a:fillRef idx="1">
+              <a:schemeClr val="accent1"/>
+            </a:fillRef>
+            <a:effectRef idx="0">
+              <a:schemeClr val="accent1"/>
+            </a:effectRef>
+            <a:fontRef idx="minor">
+              <a:schemeClr val="lt1"/>
+            </a:fontRef>
+          </p:style>
+          <p:txBody>
+            <a:bodyPr rtlCol="0" anchor="ctr"/>
+            <a:p>
+              <a:pPr algn="ctr"/>
+              <a:endParaRPr lang="zh-CN" altLang="en-US"/>
+            </a:p>
+          </p:txBody>
+        </p:sp>
+        <p:sp>
+          <p:nvSpPr>
+            <p:cNvPr id="17" name="椭圆 2"/>
+            <p:cNvSpPr/>
+            <p:nvPr/>
+          </p:nvSpPr>
+          <p:spPr>
+            <a:xfrm rot="1761192">
+              <a:off x="1806317" y="1794853"/>
+              <a:ext cx="576064" cy="1152128"/>
+            </a:xfrm>
+            <a:custGeom>
+              <a:avLst/>
+              <a:gdLst/>
+              <a:ahLst/>
+              <a:cxnLst/>
+              <a:rect l="l" t="t" r="r" b="b"/>
+              <a:pathLst>
+                <a:path w="576064" h="1152128">
+                  <a:moveTo>
+                    <a:pt x="0" y="0"/>
+                  </a:moveTo>
+                  <a:cubicBezTo>
+                    <a:pt x="318151" y="0"/>
+                    <a:pt x="576064" y="257913"/>
+                    <a:pt x="576064" y="576064"/>
+                  </a:cubicBezTo>
+                  <a:cubicBezTo>
+                    <a:pt x="576064" y="894215"/>
+                    <a:pt x="318151" y="1152128"/>
+                    <a:pt x="0" y="1152128"/>
+                  </a:cubicBezTo>
+                  <a:close/>
+                </a:path>
+              </a:pathLst>
+            </a:custGeom>
+            <a:solidFill>
+              <a:srgbClr val="EAEAEA">
+                <a:alpha val="30196"/>
+              </a:srgbClr>
+            </a:solidFill>
+            <a:ln>
+              <a:noFill/>
+            </a:ln>
+          </p:spPr>
+          <p:style>
+            <a:lnRef idx="2">
+              <a:schemeClr val="accent1">
+                <a:shade val="50000"/>
+              </a:schemeClr>
+            </a:lnRef>
+            <a:fillRef idx="1">
+              <a:schemeClr val="accent1"/>
+            </a:fillRef>
+            <a:effectRef idx="0">
+              <a:schemeClr val="accent1"/>
+            </a:effectRef>
+            <a:fontRef idx="minor">
+              <a:schemeClr val="lt1"/>
+            </a:fontRef>
+          </p:style>
+          <p:txBody>
+            <a:bodyPr rtlCol="0" anchor="ctr"/>
+            <a:p>
+              <a:pPr algn="ctr"/>
+              <a:endParaRPr lang="zh-CN" altLang="en-US"/>
+            </a:p>
+          </p:txBody>
+        </p:sp>
+      </p:grpSp>
+      <p:sp>
+        <p:nvSpPr>
+          <p:cNvPr id="33" name="矩形 32"/>
+          <p:cNvSpPr/>
+          <p:nvPr/>
+        </p:nvSpPr>
+        <p:spPr>
+          <a:xfrm>
+            <a:off x="1432189" y="2054925"/>
+            <a:ext cx="735006" cy="241289"/>
+          </a:xfrm>
+          <a:prstGeom prst="rect">
+            <a:avLst/>
+          </a:prstGeom>
+          <a:noFill/>
+          <a:ln w="25400" cap="flat" cmpd="sng" algn="ctr">
+            <a:noFill/>
+            <a:prstDash val="solid"/>
+          </a:ln>
+          <a:effectLst/>
+        </p:spPr>
+        <p:txBody>
+          <a:bodyPr rtlCol="0" anchor="ctr"/>
+          <a:lstStyle/>
+          <a:p>
+            <a:pPr marL="0" marR="0" lvl="0" indent="0" defTabSz="914400" eaLnBrk="1" fontAlgn="auto" latinLnBrk="0" hangingPunct="1">
+              <a:lnSpc>
+                <a:spcPct val="100000"/>
+              </a:lnSpc>
+              <a:spcBef>
+                <a:spcPts val="0"/>
+              </a:spcBef>
+              <a:spcAft>
+                <a:spcPts val="0"/>
+              </a:spcAft>
+              <a:buClrTx/>
+              <a:buSzTx/>
+              <a:buFontTx/>
+              <a:buNone/>
+              <a:defRPr/>
+            </a:pPr>
+            <a:r>
+              <a:rPr kumimoji="0" lang="en-US" altLang="zh-CN" sz="100" b="0" i="0" u="none" strike="noStrike" kern="0" cap="none" spc="0" normalizeH="0" baseline="0" noProof="0" dirty="0">
+                <a:ln>
+                  <a:noFill/>
+                </a:ln>
+                <a:solidFill>
+                  <a:sysClr val="window" lastClr="FFFFFF"/>
+                </a:solidFill>
+                <a:effectLst/>
+                <a:uLnTx/>
+                <a:uFillTx/>
+                <a:latin typeface="Calibri" panose="020F0502020204030204"/>
+                <a:ea typeface="宋体" panose="02010600030101010101" pitchFamily="2" charset="-122"/>
+                <a:cs typeface="+mn-cs"/>
+              </a:rPr>
+              <a:t>PPT</a:t>
+            </a:r>
+            <a:r>
+              <a:rPr kumimoji="0" lang="zh-CN" altLang="en-US" sz="100" b="0" i="0" u="none" strike="noStrike" kern="0" cap="none" spc="0" normalizeH="0" baseline="0" noProof="0" dirty="0">
+                <a:ln>
+                  <a:noFill/>
+                </a:ln>
+                <a:solidFill>
+                  <a:sysClr val="window" lastClr="FFFFFF"/>
+                </a:solidFill>
+                <a:effectLst/>
+                <a:uLnTx/>
+                <a:uFillTx/>
+                <a:latin typeface="Calibri" panose="020F0502020204030204"/>
+                <a:ea typeface="宋体" panose="02010600030101010101" pitchFamily="2" charset="-122"/>
+                <a:cs typeface="+mn-cs"/>
+              </a:rPr>
+              <a:t>模板：</a:t>
+            </a:r>
+            <a:r>
+              <a:rPr kumimoji="0" lang="en-US" altLang="zh-CN" sz="100" b="0" i="0" u="none" strike="noStrike" kern="0" cap="none" spc="0" normalizeH="0" baseline="0" noProof="0" dirty="0">
+                <a:ln>
+                  <a:noFill/>
+                </a:ln>
+                <a:solidFill>
+                  <a:sysClr val="window" lastClr="FFFFFF"/>
+                </a:solidFill>
+                <a:effectLst/>
+                <a:uLnTx/>
+                <a:uFillTx/>
+                <a:latin typeface="Calibri" panose="020F0502020204030204"/>
+                <a:ea typeface="宋体" panose="02010600030101010101" pitchFamily="2" charset="-122"/>
+                <a:cs typeface="+mn-cs"/>
+              </a:rPr>
+              <a:t>www.1ppt.com/moban/                  PPT</a:t>
+            </a:r>
+            <a:r>
+              <a:rPr kumimoji="0" lang="zh-CN" altLang="en-US" sz="100" b="0" i="0" u="none" strike="noStrike" kern="0" cap="none" spc="0" normalizeH="0" baseline="0" noProof="0" dirty="0">
+                <a:ln>
+                  <a:noFill/>
+                </a:ln>
+                <a:solidFill>
+                  <a:sysClr val="window" lastClr="FFFFFF"/>
+                </a:solidFill>
+                <a:effectLst/>
+                <a:uLnTx/>
+                <a:uFillTx/>
+                <a:latin typeface="Calibri" panose="020F0502020204030204"/>
+                <a:ea typeface="宋体" panose="02010600030101010101" pitchFamily="2" charset="-122"/>
+                <a:cs typeface="+mn-cs"/>
+              </a:rPr>
+              <a:t>素材：</a:t>
+            </a:r>
+            <a:r>
+              <a:rPr kumimoji="0" lang="en-US" altLang="zh-CN" sz="100" b="0" i="0" u="none" strike="noStrike" kern="0" cap="none" spc="0" normalizeH="0" baseline="0" noProof="0" dirty="0">
+                <a:ln>
+                  <a:noFill/>
+                </a:ln>
+                <a:solidFill>
+                  <a:sysClr val="window" lastClr="FFFFFF"/>
+                </a:solidFill>
+                <a:effectLst/>
+                <a:uLnTx/>
+                <a:uFillTx/>
+                <a:latin typeface="Calibri" panose="020F0502020204030204"/>
+                <a:ea typeface="宋体" panose="02010600030101010101" pitchFamily="2" charset="-122"/>
+                <a:cs typeface="+mn-cs"/>
+              </a:rPr>
+              <a:t>www.1ppt.com/sucai/</a:t>
+            </a:r>
+            <a:endParaRPr kumimoji="0" lang="en-US" altLang="zh-CN" sz="100" b="0" i="0" u="none" strike="noStrike" kern="0" cap="none" spc="0" normalizeH="0" baseline="0" noProof="0" dirty="0">
+              <a:ln>
+                <a:noFill/>
+              </a:ln>
+              <a:solidFill>
+                <a:sysClr val="window" lastClr="FFFFFF"/>
+              </a:solidFill>
+              <a:effectLst/>
+              <a:uLnTx/>
+              <a:uFillTx/>
+              <a:latin typeface="Calibri" panose="020F0502020204030204"/>
+              <a:ea typeface="宋体" panose="02010600030101010101" pitchFamily="2" charset="-122"/>
+              <a:cs typeface="+mn-cs"/>
+            </a:endParaRPr>
+          </a:p>
+          <a:p>
+            <a:pPr marL="0" marR="0" lvl="0" indent="0" defTabSz="914400" eaLnBrk="1" fontAlgn="auto" latinLnBrk="0" hangingPunct="1">
+              <a:lnSpc>
+                <a:spcPct val="100000"/>
+              </a:lnSpc>
+              <a:spcBef>
+                <a:spcPts val="0"/>
+              </a:spcBef>
+              <a:spcAft>
+                <a:spcPts val="0"/>
+              </a:spcAft>
+              <a:buClrTx/>
+              <a:buSzTx/>
+              <a:buFontTx/>
+              <a:buNone/>
+              <a:defRPr/>
+            </a:pPr>
+            <a:r>
+              <a:rPr kumimoji="0" lang="en-US" altLang="zh-CN" sz="100" b="0" i="0" u="none" strike="noStrike" kern="0" cap="none" spc="0" normalizeH="0" baseline="0" noProof="0" dirty="0">
+                <a:ln>
+                  <a:noFill/>
+                </a:ln>
+                <a:solidFill>
+                  <a:sysClr val="window" lastClr="FFFFFF"/>
+                </a:solidFill>
+                <a:effectLst/>
+                <a:uLnTx/>
+                <a:uFillTx/>
+                <a:latin typeface="Calibri" panose="020F0502020204030204"/>
+                <a:ea typeface="宋体" panose="02010600030101010101" pitchFamily="2" charset="-122"/>
+                <a:cs typeface="+mn-cs"/>
+              </a:rPr>
+              <a:t>PPT</a:t>
+            </a:r>
+            <a:r>
+              <a:rPr kumimoji="0" lang="zh-CN" altLang="en-US" sz="100" b="0" i="0" u="none" strike="noStrike" kern="0" cap="none" spc="0" normalizeH="0" baseline="0" noProof="0" dirty="0">
+                <a:ln>
+                  <a:noFill/>
+                </a:ln>
+                <a:solidFill>
+                  <a:sysClr val="window" lastClr="FFFFFF"/>
+                </a:solidFill>
+                <a:effectLst/>
+                <a:uLnTx/>
+                <a:uFillTx/>
+                <a:latin typeface="Calibri" panose="020F0502020204030204"/>
+                <a:ea typeface="宋体" panose="02010600030101010101" pitchFamily="2" charset="-122"/>
+                <a:cs typeface="+mn-cs"/>
+              </a:rPr>
+              <a:t>背景：</a:t>
+            </a:r>
+            <a:r>
+              <a:rPr kumimoji="0" lang="en-US" altLang="zh-CN" sz="100" b="0" i="0" u="none" strike="noStrike" kern="0" cap="none" spc="0" normalizeH="0" baseline="0" noProof="0" dirty="0">
+                <a:ln>
+                  <a:noFill/>
+                </a:ln>
+                <a:solidFill>
+                  <a:sysClr val="window" lastClr="FFFFFF"/>
+                </a:solidFill>
+                <a:effectLst/>
+                <a:uLnTx/>
+                <a:uFillTx/>
+                <a:latin typeface="Calibri" panose="020F0502020204030204"/>
+                <a:ea typeface="宋体" panose="02010600030101010101" pitchFamily="2" charset="-122"/>
+                <a:cs typeface="+mn-cs"/>
+              </a:rPr>
+              <a:t>www.1ppt.com/beijing/                   PPT</a:t>
+            </a:r>
+            <a:r>
+              <a:rPr kumimoji="0" lang="zh-CN" altLang="en-US" sz="100" b="0" i="0" u="none" strike="noStrike" kern="0" cap="none" spc="0" normalizeH="0" baseline="0" noProof="0" dirty="0">
+                <a:ln>
+                  <a:noFill/>
+                </a:ln>
+                <a:solidFill>
+                  <a:sysClr val="window" lastClr="FFFFFF"/>
+                </a:solidFill>
+                <a:effectLst/>
+                <a:uLnTx/>
+                <a:uFillTx/>
+                <a:latin typeface="Calibri" panose="020F0502020204030204"/>
+                <a:ea typeface="宋体" panose="02010600030101010101" pitchFamily="2" charset="-122"/>
+                <a:cs typeface="+mn-cs"/>
+              </a:rPr>
+              <a:t>图表：</a:t>
+            </a:r>
+            <a:r>
+              <a:rPr kumimoji="0" lang="en-US" altLang="zh-CN" sz="100" b="0" i="0" u="none" strike="noStrike" kern="0" cap="none" spc="0" normalizeH="0" baseline="0" noProof="0" dirty="0">
+                <a:ln>
+                  <a:noFill/>
+                </a:ln>
+                <a:solidFill>
+                  <a:sysClr val="window" lastClr="FFFFFF"/>
+                </a:solidFill>
+                <a:effectLst/>
+                <a:uLnTx/>
+                <a:uFillTx/>
+                <a:latin typeface="Calibri" panose="020F0502020204030204"/>
+                <a:ea typeface="宋体" panose="02010600030101010101" pitchFamily="2" charset="-122"/>
+                <a:cs typeface="+mn-cs"/>
+              </a:rPr>
+              <a:t>www.1ppt.com/tubiao/      </a:t>
+            </a:r>
+            <a:endParaRPr kumimoji="0" lang="en-US" altLang="zh-CN" sz="100" b="0" i="0" u="none" strike="noStrike" kern="0" cap="none" spc="0" normalizeH="0" baseline="0" noProof="0" dirty="0">
+              <a:ln>
+                <a:noFill/>
+              </a:ln>
+              <a:solidFill>
+                <a:sysClr val="window" lastClr="FFFFFF"/>
+              </a:solidFill>
+              <a:effectLst/>
+              <a:uLnTx/>
+              <a:uFillTx/>
+              <a:latin typeface="Calibri" panose="020F0502020204030204"/>
+              <a:ea typeface="宋体" panose="02010600030101010101" pitchFamily="2" charset="-122"/>
+              <a:cs typeface="+mn-cs"/>
+            </a:endParaRPr>
+          </a:p>
+          <a:p>
+            <a:pPr marL="0" marR="0" lvl="0" indent="0" defTabSz="914400" eaLnBrk="1" fontAlgn="auto" latinLnBrk="0" hangingPunct="1">
+              <a:lnSpc>
+                <a:spcPct val="100000"/>
+              </a:lnSpc>
+              <a:spcBef>
+                <a:spcPts val="0"/>
+              </a:spcBef>
+              <a:spcAft>
+                <a:spcPts val="0"/>
+              </a:spcAft>
+              <a:buClrTx/>
+              <a:buSzTx/>
+              <a:buFontTx/>
+              <a:buNone/>
+              <a:defRPr/>
+            </a:pPr>
+            <a:r>
+              <a:rPr kumimoji="0" lang="en-US" altLang="zh-CN" sz="100" b="0" i="0" u="none" strike="noStrike" kern="0" cap="none" spc="0" normalizeH="0" baseline="0" noProof="0" dirty="0">
+                <a:ln>
+                  <a:noFill/>
+                </a:ln>
+                <a:solidFill>
+                  <a:sysClr val="window" lastClr="FFFFFF"/>
+                </a:solidFill>
+                <a:effectLst/>
+                <a:uLnTx/>
+                <a:uFillTx/>
+                <a:latin typeface="Calibri" panose="020F0502020204030204"/>
+                <a:ea typeface="宋体" panose="02010600030101010101" pitchFamily="2" charset="-122"/>
+                <a:cs typeface="+mn-cs"/>
+              </a:rPr>
+              <a:t>PPT</a:t>
+            </a:r>
+            <a:r>
+              <a:rPr kumimoji="0" lang="zh-CN" altLang="en-US" sz="100" b="0" i="0" u="none" strike="noStrike" kern="0" cap="none" spc="0" normalizeH="0" baseline="0" noProof="0" dirty="0">
+                <a:ln>
+                  <a:noFill/>
+                </a:ln>
+                <a:solidFill>
+                  <a:sysClr val="window" lastClr="FFFFFF"/>
+                </a:solidFill>
+                <a:effectLst/>
+                <a:uLnTx/>
+                <a:uFillTx/>
+                <a:latin typeface="Calibri" panose="020F0502020204030204"/>
+                <a:ea typeface="宋体" panose="02010600030101010101" pitchFamily="2" charset="-122"/>
+                <a:cs typeface="+mn-cs"/>
+              </a:rPr>
+              <a:t>下载：</a:t>
+            </a:r>
+            <a:r>
+              <a:rPr kumimoji="0" lang="en-US" altLang="zh-CN" sz="100" b="0" i="0" u="none" strike="noStrike" kern="0" cap="none" spc="0" normalizeH="0" baseline="0" noProof="0" dirty="0">
+                <a:ln>
+                  <a:noFill/>
+                </a:ln>
+                <a:solidFill>
+                  <a:sysClr val="window" lastClr="FFFFFF"/>
+                </a:solidFill>
+                <a:effectLst/>
+                <a:uLnTx/>
+                <a:uFillTx/>
+                <a:latin typeface="Calibri" panose="020F0502020204030204"/>
+                <a:ea typeface="宋体" panose="02010600030101010101" pitchFamily="2" charset="-122"/>
+                <a:cs typeface="+mn-cs"/>
+              </a:rPr>
+              <a:t>www.1ppt.com/xiazai/                     PPT</a:t>
+            </a:r>
+            <a:r>
+              <a:rPr kumimoji="0" lang="zh-CN" altLang="en-US" sz="100" b="0" i="0" u="none" strike="noStrike" kern="0" cap="none" spc="0" normalizeH="0" baseline="0" noProof="0" dirty="0">
+                <a:ln>
+                  <a:noFill/>
+                </a:ln>
+                <a:solidFill>
+                  <a:sysClr val="window" lastClr="FFFFFF"/>
+                </a:solidFill>
+                <a:effectLst/>
+                <a:uLnTx/>
+                <a:uFillTx/>
+                <a:latin typeface="Calibri" panose="020F0502020204030204"/>
+                <a:ea typeface="宋体" panose="02010600030101010101" pitchFamily="2" charset="-122"/>
+                <a:cs typeface="+mn-cs"/>
+              </a:rPr>
+              <a:t>教程： </a:t>
+            </a:r>
+            <a:r>
+              <a:rPr kumimoji="0" lang="en-US" altLang="zh-CN" sz="100" b="0" i="0" u="none" strike="noStrike" kern="0" cap="none" spc="0" normalizeH="0" baseline="0" noProof="0" dirty="0">
+                <a:ln>
+                  <a:noFill/>
+                </a:ln>
+                <a:solidFill>
+                  <a:sysClr val="window" lastClr="FFFFFF"/>
+                </a:solidFill>
+                <a:effectLst/>
+                <a:uLnTx/>
+                <a:uFillTx/>
+                <a:latin typeface="Calibri" panose="020F0502020204030204"/>
+                <a:ea typeface="宋体" panose="02010600030101010101" pitchFamily="2" charset="-122"/>
+                <a:cs typeface="+mn-cs"/>
+              </a:rPr>
+              <a:t>www.1ppt.com/powerpoint/      </a:t>
+            </a:r>
+            <a:endParaRPr kumimoji="0" lang="en-US" altLang="zh-CN" sz="100" b="0" i="0" u="none" strike="noStrike" kern="0" cap="none" spc="0" normalizeH="0" baseline="0" noProof="0" dirty="0">
+              <a:ln>
+                <a:noFill/>
+              </a:ln>
+              <a:solidFill>
+                <a:sysClr val="window" lastClr="FFFFFF"/>
+              </a:solidFill>
+              <a:effectLst/>
+              <a:uLnTx/>
+              <a:uFillTx/>
+              <a:latin typeface="Calibri" panose="020F0502020204030204"/>
+              <a:ea typeface="宋体" panose="02010600030101010101" pitchFamily="2" charset="-122"/>
+              <a:cs typeface="+mn-cs"/>
+            </a:endParaRPr>
+          </a:p>
+          <a:p>
+            <a:pPr marL="0" marR="0" lvl="0" indent="0" defTabSz="914400" eaLnBrk="1" fontAlgn="auto" latinLnBrk="0" hangingPunct="1">
+              <a:lnSpc>
+                <a:spcPct val="100000"/>
+              </a:lnSpc>
+              <a:spcBef>
+                <a:spcPts val="0"/>
+              </a:spcBef>
+              <a:spcAft>
+                <a:spcPts val="0"/>
+              </a:spcAft>
+              <a:buClrTx/>
+              <a:buSzTx/>
+              <a:buFontTx/>
+              <a:buNone/>
+              <a:defRPr/>
+            </a:pPr>
+            <a:r>
+              <a:rPr kumimoji="0" lang="zh-CN" altLang="en-US" sz="100" b="0" i="0" u="none" strike="noStrike" kern="0" cap="none" spc="0" normalizeH="0" baseline="0" noProof="0" dirty="0">
+                <a:ln>
+                  <a:noFill/>
+                </a:ln>
+                <a:solidFill>
+                  <a:sysClr val="window" lastClr="FFFFFF"/>
+                </a:solidFill>
+                <a:effectLst/>
+                <a:uLnTx/>
+                <a:uFillTx/>
+                <a:latin typeface="Calibri" panose="020F0502020204030204"/>
+                <a:ea typeface="宋体" panose="02010600030101010101" pitchFamily="2" charset="-122"/>
+                <a:cs typeface="+mn-cs"/>
+              </a:rPr>
+              <a:t>资料下载：</a:t>
+            </a:r>
+            <a:r>
+              <a:rPr kumimoji="0" lang="en-US" altLang="zh-CN" sz="100" b="0" i="0" u="none" strike="noStrike" kern="0" cap="none" spc="0" normalizeH="0" baseline="0" noProof="0" dirty="0">
+                <a:ln>
+                  <a:noFill/>
+                </a:ln>
+                <a:solidFill>
+                  <a:sysClr val="window" lastClr="FFFFFF"/>
+                </a:solidFill>
+                <a:effectLst/>
+                <a:uLnTx/>
+                <a:uFillTx/>
+                <a:latin typeface="Calibri" panose="020F0502020204030204"/>
+                <a:ea typeface="宋体" panose="02010600030101010101" pitchFamily="2" charset="-122"/>
+                <a:cs typeface="+mn-cs"/>
+              </a:rPr>
+              <a:t>www.1ppt.com/ziliao/                   </a:t>
+            </a:r>
+            <a:r>
+              <a:rPr kumimoji="0" lang="zh-CN" altLang="en-US" sz="100" b="0" i="0" u="none" strike="noStrike" kern="0" cap="none" spc="0" normalizeH="0" baseline="0" noProof="0" dirty="0">
+                <a:ln>
+                  <a:noFill/>
+                </a:ln>
+                <a:solidFill>
+                  <a:sysClr val="window" lastClr="FFFFFF"/>
+                </a:solidFill>
+                <a:effectLst/>
+                <a:uLnTx/>
+                <a:uFillTx/>
+                <a:latin typeface="Calibri" panose="020F0502020204030204"/>
+                <a:ea typeface="宋体" panose="02010600030101010101" pitchFamily="2" charset="-122"/>
+                <a:cs typeface="+mn-cs"/>
+              </a:rPr>
+              <a:t>范文下载：</a:t>
+            </a:r>
+            <a:r>
+              <a:rPr kumimoji="0" lang="en-US" altLang="zh-CN" sz="100" b="0" i="0" u="none" strike="noStrike" kern="0" cap="none" spc="0" normalizeH="0" baseline="0" noProof="0" dirty="0">
+                <a:ln>
+                  <a:noFill/>
+                </a:ln>
+                <a:solidFill>
+                  <a:sysClr val="window" lastClr="FFFFFF"/>
+                </a:solidFill>
+                <a:effectLst/>
+                <a:uLnTx/>
+                <a:uFillTx/>
+                <a:latin typeface="Calibri" panose="020F0502020204030204"/>
+                <a:ea typeface="宋体" panose="02010600030101010101" pitchFamily="2" charset="-122"/>
+                <a:cs typeface="+mn-cs"/>
+              </a:rPr>
+              <a:t>www.1ppt.com/fanwen/             </a:t>
+            </a:r>
+            <a:endParaRPr kumimoji="0" lang="en-US" altLang="zh-CN" sz="100" b="0" i="0" u="none" strike="noStrike" kern="0" cap="none" spc="0" normalizeH="0" baseline="0" noProof="0" dirty="0">
+              <a:ln>
+                <a:noFill/>
+              </a:ln>
+              <a:solidFill>
+                <a:sysClr val="window" lastClr="FFFFFF"/>
+              </a:solidFill>
+              <a:effectLst/>
+              <a:uLnTx/>
+              <a:uFillTx/>
+              <a:latin typeface="Calibri" panose="020F0502020204030204"/>
+              <a:ea typeface="宋体" panose="02010600030101010101" pitchFamily="2" charset="-122"/>
+              <a:cs typeface="+mn-cs"/>
+            </a:endParaRPr>
+          </a:p>
+          <a:p>
+            <a:pPr marL="0" marR="0" lvl="0" indent="0" defTabSz="914400" eaLnBrk="1" fontAlgn="auto" latinLnBrk="0" hangingPunct="1">
+              <a:lnSpc>
+                <a:spcPct val="100000"/>
+              </a:lnSpc>
+              <a:spcBef>
+                <a:spcPts val="0"/>
+              </a:spcBef>
+              <a:spcAft>
+                <a:spcPts val="0"/>
+              </a:spcAft>
+              <a:buClrTx/>
+              <a:buSzTx/>
+              <a:buFontTx/>
+              <a:buNone/>
+              <a:defRPr/>
+            </a:pPr>
+            <a:r>
+              <a:rPr kumimoji="0" lang="zh-CN" altLang="en-US" sz="100" b="0" i="0" u="none" strike="noStrike" kern="0" cap="none" spc="0" normalizeH="0" baseline="0" noProof="0" dirty="0">
+                <a:ln>
+                  <a:noFill/>
+                </a:ln>
+                <a:solidFill>
+                  <a:sysClr val="window" lastClr="FFFFFF"/>
+                </a:solidFill>
+                <a:effectLst/>
+                <a:uLnTx/>
+                <a:uFillTx/>
+                <a:latin typeface="Calibri" panose="020F0502020204030204"/>
+                <a:ea typeface="宋体" panose="02010600030101010101" pitchFamily="2" charset="-122"/>
+                <a:cs typeface="+mn-cs"/>
+              </a:rPr>
+              <a:t>试卷下载：</a:t>
+            </a:r>
+            <a:r>
+              <a:rPr kumimoji="0" lang="en-US" altLang="zh-CN" sz="100" b="0" i="0" u="none" strike="noStrike" kern="0" cap="none" spc="0" normalizeH="0" baseline="0" noProof="0" dirty="0">
+                <a:ln>
+                  <a:noFill/>
+                </a:ln>
+                <a:solidFill>
+                  <a:sysClr val="window" lastClr="FFFFFF"/>
+                </a:solidFill>
+                <a:effectLst/>
+                <a:uLnTx/>
+                <a:uFillTx/>
+                <a:latin typeface="Calibri" panose="020F0502020204030204"/>
+                <a:ea typeface="宋体" panose="02010600030101010101" pitchFamily="2" charset="-122"/>
+                <a:cs typeface="+mn-cs"/>
+              </a:rPr>
+              <a:t>www.1ppt.com/shiti/                     </a:t>
+            </a:r>
+            <a:r>
+              <a:rPr kumimoji="0" lang="zh-CN" altLang="en-US" sz="100" b="0" i="0" u="none" strike="noStrike" kern="0" cap="none" spc="0" normalizeH="0" baseline="0" noProof="0" dirty="0">
+                <a:ln>
+                  <a:noFill/>
+                </a:ln>
+                <a:solidFill>
+                  <a:sysClr val="window" lastClr="FFFFFF"/>
+                </a:solidFill>
+                <a:effectLst/>
+                <a:uLnTx/>
+                <a:uFillTx/>
+                <a:latin typeface="Calibri" panose="020F0502020204030204"/>
+                <a:ea typeface="宋体" panose="02010600030101010101" pitchFamily="2" charset="-122"/>
+                <a:cs typeface="+mn-cs"/>
+              </a:rPr>
+              <a:t>教案下载：</a:t>
+            </a:r>
+            <a:r>
+              <a:rPr kumimoji="0" lang="en-US" altLang="zh-CN" sz="100" b="0" i="0" u="none" strike="noStrike" kern="0" cap="none" spc="0" normalizeH="0" baseline="0" noProof="0" dirty="0">
+                <a:ln>
+                  <a:noFill/>
+                </a:ln>
+                <a:solidFill>
+                  <a:sysClr val="window" lastClr="FFFFFF"/>
+                </a:solidFill>
+                <a:effectLst/>
+                <a:uLnTx/>
+                <a:uFillTx/>
+                <a:latin typeface="Calibri" panose="020F0502020204030204"/>
+                <a:ea typeface="宋体" panose="02010600030101010101" pitchFamily="2" charset="-122"/>
+                <a:cs typeface="+mn-cs"/>
+              </a:rPr>
+              <a:t>www.1ppt.com/jiaoan/               </a:t>
+            </a:r>
+            <a:endParaRPr kumimoji="0" lang="en-US" altLang="zh-CN" sz="100" b="0" i="0" u="none" strike="noStrike" kern="0" cap="none" spc="0" normalizeH="0" baseline="0" noProof="0" dirty="0">
+              <a:ln>
+                <a:noFill/>
+              </a:ln>
+              <a:solidFill>
+                <a:sysClr val="window" lastClr="FFFFFF"/>
+              </a:solidFill>
+              <a:effectLst/>
+              <a:uLnTx/>
+              <a:uFillTx/>
+              <a:latin typeface="Calibri" panose="020F0502020204030204"/>
+              <a:ea typeface="宋体" panose="02010600030101010101" pitchFamily="2" charset="-122"/>
+              <a:cs typeface="+mn-cs"/>
+            </a:endParaRPr>
+          </a:p>
+          <a:p>
+            <a:pPr marL="0" marR="0" lvl="0" indent="0" defTabSz="914400" eaLnBrk="1" fontAlgn="auto" latinLnBrk="0" hangingPunct="1">
+              <a:lnSpc>
+                <a:spcPct val="100000"/>
+              </a:lnSpc>
+              <a:spcBef>
+                <a:spcPts val="0"/>
+              </a:spcBef>
+              <a:spcAft>
+                <a:spcPts val="0"/>
+              </a:spcAft>
+              <a:buClrTx/>
+              <a:buSzTx/>
+              <a:buFontTx/>
+              <a:buNone/>
+              <a:defRPr/>
+            </a:pPr>
+            <a:r>
+              <a:rPr kumimoji="0" lang="en-US" altLang="zh-CN" sz="100" b="0" i="0" u="none" strike="noStrike" kern="0" cap="none" spc="0" normalizeH="0" baseline="0" noProof="0" dirty="0">
+                <a:ln>
+                  <a:noFill/>
+                </a:ln>
+                <a:solidFill>
+                  <a:sysClr val="window" lastClr="FFFFFF"/>
+                </a:solidFill>
+                <a:effectLst/>
+                <a:uLnTx/>
+                <a:uFillTx/>
+                <a:latin typeface="Calibri" panose="020F0502020204030204"/>
+                <a:ea typeface="宋体" panose="02010600030101010101" pitchFamily="2" charset="-122"/>
+                <a:cs typeface="+mn-cs"/>
+              </a:rPr>
+              <a:t>PPT</a:t>
+            </a:r>
+            <a:r>
+              <a:rPr kumimoji="0" lang="zh-CN" altLang="en-US" sz="100" b="0" i="0" u="none" strike="noStrike" kern="0" cap="none" spc="0" normalizeH="0" baseline="0" noProof="0" dirty="0">
+                <a:ln>
+                  <a:noFill/>
+                </a:ln>
+                <a:solidFill>
+                  <a:sysClr val="window" lastClr="FFFFFF"/>
+                </a:solidFill>
+                <a:effectLst/>
+                <a:uLnTx/>
+                <a:uFillTx/>
+                <a:latin typeface="Calibri" panose="020F0502020204030204"/>
+                <a:ea typeface="宋体" panose="02010600030101010101" pitchFamily="2" charset="-122"/>
+                <a:cs typeface="+mn-cs"/>
+              </a:rPr>
+              <a:t>论坛：</a:t>
+            </a:r>
+            <a:r>
+              <a:rPr kumimoji="0" lang="en-US" altLang="zh-CN" sz="100" b="0" i="0" u="none" strike="noStrike" kern="0" cap="none" spc="0" normalizeH="0" baseline="0" noProof="0" dirty="0">
+                <a:ln>
+                  <a:noFill/>
+                </a:ln>
+                <a:solidFill>
+                  <a:sysClr val="window" lastClr="FFFFFF"/>
+                </a:solidFill>
+                <a:effectLst/>
+                <a:uLnTx/>
+                <a:uFillTx/>
+                <a:latin typeface="Calibri" panose="020F0502020204030204"/>
+                <a:ea typeface="宋体" panose="02010600030101010101" pitchFamily="2" charset="-122"/>
+                <a:cs typeface="+mn-cs"/>
+              </a:rPr>
+              <a:t>www.1ppt.cn                                     PPT</a:t>
+            </a:r>
+            <a:r>
+              <a:rPr kumimoji="0" lang="zh-CN" altLang="en-US" sz="100" b="0" i="0" u="none" strike="noStrike" kern="0" cap="none" spc="0" normalizeH="0" baseline="0" noProof="0" dirty="0">
+                <a:ln>
+                  <a:noFill/>
+                </a:ln>
+                <a:solidFill>
+                  <a:sysClr val="window" lastClr="FFFFFF"/>
+                </a:solidFill>
+                <a:effectLst/>
+                <a:uLnTx/>
+                <a:uFillTx/>
+                <a:latin typeface="Calibri" panose="020F0502020204030204"/>
+                <a:ea typeface="宋体" panose="02010600030101010101" pitchFamily="2" charset="-122"/>
+                <a:cs typeface="+mn-cs"/>
+              </a:rPr>
+              <a:t>课件：</a:t>
+            </a:r>
+            <a:r>
+              <a:rPr kumimoji="0" lang="en-US" altLang="zh-CN" sz="100" b="0" i="0" u="none" strike="noStrike" kern="0" cap="none" spc="0" normalizeH="0" baseline="0" noProof="0" dirty="0">
+                <a:ln>
+                  <a:noFill/>
+                </a:ln>
+                <a:solidFill>
+                  <a:sysClr val="window" lastClr="FFFFFF"/>
+                </a:solidFill>
+                <a:effectLst/>
+                <a:uLnTx/>
+                <a:uFillTx/>
+                <a:latin typeface="Calibri" panose="020F0502020204030204"/>
+                <a:ea typeface="宋体" panose="02010600030101010101" pitchFamily="2" charset="-122"/>
+                <a:cs typeface="+mn-cs"/>
+              </a:rPr>
+              <a:t>www.1ppt.com/kejian/ </a:t>
+            </a:r>
+            <a:endParaRPr kumimoji="0" lang="en-US" altLang="zh-CN" sz="100" b="0" i="0" u="none" strike="noStrike" kern="0" cap="none" spc="0" normalizeH="0" baseline="0" noProof="0" dirty="0">
+              <a:ln>
+                <a:noFill/>
+              </a:ln>
+              <a:solidFill>
+                <a:sysClr val="window" lastClr="FFFFFF"/>
+              </a:solidFill>
+              <a:effectLst/>
+              <a:uLnTx/>
+              <a:uFillTx/>
+              <a:latin typeface="Calibri" panose="020F0502020204030204"/>
+              <a:ea typeface="宋体" panose="02010600030101010101" pitchFamily="2" charset="-122"/>
+              <a:cs typeface="+mn-cs"/>
+            </a:endParaRPr>
+          </a:p>
+          <a:p>
+            <a:pPr marL="0" marR="0" lvl="0" indent="0" defTabSz="914400" eaLnBrk="1" fontAlgn="auto" latinLnBrk="0" hangingPunct="1">
+              <a:lnSpc>
+                <a:spcPct val="100000"/>
+              </a:lnSpc>
+              <a:spcBef>
+                <a:spcPts val="0"/>
+              </a:spcBef>
+              <a:spcAft>
+                <a:spcPts val="0"/>
+              </a:spcAft>
+              <a:buClrTx/>
+              <a:buSzTx/>
+              <a:buFontTx/>
+              <a:buNone/>
+              <a:defRPr/>
+            </a:pPr>
+            <a:r>
+              <a:rPr kumimoji="0" lang="zh-CN" altLang="en-US" sz="100" b="0" i="0" u="none" strike="noStrike" kern="0" cap="none" spc="0" normalizeH="0" baseline="0" noProof="0" dirty="0">
+                <a:ln>
+                  <a:noFill/>
+                </a:ln>
+                <a:solidFill>
+                  <a:sysClr val="window" lastClr="FFFFFF"/>
+                </a:solidFill>
+                <a:effectLst/>
+                <a:uLnTx/>
+                <a:uFillTx/>
+                <a:latin typeface="Calibri" panose="020F0502020204030204"/>
+                <a:ea typeface="宋体" panose="02010600030101010101" pitchFamily="2" charset="-122"/>
+                <a:cs typeface="+mn-cs"/>
+              </a:rPr>
+              <a:t>语文课件：</a:t>
+            </a:r>
+            <a:r>
+              <a:rPr kumimoji="0" lang="en-US" altLang="zh-CN" sz="100" b="0" i="0" u="none" strike="noStrike" kern="0" cap="none" spc="0" normalizeH="0" baseline="0" noProof="0" dirty="0">
+                <a:ln>
+                  <a:noFill/>
+                </a:ln>
+                <a:solidFill>
+                  <a:sysClr val="window" lastClr="FFFFFF"/>
+                </a:solidFill>
+                <a:effectLst/>
+                <a:uLnTx/>
+                <a:uFillTx/>
+                <a:latin typeface="Calibri" panose="020F0502020204030204"/>
+                <a:ea typeface="宋体" panose="02010600030101010101" pitchFamily="2" charset="-122"/>
+                <a:cs typeface="+mn-cs"/>
+              </a:rPr>
+              <a:t>www.1ppt.com/kejian/yuwen/    </a:t>
+            </a:r>
+            <a:r>
+              <a:rPr kumimoji="0" lang="zh-CN" altLang="en-US" sz="100" b="0" i="0" u="none" strike="noStrike" kern="0" cap="none" spc="0" normalizeH="0" baseline="0" noProof="0" dirty="0">
+                <a:ln>
+                  <a:noFill/>
+                </a:ln>
+                <a:solidFill>
+                  <a:sysClr val="window" lastClr="FFFFFF"/>
+                </a:solidFill>
+                <a:effectLst/>
+                <a:uLnTx/>
+                <a:uFillTx/>
+                <a:latin typeface="Calibri" panose="020F0502020204030204"/>
+                <a:ea typeface="宋体" panose="02010600030101010101" pitchFamily="2" charset="-122"/>
+                <a:cs typeface="+mn-cs"/>
+              </a:rPr>
+              <a:t>数学课件：</a:t>
+            </a:r>
+            <a:r>
+              <a:rPr kumimoji="0" lang="en-US" altLang="zh-CN" sz="100" b="0" i="0" u="none" strike="noStrike" kern="0" cap="none" spc="0" normalizeH="0" baseline="0" noProof="0" dirty="0">
+                <a:ln>
+                  <a:noFill/>
+                </a:ln>
+                <a:solidFill>
+                  <a:sysClr val="window" lastClr="FFFFFF"/>
+                </a:solidFill>
+                <a:effectLst/>
+                <a:uLnTx/>
+                <a:uFillTx/>
+                <a:latin typeface="Calibri" panose="020F0502020204030204"/>
+                <a:ea typeface="宋体" panose="02010600030101010101" pitchFamily="2" charset="-122"/>
+                <a:cs typeface="+mn-cs"/>
+              </a:rPr>
+              <a:t>www.1ppt.com/kejian/shuxue/ </a:t>
+            </a:r>
+            <a:endParaRPr kumimoji="0" lang="en-US" altLang="zh-CN" sz="100" b="0" i="0" u="none" strike="noStrike" kern="0" cap="none" spc="0" normalizeH="0" baseline="0" noProof="0" dirty="0">
+              <a:ln>
+                <a:noFill/>
+              </a:ln>
+              <a:solidFill>
+                <a:sysClr val="window" lastClr="FFFFFF"/>
+              </a:solidFill>
+              <a:effectLst/>
+              <a:uLnTx/>
+              <a:uFillTx/>
+              <a:latin typeface="Calibri" panose="020F0502020204030204"/>
+              <a:ea typeface="宋体" panose="02010600030101010101" pitchFamily="2" charset="-122"/>
+              <a:cs typeface="+mn-cs"/>
+            </a:endParaRPr>
+          </a:p>
+          <a:p>
+            <a:pPr marL="0" marR="0" lvl="0" indent="0" defTabSz="914400" eaLnBrk="1" fontAlgn="auto" latinLnBrk="0" hangingPunct="1">
+              <a:lnSpc>
+                <a:spcPct val="100000"/>
+              </a:lnSpc>
+              <a:spcBef>
+                <a:spcPts val="0"/>
+              </a:spcBef>
+              <a:spcAft>
+                <a:spcPts val="0"/>
+              </a:spcAft>
+              <a:buClrTx/>
+              <a:buSzTx/>
+              <a:buFontTx/>
+              <a:buNone/>
+              <a:defRPr/>
+            </a:pPr>
+            <a:r>
+              <a:rPr kumimoji="0" lang="zh-CN" altLang="en-US" sz="100" b="0" i="0" u="none" strike="noStrike" kern="0" cap="none" spc="0" normalizeH="0" baseline="0" noProof="0" dirty="0">
+                <a:ln>
+                  <a:noFill/>
+                </a:ln>
+                <a:solidFill>
+                  <a:sysClr val="window" lastClr="FFFFFF"/>
+                </a:solidFill>
+                <a:effectLst/>
+                <a:uLnTx/>
+                <a:uFillTx/>
+                <a:latin typeface="Calibri" panose="020F0502020204030204"/>
+                <a:ea typeface="宋体" panose="02010600030101010101" pitchFamily="2" charset="-122"/>
+                <a:cs typeface="+mn-cs"/>
+              </a:rPr>
+              <a:t>英语课件：</a:t>
+            </a:r>
+            <a:r>
+              <a:rPr kumimoji="0" lang="en-US" altLang="zh-CN" sz="100" b="0" i="0" u="none" strike="noStrike" kern="0" cap="none" spc="0" normalizeH="0" baseline="0" noProof="0" dirty="0">
+                <a:ln>
+                  <a:noFill/>
+                </a:ln>
+                <a:solidFill>
+                  <a:sysClr val="window" lastClr="FFFFFF"/>
+                </a:solidFill>
+                <a:effectLst/>
+                <a:uLnTx/>
+                <a:uFillTx/>
+                <a:latin typeface="Calibri" panose="020F0502020204030204"/>
+                <a:ea typeface="宋体" panose="02010600030101010101" pitchFamily="2" charset="-122"/>
+                <a:cs typeface="+mn-cs"/>
+              </a:rPr>
+              <a:t>www.1ppt.com/kejian/yingyu/    </a:t>
+            </a:r>
+            <a:r>
+              <a:rPr kumimoji="0" lang="zh-CN" altLang="en-US" sz="100" b="0" i="0" u="none" strike="noStrike" kern="0" cap="none" spc="0" normalizeH="0" baseline="0" noProof="0" dirty="0">
+                <a:ln>
+                  <a:noFill/>
+                </a:ln>
+                <a:solidFill>
+                  <a:sysClr val="window" lastClr="FFFFFF"/>
+                </a:solidFill>
+                <a:effectLst/>
+                <a:uLnTx/>
+                <a:uFillTx/>
+                <a:latin typeface="Calibri" panose="020F0502020204030204"/>
+                <a:ea typeface="宋体" panose="02010600030101010101" pitchFamily="2" charset="-122"/>
+                <a:cs typeface="+mn-cs"/>
+              </a:rPr>
+              <a:t>美术课件：</a:t>
+            </a:r>
+            <a:r>
+              <a:rPr kumimoji="0" lang="en-US" altLang="zh-CN" sz="100" b="0" i="0" u="none" strike="noStrike" kern="0" cap="none" spc="0" normalizeH="0" baseline="0" noProof="0" dirty="0">
+                <a:ln>
+                  <a:noFill/>
+                </a:ln>
+                <a:solidFill>
+                  <a:sysClr val="window" lastClr="FFFFFF"/>
+                </a:solidFill>
+                <a:effectLst/>
+                <a:uLnTx/>
+                <a:uFillTx/>
+                <a:latin typeface="Calibri" panose="020F0502020204030204"/>
+                <a:ea typeface="宋体" panose="02010600030101010101" pitchFamily="2" charset="-122"/>
+                <a:cs typeface="+mn-cs"/>
+              </a:rPr>
+              <a:t>www.1ppt.com/kejian/meishu/ </a:t>
+            </a:r>
+            <a:endParaRPr kumimoji="0" lang="en-US" altLang="zh-CN" sz="100" b="0" i="0" u="none" strike="noStrike" kern="0" cap="none" spc="0" normalizeH="0" baseline="0" noProof="0" dirty="0">
+              <a:ln>
+                <a:noFill/>
+              </a:ln>
+              <a:solidFill>
+                <a:sysClr val="window" lastClr="FFFFFF"/>
+              </a:solidFill>
+              <a:effectLst/>
+              <a:uLnTx/>
+              <a:uFillTx/>
+              <a:latin typeface="Calibri" panose="020F0502020204030204"/>
+              <a:ea typeface="宋体" panose="02010600030101010101" pitchFamily="2" charset="-122"/>
+              <a:cs typeface="+mn-cs"/>
+            </a:endParaRPr>
+          </a:p>
+          <a:p>
+            <a:pPr marL="0" marR="0" lvl="0" indent="0" defTabSz="914400" eaLnBrk="1" fontAlgn="auto" latinLnBrk="0" hangingPunct="1">
+              <a:lnSpc>
+                <a:spcPct val="100000"/>
+              </a:lnSpc>
+              <a:spcBef>
+                <a:spcPts val="0"/>
+              </a:spcBef>
+              <a:spcAft>
+                <a:spcPts val="0"/>
+              </a:spcAft>
+              <a:buClrTx/>
+              <a:buSzTx/>
+              <a:buFontTx/>
+              <a:buNone/>
+              <a:defRPr/>
+            </a:pPr>
+            <a:r>
+              <a:rPr kumimoji="0" lang="zh-CN" altLang="en-US" sz="100" b="0" i="0" u="none" strike="noStrike" kern="0" cap="none" spc="0" normalizeH="0" baseline="0" noProof="0" dirty="0">
+                <a:ln>
+                  <a:noFill/>
+                </a:ln>
+                <a:solidFill>
+                  <a:sysClr val="window" lastClr="FFFFFF"/>
+                </a:solidFill>
+                <a:effectLst/>
+                <a:uLnTx/>
+                <a:uFillTx/>
+                <a:latin typeface="Calibri" panose="020F0502020204030204"/>
+                <a:ea typeface="宋体" panose="02010600030101010101" pitchFamily="2" charset="-122"/>
+                <a:cs typeface="+mn-cs"/>
+              </a:rPr>
+              <a:t>科学课件：</a:t>
+            </a:r>
+            <a:r>
+              <a:rPr kumimoji="0" lang="en-US" altLang="zh-CN" sz="100" b="0" i="0" u="none" strike="noStrike" kern="0" cap="none" spc="0" normalizeH="0" baseline="0" noProof="0" dirty="0">
+                <a:ln>
+                  <a:noFill/>
+                </a:ln>
+                <a:solidFill>
+                  <a:sysClr val="window" lastClr="FFFFFF"/>
+                </a:solidFill>
+                <a:effectLst/>
+                <a:uLnTx/>
+                <a:uFillTx/>
+                <a:latin typeface="Calibri" panose="020F0502020204030204"/>
+                <a:ea typeface="宋体" panose="02010600030101010101" pitchFamily="2" charset="-122"/>
+                <a:cs typeface="+mn-cs"/>
+              </a:rPr>
+              <a:t>www.1ppt.com/kejian/kexue/     </a:t>
+            </a:r>
+            <a:r>
+              <a:rPr kumimoji="0" lang="zh-CN" altLang="en-US" sz="100" b="0" i="0" u="none" strike="noStrike" kern="0" cap="none" spc="0" normalizeH="0" baseline="0" noProof="0" dirty="0">
+                <a:ln>
+                  <a:noFill/>
+                </a:ln>
+                <a:solidFill>
+                  <a:sysClr val="window" lastClr="FFFFFF"/>
+                </a:solidFill>
+                <a:effectLst/>
+                <a:uLnTx/>
+                <a:uFillTx/>
+                <a:latin typeface="Calibri" panose="020F0502020204030204"/>
+                <a:ea typeface="宋体" panose="02010600030101010101" pitchFamily="2" charset="-122"/>
+                <a:cs typeface="+mn-cs"/>
+              </a:rPr>
+              <a:t>物理课件：</a:t>
+            </a:r>
+            <a:r>
+              <a:rPr kumimoji="0" lang="en-US" altLang="zh-CN" sz="100" b="0" i="0" u="none" strike="noStrike" kern="0" cap="none" spc="0" normalizeH="0" baseline="0" noProof="0" dirty="0">
+                <a:ln>
+                  <a:noFill/>
+                </a:ln>
+                <a:solidFill>
+                  <a:sysClr val="window" lastClr="FFFFFF"/>
+                </a:solidFill>
+                <a:effectLst/>
+                <a:uLnTx/>
+                <a:uFillTx/>
+                <a:latin typeface="Calibri" panose="020F0502020204030204"/>
+                <a:ea typeface="宋体" panose="02010600030101010101" pitchFamily="2" charset="-122"/>
+                <a:cs typeface="+mn-cs"/>
+              </a:rPr>
+              <a:t>www.1ppt.com/kejian/wuli/ </a:t>
+            </a:r>
+            <a:endParaRPr kumimoji="0" lang="en-US" altLang="zh-CN" sz="100" b="0" i="0" u="none" strike="noStrike" kern="0" cap="none" spc="0" normalizeH="0" baseline="0" noProof="0" dirty="0">
+              <a:ln>
+                <a:noFill/>
+              </a:ln>
+              <a:solidFill>
+                <a:sysClr val="window" lastClr="FFFFFF"/>
+              </a:solidFill>
+              <a:effectLst/>
+              <a:uLnTx/>
+              <a:uFillTx/>
+              <a:latin typeface="Calibri" panose="020F0502020204030204"/>
+              <a:ea typeface="宋体" panose="02010600030101010101" pitchFamily="2" charset="-122"/>
+              <a:cs typeface="+mn-cs"/>
+            </a:endParaRPr>
+          </a:p>
+          <a:p>
+            <a:pPr marL="0" marR="0" lvl="0" indent="0" defTabSz="914400" eaLnBrk="1" fontAlgn="auto" latinLnBrk="0" hangingPunct="1">
+              <a:lnSpc>
+                <a:spcPct val="100000"/>
+              </a:lnSpc>
+              <a:spcBef>
+                <a:spcPts val="0"/>
+              </a:spcBef>
+              <a:spcAft>
+                <a:spcPts val="0"/>
+              </a:spcAft>
+              <a:buClrTx/>
+              <a:buSzTx/>
+              <a:buFontTx/>
+              <a:buNone/>
+              <a:defRPr/>
+            </a:pPr>
+            <a:r>
+              <a:rPr kumimoji="0" lang="zh-CN" altLang="en-US" sz="100" b="0" i="0" u="none" strike="noStrike" kern="0" cap="none" spc="0" normalizeH="0" baseline="0" noProof="0" dirty="0">
+                <a:ln>
+                  <a:noFill/>
+                </a:ln>
+                <a:solidFill>
+                  <a:sysClr val="window" lastClr="FFFFFF"/>
+                </a:solidFill>
+                <a:effectLst/>
+                <a:uLnTx/>
+                <a:uFillTx/>
+                <a:latin typeface="Calibri" panose="020F0502020204030204"/>
+                <a:ea typeface="宋体" panose="02010600030101010101" pitchFamily="2" charset="-122"/>
+                <a:cs typeface="+mn-cs"/>
+              </a:rPr>
+              <a:t>化学课件：</a:t>
+            </a:r>
+            <a:r>
+              <a:rPr kumimoji="0" lang="en-US" altLang="zh-CN" sz="100" b="0" i="0" u="none" strike="noStrike" kern="0" cap="none" spc="0" normalizeH="0" baseline="0" noProof="0" dirty="0">
+                <a:ln>
+                  <a:noFill/>
+                </a:ln>
+                <a:solidFill>
+                  <a:sysClr val="window" lastClr="FFFFFF"/>
+                </a:solidFill>
+                <a:effectLst/>
+                <a:uLnTx/>
+                <a:uFillTx/>
+                <a:latin typeface="Calibri" panose="020F0502020204030204"/>
+                <a:ea typeface="宋体" panose="02010600030101010101" pitchFamily="2" charset="-122"/>
+                <a:cs typeface="+mn-cs"/>
+              </a:rPr>
+              <a:t>www.1ppt.com/kejian/huaxue/  </a:t>
+            </a:r>
+            <a:r>
+              <a:rPr kumimoji="0" lang="zh-CN" altLang="en-US" sz="100" b="0" i="0" u="none" strike="noStrike" kern="0" cap="none" spc="0" normalizeH="0" baseline="0" noProof="0" dirty="0">
+                <a:ln>
+                  <a:noFill/>
+                </a:ln>
+                <a:solidFill>
+                  <a:sysClr val="window" lastClr="FFFFFF"/>
+                </a:solidFill>
+                <a:effectLst/>
+                <a:uLnTx/>
+                <a:uFillTx/>
+                <a:latin typeface="Calibri" panose="020F0502020204030204"/>
+                <a:ea typeface="宋体" panose="02010600030101010101" pitchFamily="2" charset="-122"/>
+                <a:cs typeface="+mn-cs"/>
+              </a:rPr>
+              <a:t>生物课件：</a:t>
+            </a:r>
+            <a:r>
+              <a:rPr kumimoji="0" lang="en-US" altLang="zh-CN" sz="100" b="0" i="0" u="none" strike="noStrike" kern="0" cap="none" spc="0" normalizeH="0" baseline="0" noProof="0" dirty="0">
+                <a:ln>
+                  <a:noFill/>
+                </a:ln>
+                <a:solidFill>
+                  <a:sysClr val="window" lastClr="FFFFFF"/>
+                </a:solidFill>
+                <a:effectLst/>
+                <a:uLnTx/>
+                <a:uFillTx/>
+                <a:latin typeface="Calibri" panose="020F0502020204030204"/>
+                <a:ea typeface="宋体" panose="02010600030101010101" pitchFamily="2" charset="-122"/>
+                <a:cs typeface="+mn-cs"/>
+              </a:rPr>
+              <a:t>www.1ppt.com/kejian/shengwu/ </a:t>
+            </a:r>
+            <a:endParaRPr kumimoji="0" lang="en-US" altLang="zh-CN" sz="100" b="0" i="0" u="none" strike="noStrike" kern="0" cap="none" spc="0" normalizeH="0" baseline="0" noProof="0" dirty="0">
+              <a:ln>
+                <a:noFill/>
+              </a:ln>
+              <a:solidFill>
+                <a:sysClr val="window" lastClr="FFFFFF"/>
+              </a:solidFill>
+              <a:effectLst/>
+              <a:uLnTx/>
+              <a:uFillTx/>
+              <a:latin typeface="Calibri" panose="020F0502020204030204"/>
+              <a:ea typeface="宋体" panose="02010600030101010101" pitchFamily="2" charset="-122"/>
+              <a:cs typeface="+mn-cs"/>
+            </a:endParaRPr>
+          </a:p>
+          <a:p>
+            <a:pPr marL="0" marR="0" lvl="0" indent="0" defTabSz="914400" eaLnBrk="1" fontAlgn="auto" latinLnBrk="0" hangingPunct="1">
+              <a:lnSpc>
+                <a:spcPct val="100000"/>
+              </a:lnSpc>
+              <a:spcBef>
+                <a:spcPts val="0"/>
+              </a:spcBef>
+              <a:spcAft>
+                <a:spcPts val="0"/>
+              </a:spcAft>
+              <a:buClrTx/>
+              <a:buSzTx/>
+              <a:buFontTx/>
+              <a:buNone/>
+              <a:defRPr/>
+            </a:pPr>
+            <a:r>
+              <a:rPr kumimoji="0" lang="zh-CN" altLang="en-US" sz="100" b="0" i="0" u="none" strike="noStrike" kern="0" cap="none" spc="0" normalizeH="0" baseline="0" noProof="0" dirty="0">
+                <a:ln>
+                  <a:noFill/>
+                </a:ln>
+                <a:solidFill>
+                  <a:sysClr val="window" lastClr="FFFFFF"/>
+                </a:solidFill>
+                <a:effectLst/>
+                <a:uLnTx/>
+                <a:uFillTx/>
+                <a:latin typeface="Calibri" panose="020F0502020204030204"/>
+                <a:ea typeface="宋体" panose="02010600030101010101" pitchFamily="2" charset="-122"/>
+                <a:cs typeface="+mn-cs"/>
+              </a:rPr>
+              <a:t>地理课件：</a:t>
+            </a:r>
+            <a:r>
+              <a:rPr kumimoji="0" lang="en-US" altLang="zh-CN" sz="100" b="0" i="0" u="none" strike="noStrike" kern="0" cap="none" spc="0" normalizeH="0" baseline="0" noProof="0" dirty="0">
+                <a:ln>
+                  <a:noFill/>
+                </a:ln>
+                <a:solidFill>
+                  <a:sysClr val="window" lastClr="FFFFFF"/>
+                </a:solidFill>
+                <a:effectLst/>
+                <a:uLnTx/>
+                <a:uFillTx/>
+                <a:latin typeface="Calibri" panose="020F0502020204030204"/>
+                <a:ea typeface="宋体" panose="02010600030101010101" pitchFamily="2" charset="-122"/>
+                <a:cs typeface="+mn-cs"/>
+              </a:rPr>
+              <a:t>www.1ppt.com/kejian/dili/          </a:t>
+            </a:r>
+            <a:r>
+              <a:rPr kumimoji="0" lang="zh-CN" altLang="en-US" sz="100" b="0" i="0" u="none" strike="noStrike" kern="0" cap="none" spc="0" normalizeH="0" baseline="0" noProof="0" dirty="0">
+                <a:ln>
+                  <a:noFill/>
+                </a:ln>
+                <a:solidFill>
+                  <a:sysClr val="window" lastClr="FFFFFF"/>
+                </a:solidFill>
+                <a:effectLst/>
+                <a:uLnTx/>
+                <a:uFillTx/>
+                <a:latin typeface="Calibri" panose="020F0502020204030204"/>
+                <a:ea typeface="宋体" panose="02010600030101010101" pitchFamily="2" charset="-122"/>
+                <a:cs typeface="+mn-cs"/>
+              </a:rPr>
+              <a:t>历史课件：</a:t>
+            </a:r>
+            <a:r>
+              <a:rPr kumimoji="0" lang="en-US" altLang="zh-CN" sz="100" b="0" i="0" u="none" strike="noStrike" kern="0" cap="none" spc="0" normalizeH="0" baseline="0" noProof="0" dirty="0">
+                <a:ln>
+                  <a:noFill/>
+                </a:ln>
+                <a:solidFill>
+                  <a:sysClr val="window" lastClr="FFFFFF"/>
+                </a:solidFill>
+                <a:effectLst/>
+                <a:uLnTx/>
+                <a:uFillTx/>
+                <a:latin typeface="Calibri" panose="020F0502020204030204"/>
+                <a:ea typeface="宋体" panose="02010600030101010101" pitchFamily="2" charset="-122"/>
+                <a:cs typeface="+mn-cs"/>
+              </a:rPr>
+              <a:t>www.1ppt.com/kejian/lishi/        </a:t>
+            </a:r>
+            <a:endParaRPr kumimoji="0" lang="en-US" altLang="zh-CN" sz="100" b="0" i="0" u="none" strike="noStrike" kern="0" cap="none" spc="0" normalizeH="0" baseline="0" noProof="0" dirty="0">
+              <a:ln>
+                <a:noFill/>
+              </a:ln>
+              <a:solidFill>
+                <a:sysClr val="window" lastClr="FFFFFF"/>
+              </a:solidFill>
+              <a:effectLst/>
+              <a:uLnTx/>
+              <a:uFillTx/>
+              <a:latin typeface="Calibri" panose="020F0502020204030204"/>
+              <a:ea typeface="宋体" panose="02010600030101010101" pitchFamily="2" charset="-122"/>
+              <a:cs typeface="+mn-cs"/>
+            </a:endParaRPr>
+          </a:p>
+        </p:txBody>
+      </p:sp>
+      <p:grpSp>
+        <p:nvGrpSpPr>
+          <p:cNvPr id="5" name="组合 4"/>
+          <p:cNvGrpSpPr/>
+          <p:nvPr/>
+        </p:nvGrpSpPr>
+        <p:grpSpPr>
+          <a:xfrm>
+            <a:off x="774874" y="1461832"/>
+            <a:ext cx="1152128" cy="1300919"/>
+            <a:chOff x="1259632" y="1419622"/>
+            <a:chExt cx="1152128" cy="1300919"/>
+          </a:xfrm>
+        </p:grpSpPr>
+        <p:sp>
+          <p:nvSpPr>
+            <p:cNvPr id="2" name="椭圆 1"/>
+            <p:cNvSpPr/>
+            <p:nvPr/>
+          </p:nvSpPr>
+          <p:spPr>
+            <a:xfrm>
+              <a:off x="1259632" y="1419622"/>
+              <a:ext cx="1152128" cy="1152128"/>
+            </a:xfrm>
+            <a:prstGeom prst="ellipse">
+              <a:avLst/>
+            </a:prstGeom>
+            <a:solidFill>
+              <a:srgbClr val="F46970"/>
+            </a:solidFill>
+            <a:ln>
+              <a:noFill/>
+            </a:ln>
+          </p:spPr>
+          <p:style>
+            <a:lnRef idx="2">
+              <a:schemeClr val="accent1">
+                <a:shade val="50000"/>
+              </a:schemeClr>
+            </a:lnRef>
+            <a:fillRef idx="1">
+              <a:schemeClr val="accent1"/>
+            </a:fillRef>
+            <a:effectRef idx="0">
+              <a:schemeClr val="accent1"/>
+            </a:effectRef>
+            <a:fontRef idx="minor">
+              <a:schemeClr val="lt1"/>
+            </a:fontRef>
+          </p:style>
+          <p:txBody>
+            <a:bodyPr rtlCol="0" anchor="ctr"/>
+            <a:lstStyle/>
+            <a:p>
+              <a:pPr algn="ctr"/>
+              <a:endParaRPr lang="zh-CN" altLang="en-US"/>
+            </a:p>
+          </p:txBody>
+        </p:sp>
+        <p:sp>
+          <p:nvSpPr>
+            <p:cNvPr id="3" name="椭圆 2"/>
+            <p:cNvSpPr/>
+            <p:nvPr/>
+          </p:nvSpPr>
+          <p:spPr>
+            <a:xfrm rot="1761192">
+              <a:off x="1806317" y="1568413"/>
+              <a:ext cx="576064" cy="1152128"/>
+            </a:xfrm>
+            <a:custGeom>
+              <a:avLst/>
+              <a:gdLst/>
+              <a:ahLst/>
+              <a:cxnLst/>
+              <a:rect l="l" t="t" r="r" b="b"/>
+              <a:pathLst>
+                <a:path w="576064" h="1152128">
+                  <a:moveTo>
+                    <a:pt x="0" y="0"/>
+                  </a:moveTo>
+                  <a:cubicBezTo>
+                    <a:pt x="318151" y="0"/>
+                    <a:pt x="576064" y="257913"/>
+                    <a:pt x="576064" y="576064"/>
+                  </a:cubicBezTo>
+                  <a:cubicBezTo>
+                    <a:pt x="576064" y="894215"/>
+                    <a:pt x="318151" y="1152128"/>
+                    <a:pt x="0" y="1152128"/>
+                  </a:cubicBezTo>
+                  <a:close/>
+                </a:path>
+              </a:pathLst>
+            </a:custGeom>
+            <a:solidFill>
+              <a:srgbClr val="EAEAEA">
+                <a:alpha val="30196"/>
+              </a:srgbClr>
+            </a:solidFill>
+            <a:ln>
+              <a:noFill/>
+            </a:ln>
+          </p:spPr>
+          <p:style>
+            <a:lnRef idx="2">
+              <a:schemeClr val="accent1">
+                <a:shade val="50000"/>
+              </a:schemeClr>
+            </a:lnRef>
+            <a:fillRef idx="1">
+              <a:schemeClr val="accent1"/>
+            </a:fillRef>
+            <a:effectRef idx="0">
+              <a:schemeClr val="accent1"/>
+            </a:effectRef>
+            <a:fontRef idx="minor">
+              <a:schemeClr val="lt1"/>
+            </a:fontRef>
+          </p:style>
+          <p:txBody>
+            <a:bodyPr rtlCol="0" anchor="ctr"/>
+            <a:lstStyle/>
+            <a:p>
+              <a:pPr algn="ctr"/>
+              <a:endParaRPr lang="zh-CN" altLang="en-US"/>
+            </a:p>
+          </p:txBody>
+        </p:sp>
+      </p:grpSp>
+      <p:grpSp>
+        <p:nvGrpSpPr>
+          <p:cNvPr id="9" name="组合 8"/>
+          <p:cNvGrpSpPr/>
+          <p:nvPr/>
+        </p:nvGrpSpPr>
+        <p:grpSpPr>
+          <a:xfrm>
+            <a:off x="4488300" y="1461832"/>
+            <a:ext cx="1152128" cy="1300919"/>
+            <a:chOff x="1259632" y="1419622"/>
+            <a:chExt cx="1152128" cy="1300919"/>
+          </a:xfrm>
+        </p:grpSpPr>
+        <p:sp>
+          <p:nvSpPr>
+            <p:cNvPr id="10" name="椭圆 9"/>
+            <p:cNvSpPr/>
+            <p:nvPr/>
+          </p:nvSpPr>
+          <p:spPr>
+            <a:xfrm>
+              <a:off x="1259632" y="1419622"/>
+              <a:ext cx="1152128" cy="1152128"/>
+            </a:xfrm>
+            <a:prstGeom prst="ellipse">
+              <a:avLst/>
+            </a:prstGeom>
+            <a:solidFill>
+              <a:srgbClr val="00B0F0"/>
+            </a:solidFill>
+            <a:ln>
+              <a:noFill/>
+            </a:ln>
+          </p:spPr>
+          <p:style>
+            <a:lnRef idx="2">
+              <a:schemeClr val="accent1">
+                <a:shade val="50000"/>
+              </a:schemeClr>
+            </a:lnRef>
+            <a:fillRef idx="1">
+              <a:schemeClr val="accent1"/>
+            </a:fillRef>
+            <a:effectRef idx="0">
+              <a:schemeClr val="accent1"/>
+            </a:effectRef>
+            <a:fontRef idx="minor">
+              <a:schemeClr val="lt1"/>
+            </a:fontRef>
+          </p:style>
+          <p:txBody>
+            <a:bodyPr rtlCol="0" anchor="ctr"/>
+            <a:lstStyle/>
+            <a:p>
+              <a:pPr algn="ctr"/>
+              <a:endParaRPr lang="zh-CN" altLang="en-US"/>
+            </a:p>
+          </p:txBody>
+        </p:sp>
+        <p:sp>
+          <p:nvSpPr>
+            <p:cNvPr id="11" name="椭圆 2"/>
+            <p:cNvSpPr/>
+            <p:nvPr/>
+          </p:nvSpPr>
+          <p:spPr>
+            <a:xfrm rot="1761192">
+              <a:off x="1806317" y="1568413"/>
+              <a:ext cx="576064" cy="1152128"/>
+            </a:xfrm>
+            <a:custGeom>
+              <a:avLst/>
+              <a:gdLst/>
+              <a:ahLst/>
+              <a:cxnLst/>
+              <a:rect l="l" t="t" r="r" b="b"/>
+              <a:pathLst>
+                <a:path w="576064" h="1152128">
+                  <a:moveTo>
+                    <a:pt x="0" y="0"/>
+                  </a:moveTo>
+                  <a:cubicBezTo>
+                    <a:pt x="318151" y="0"/>
+                    <a:pt x="576064" y="257913"/>
+                    <a:pt x="576064" y="576064"/>
+                  </a:cubicBezTo>
+                  <a:cubicBezTo>
+                    <a:pt x="576064" y="894215"/>
+                    <a:pt x="318151" y="1152128"/>
+                    <a:pt x="0" y="1152128"/>
+                  </a:cubicBezTo>
+                  <a:close/>
+                </a:path>
+              </a:pathLst>
+            </a:custGeom>
+            <a:solidFill>
+              <a:srgbClr val="EAEAEA">
+                <a:alpha val="30196"/>
+              </a:srgbClr>
+            </a:solidFill>
+            <a:ln>
+              <a:noFill/>
+            </a:ln>
+          </p:spPr>
+          <p:style>
+            <a:lnRef idx="2">
+              <a:schemeClr val="accent1">
+                <a:shade val="50000"/>
+              </a:schemeClr>
+            </a:lnRef>
+            <a:fillRef idx="1">
+              <a:schemeClr val="accent1"/>
+            </a:fillRef>
+            <a:effectRef idx="0">
+              <a:schemeClr val="accent1"/>
+            </a:effectRef>
+            <a:fontRef idx="minor">
+              <a:schemeClr val="lt1"/>
+            </a:fontRef>
+          </p:style>
+          <p:txBody>
+            <a:bodyPr rtlCol="0" anchor="ctr"/>
+            <a:lstStyle/>
+            <a:p>
+              <a:pPr algn="ctr"/>
+              <a:endParaRPr lang="zh-CN" altLang="en-US"/>
+            </a:p>
+          </p:txBody>
+        </p:sp>
+      </p:grpSp>
+      <p:pic>
+        <p:nvPicPr>
+          <p:cNvPr id="29" name="图片 28"/>
+          <p:cNvPicPr>
+            <a:picLocks noChangeAspect="1"/>
+          </p:cNvPicPr>
+          <p:nvPr/>
+        </p:nvPicPr>
+        <p:blipFill>
+          <a:blip r:embed="rId1" cstate="print">
+            <a:extLst>
+              <a:ext uri="{28A0092B-C50C-407E-A947-70E740481C1C}">
+                <a14:useLocalDpi xmlns:a14="http://schemas.microsoft.com/office/drawing/2010/main" val="0"/>
+              </a:ext>
+            </a:extLst>
+          </a:blip>
+          <a:stretch>
+            <a:fillRect/>
+          </a:stretch>
+        </p:blipFill>
+        <p:spPr>
+          <a:xfrm>
+            <a:off x="6827924" y="1787970"/>
+            <a:ext cx="507937" cy="507937"/>
+          </a:xfrm>
+          <a:prstGeom prst="rect">
+            <a:avLst/>
+          </a:prstGeom>
+        </p:spPr>
+      </p:pic>
+      <p:sp>
+        <p:nvSpPr>
+          <p:cNvPr id="21" name="TextBox 20">
+            <a:hlinkClick r:id="rId2" action="ppaction://hlinksldjump"/>
+          </p:cNvPr>
+          <p:cNvSpPr txBox="1"/>
+          <p:nvPr/>
+        </p:nvSpPr>
+        <p:spPr>
+          <a:xfrm>
+            <a:off x="5190691" y="2418442"/>
+            <a:ext cx="792089" cy="369332"/>
+          </a:xfrm>
+          <a:prstGeom prst="rect">
+            <a:avLst/>
+          </a:prstGeom>
+          <a:noFill/>
+        </p:spPr>
+        <p:txBody>
+          <a:bodyPr wrap="square" rtlCol="0">
+            <a:spAutoFit/>
+          </a:bodyPr>
+          <a:lstStyle/>
+          <a:p>
+            <a:r>
+              <a:rPr lang="en-US" altLang="zh-CN" dirty="0" smtClean="0">
+                <a:solidFill>
+                  <a:schemeClr val="bg1"/>
+                </a:solidFill>
+              </a:rPr>
+              <a:t>about</a:t>
+            </a:r>
+            <a:endParaRPr lang="zh-CN" altLang="en-US" dirty="0">
+              <a:solidFill>
+                <a:schemeClr val="bg1"/>
+              </a:solidFill>
+            </a:endParaRPr>
+          </a:p>
+        </p:txBody>
+      </p:sp>
+      <p:sp>
+        <p:nvSpPr>
+          <p:cNvPr id="18" name="TextBox 17"/>
+          <p:cNvSpPr txBox="1"/>
+          <p:nvPr/>
+        </p:nvSpPr>
+        <p:spPr>
+          <a:xfrm>
+            <a:off x="3089651" y="364644"/>
+            <a:ext cx="2221495" cy="707886"/>
+          </a:xfrm>
+          <a:prstGeom prst="rect">
+            <a:avLst/>
+          </a:prstGeom>
+          <a:noFill/>
+        </p:spPr>
+        <p:txBody>
+          <a:bodyPr wrap="square" rtlCol="0">
+            <a:spAutoFit/>
+          </a:bodyPr>
+          <a:lstStyle/>
+          <a:p>
+            <a:r>
+              <a:rPr lang="en-US" altLang="zh-CN" sz="4000" dirty="0" smtClean="0">
+                <a:solidFill>
+                  <a:schemeClr val="tx1"/>
+                </a:solidFill>
+              </a:rPr>
+              <a:t>CONTEXT</a:t>
+            </a:r>
+            <a:endParaRPr lang="en-US" altLang="zh-CN" sz="4000" dirty="0" smtClean="0">
+              <a:solidFill>
+                <a:schemeClr val="tx1"/>
+              </a:solidFill>
+            </a:endParaRPr>
+          </a:p>
+        </p:txBody>
+      </p:sp>
+      <p:sp>
+        <p:nvSpPr>
+          <p:cNvPr id="24" name="TextBox 23"/>
+          <p:cNvSpPr txBox="1"/>
+          <p:nvPr/>
+        </p:nvSpPr>
+        <p:spPr>
+          <a:xfrm>
+            <a:off x="691515" y="2830195"/>
+            <a:ext cx="1317625" cy="368300"/>
+          </a:xfrm>
+          <a:prstGeom prst="rect">
+            <a:avLst/>
+          </a:prstGeom>
+          <a:noFill/>
+        </p:spPr>
+        <p:txBody>
+          <a:bodyPr wrap="square" rtlCol="0">
+            <a:spAutoFit/>
+          </a:bodyPr>
+          <a:lstStyle/>
+          <a:p>
+            <a:r>
+              <a:rPr lang="en-US" altLang="zh-CN" dirty="0">
+                <a:solidFill>
+                  <a:srgbClr val="F46970"/>
+                </a:solidFill>
+              </a:rPr>
+              <a:t>        </a:t>
+            </a:r>
+            <a:r>
+              <a:rPr lang="zh-CN" altLang="en-US" dirty="0">
+                <a:solidFill>
+                  <a:srgbClr val="F46970"/>
+                </a:solidFill>
+              </a:rPr>
+              <a:t>引言</a:t>
+            </a:r>
+            <a:endParaRPr lang="zh-CN" altLang="en-US" dirty="0">
+              <a:solidFill>
+                <a:srgbClr val="F46970"/>
+              </a:solidFill>
+            </a:endParaRPr>
+          </a:p>
+        </p:txBody>
+      </p:sp>
+      <p:pic>
+        <p:nvPicPr>
+          <p:cNvPr id="28" name="图片 27"/>
+          <p:cNvPicPr>
+            <a:picLocks noChangeAspect="1"/>
+          </p:cNvPicPr>
+          <p:nvPr/>
+        </p:nvPicPr>
+        <p:blipFill>
+          <a:blip r:embed="rId3" cstate="print">
+            <a:extLst>
+              <a:ext uri="{28A0092B-C50C-407E-A947-70E740481C1C}">
+                <a14:useLocalDpi xmlns:a14="http://schemas.microsoft.com/office/drawing/2010/main" val="0"/>
+              </a:ext>
+            </a:extLst>
+          </a:blip>
+          <a:stretch>
+            <a:fillRect/>
+          </a:stretch>
+        </p:blipFill>
+        <p:spPr>
+          <a:xfrm>
+            <a:off x="4809876" y="1783524"/>
+            <a:ext cx="507937" cy="507937"/>
+          </a:xfrm>
+          <a:prstGeom prst="rect">
+            <a:avLst/>
+          </a:prstGeom>
+        </p:spPr>
+      </p:pic>
+      <p:sp>
+        <p:nvSpPr>
+          <p:cNvPr id="26" name="TextBox 25"/>
+          <p:cNvSpPr txBox="1"/>
+          <p:nvPr/>
+        </p:nvSpPr>
+        <p:spPr>
+          <a:xfrm flipH="1">
+            <a:off x="4502150" y="2843530"/>
+            <a:ext cx="1480185" cy="640080"/>
+          </a:xfrm>
+          <a:prstGeom prst="rect">
+            <a:avLst/>
+          </a:prstGeom>
+          <a:noFill/>
+        </p:spPr>
+        <p:txBody>
+          <a:bodyPr wrap="square" rtlCol="0">
+            <a:spAutoFit/>
+          </a:bodyPr>
+          <a:lstStyle/>
+          <a:p>
+            <a:r>
+              <a:rPr lang="zh-CN" altLang="en-US" dirty="0" smtClean="0">
+                <a:solidFill>
+                  <a:srgbClr val="00B0F0"/>
+                </a:solidFill>
+              </a:rPr>
+              <a:t>程序的设计说明</a:t>
+            </a:r>
+            <a:r>
+              <a:rPr lang="en-US" altLang="zh-CN" dirty="0" smtClean="0">
+                <a:solidFill>
+                  <a:srgbClr val="00B0F0"/>
+                </a:solidFill>
+              </a:rPr>
+              <a:t> </a:t>
+            </a:r>
+            <a:endParaRPr lang="zh-CN" altLang="en-US" dirty="0">
+              <a:solidFill>
+                <a:srgbClr val="00B0F0"/>
+              </a:solidFill>
+            </a:endParaRPr>
+          </a:p>
+        </p:txBody>
+      </p:sp>
+      <p:pic>
+        <p:nvPicPr>
+          <p:cNvPr id="31" name="图片 30"/>
+          <p:cNvPicPr>
+            <a:picLocks noChangeAspect="1"/>
+          </p:cNvPicPr>
+          <p:nvPr/>
+        </p:nvPicPr>
+        <p:blipFill>
+          <a:blip r:embed="rId4" cstate="print">
+            <a:extLst>
+              <a:ext uri="{28A0092B-C50C-407E-A947-70E740481C1C}">
+                <a14:useLocalDpi xmlns:a14="http://schemas.microsoft.com/office/drawing/2010/main" val="0"/>
+              </a:ext>
+            </a:extLst>
+          </a:blip>
+          <a:stretch>
+            <a:fillRect/>
+          </a:stretch>
+        </p:blipFill>
+        <p:spPr>
+          <a:xfrm>
+            <a:off x="1087443" y="1856635"/>
+            <a:ext cx="525632" cy="525632"/>
+          </a:xfrm>
+          <a:prstGeom prst="rect">
+            <a:avLst/>
+          </a:prstGeom>
+        </p:spPr>
+      </p:pic>
+      <p:pic>
+        <p:nvPicPr>
+          <p:cNvPr id="30" name="图片 29">
+            <a:hlinkClick r:id="rId5" action="ppaction://hlinksldjump"/>
+          </p:cNvPr>
+          <p:cNvPicPr>
+            <a:picLocks noChangeAspect="1"/>
+          </p:cNvPicPr>
+          <p:nvPr/>
+        </p:nvPicPr>
+        <p:blipFill>
+          <a:blip r:embed="rId6" cstate="print">
+            <a:extLst>
+              <a:ext uri="{28A0092B-C50C-407E-A947-70E740481C1C}">
+                <a14:useLocalDpi xmlns:a14="http://schemas.microsoft.com/office/drawing/2010/main" val="0"/>
+              </a:ext>
+            </a:extLst>
+          </a:blip>
+          <a:stretch>
+            <a:fillRect/>
+          </a:stretch>
+        </p:blipFill>
+        <p:spPr>
+          <a:xfrm rot="21420000">
+            <a:off x="3037851" y="1775270"/>
+            <a:ext cx="507937" cy="507937"/>
+          </a:xfrm>
+          <a:prstGeom prst="rect">
+            <a:avLst/>
+          </a:prstGeom>
+        </p:spPr>
+      </p:pic>
+      <p:sp>
+        <p:nvSpPr>
+          <p:cNvPr id="4" name="文本框 3"/>
+          <p:cNvSpPr txBox="1"/>
+          <p:nvPr/>
+        </p:nvSpPr>
+        <p:spPr>
+          <a:xfrm>
+            <a:off x="2515870" y="2830195"/>
+            <a:ext cx="1553210" cy="640080"/>
+          </a:xfrm>
+          <a:prstGeom prst="rect">
+            <a:avLst/>
+          </a:prstGeom>
+          <a:noFill/>
+        </p:spPr>
+        <p:txBody>
+          <a:bodyPr wrap="square" rtlCol="0">
+            <a:spAutoFit/>
+          </a:bodyPr>
+          <a:p>
+            <a:r>
+              <a:rPr lang="zh-CN" altLang="en-US">
+                <a:solidFill>
+                  <a:schemeClr val="accent6"/>
+                </a:solidFill>
+              </a:rPr>
+              <a:t>程序的系统结构</a:t>
+            </a:r>
+            <a:endParaRPr lang="zh-CN" altLang="en-US">
+              <a:solidFill>
+                <a:schemeClr val="accent6"/>
+              </a:solidFill>
+            </a:endParaRPr>
+          </a:p>
+        </p:txBody>
+      </p:sp>
+      <p:sp>
+        <p:nvSpPr>
+          <p:cNvPr id="20" name="文本框 19"/>
+          <p:cNvSpPr txBox="1"/>
+          <p:nvPr/>
+        </p:nvSpPr>
+        <p:spPr>
+          <a:xfrm>
+            <a:off x="6728460" y="2933065"/>
+            <a:ext cx="1115060" cy="640080"/>
+          </a:xfrm>
+          <a:prstGeom prst="rect">
+            <a:avLst/>
+          </a:prstGeom>
+          <a:noFill/>
+        </p:spPr>
+        <p:txBody>
+          <a:bodyPr wrap="square" rtlCol="0">
+            <a:spAutoFit/>
+          </a:bodyPr>
+          <a:p>
+            <a:r>
+              <a:rPr lang="zh-CN" altLang="en-US">
+                <a:solidFill>
+                  <a:srgbClr val="00B050"/>
+                </a:solidFill>
+                <a:sym typeface="+mn-ea"/>
+              </a:rPr>
+              <a:t>小组绩效分析</a:t>
+            </a:r>
+            <a:endParaRPr lang="zh-CN" altLang="en-US">
+              <a:solidFill>
+                <a:srgbClr val="00B050"/>
+              </a:solidFill>
+              <a:sym typeface="+mn-ea"/>
+            </a:endParaRPr>
+          </a:p>
+        </p:txBody>
+      </p:sp>
+      <p:pic>
+        <p:nvPicPr>
+          <p:cNvPr id="23" name="图片 -2147482624" descr="超级截屏_20170311_184728"/>
+          <p:cNvPicPr>
+            <a:picLocks noChangeAspect="1"/>
+          </p:cNvPicPr>
+          <p:nvPr/>
+        </p:nvPicPr>
+        <p:blipFill>
+          <a:blip r:embed="rId7"/>
+          <a:srcRect b="7617"/>
+          <a:stretch>
+            <a:fillRect/>
+          </a:stretch>
+        </p:blipFill>
+        <p:spPr>
+          <a:xfrm>
+            <a:off x="7843520" y="-38100"/>
+            <a:ext cx="1144905" cy="1012825"/>
+          </a:xfrm>
+          <a:prstGeom prst="rect">
+            <a:avLst/>
+          </a:prstGeom>
+          <a:noFill/>
+          <a:ln w="9525">
+            <a:noFill/>
+          </a:ln>
+        </p:spPr>
+      </p:pic>
+    </p:spTree>
+  </p:cSld>
+  <p:clrMapOvr>
+    <a:masterClrMapping/>
+  </p:clrMapOvr>
+  <p:timing>
+    <p:tnLst>
+      <p:par>
+        <p:cTn id="1" dur="indefinite" restart="never" nodeType="tmRoot"/>
+      </p:par>
+    </p:tnLst>
+  </p:timing>
+</p:sld>
+</file>
+
+<file path=ppt/slides/slide20.xml><?xml version="1.0" encoding="utf-8"?>
 <p:sld xmlns:a="http://schemas.openxmlformats.org/drawingml/2006/main" xmlns:r="http://schemas.openxmlformats.org/officeDocument/2006/relationships" xmlns:p="http://schemas.openxmlformats.org/presentationml/2006/main">
   <p:cSld>
     <p:spTree>
@@ -6712,8 +9130,8 @@
         </p:nvSpPr>
         <p:spPr>
           <a:xfrm>
-            <a:off x="4211960" y="1580198"/>
-            <a:ext cx="4392488" cy="1862048"/>
+            <a:off x="3977645" y="2112963"/>
+            <a:ext cx="4392488" cy="768350"/>
           </a:xfrm>
           <a:prstGeom prst="rect">
             <a:avLst/>
@@ -6727,16 +9145,16 @@
           <a:lstStyle/>
           <a:p>
             <a:r>
-              <a:rPr lang="en-US" altLang="zh-CN" sz="11500" dirty="0" smtClean="0">
+              <a:rPr lang="zh-CN" sz="4400" dirty="0" smtClean="0">
                 <a:solidFill>
                   <a:srgbClr val="67D993"/>
                 </a:solidFill>
                 <a:latin typeface="Adobe Gothic Std B" pitchFamily="34" charset="-128"/>
                 <a:ea typeface="Adobe Gothic Std B" pitchFamily="34" charset="-128"/>
               </a:rPr>
-              <a:t>Part 4</a:t>
-            </a:r>
-            <a:endParaRPr lang="zh-CN" altLang="en-US" sz="11500" dirty="0">
+              <a:t>小组绩效分析</a:t>
+            </a:r>
+            <a:endParaRPr lang="zh-CN" sz="4400" dirty="0">
               <a:solidFill>
                 <a:srgbClr val="67D993"/>
               </a:solidFill>
@@ -6789,7 +9207,7 @@
 </p:sld>
 </file>
 
-<file path=ppt/slides/slide19.xml><?xml version="1.0" encoding="utf-8"?>
+<file path=ppt/slides/slide21.xml><?xml version="1.0" encoding="utf-8"?>
 <p:sld xmlns:a="http://schemas.openxmlformats.org/drawingml/2006/main" xmlns:r="http://schemas.openxmlformats.org/officeDocument/2006/relationships" xmlns:p="http://schemas.openxmlformats.org/presentationml/2006/main">
   <p:cSld>
     <p:spTree>
@@ -7019,2150 +9437,7 @@
 </p:sld>
 </file>
 
-<file path=ppt/slides/slide2.xml><?xml version="1.0" encoding="utf-8"?>
-<p:sld xmlns:a="http://schemas.openxmlformats.org/drawingml/2006/main" xmlns:r="http://schemas.openxmlformats.org/officeDocument/2006/relationships" xmlns:p="http://schemas.openxmlformats.org/presentationml/2006/main">
-  <p:cSld>
-    <p:spTree>
-      <p:nvGrpSpPr>
-        <p:cNvPr id="1" name=""/>
-        <p:cNvGrpSpPr/>
-        <p:nvPr/>
-      </p:nvGrpSpPr>
-      <p:grpSpPr>
-        <a:xfrm>
-          <a:off x="0" y="0"/>
-          <a:ext cx="0" cy="0"/>
-          <a:chOff x="0" y="0"/>
-          <a:chExt cx="0" cy="0"/>
-        </a:xfrm>
-      </p:grpSpPr>
-      <p:grpSp>
-        <p:nvGrpSpPr>
-          <p:cNvPr id="22" name="组合 21"/>
-          <p:cNvGrpSpPr/>
-          <p:nvPr/>
-        </p:nvGrpSpPr>
-        <p:grpSpPr>
-          <a:xfrm rot="0">
-            <a:off x="6376035" y="1330325"/>
-            <a:ext cx="1467485" cy="1577340"/>
-            <a:chOff x="1259632" y="1419622"/>
-            <a:chExt cx="1152128" cy="1300919"/>
-          </a:xfrm>
-        </p:grpSpPr>
-        <p:sp>
-          <p:nvSpPr>
-            <p:cNvPr id="25" name="椭圆 24"/>
-            <p:cNvSpPr/>
-            <p:nvPr/>
-          </p:nvSpPr>
-          <p:spPr>
-            <a:xfrm>
-              <a:off x="1259632" y="1419622"/>
-              <a:ext cx="1152128" cy="1152128"/>
-            </a:xfrm>
-            <a:prstGeom prst="ellipse">
-              <a:avLst/>
-            </a:prstGeom>
-            <a:solidFill>
-              <a:srgbClr val="67D993"/>
-            </a:solidFill>
-            <a:ln>
-              <a:noFill/>
-            </a:ln>
-          </p:spPr>
-          <p:style>
-            <a:lnRef idx="2">
-              <a:schemeClr val="accent1">
-                <a:shade val="50000"/>
-              </a:schemeClr>
-            </a:lnRef>
-            <a:fillRef idx="1">
-              <a:schemeClr val="accent1"/>
-            </a:fillRef>
-            <a:effectRef idx="0">
-              <a:schemeClr val="accent1"/>
-            </a:effectRef>
-            <a:fontRef idx="minor">
-              <a:schemeClr val="lt1"/>
-            </a:fontRef>
-          </p:style>
-          <p:txBody>
-            <a:bodyPr rtlCol="0" anchor="ctr"/>
-            <a:p>
-              <a:pPr algn="ctr"/>
-              <a:endParaRPr lang="zh-CN" altLang="en-US"/>
-            </a:p>
-          </p:txBody>
-        </p:sp>
-        <p:sp>
-          <p:nvSpPr>
-            <p:cNvPr id="27" name="椭圆 2"/>
-            <p:cNvSpPr/>
-            <p:nvPr/>
-          </p:nvSpPr>
-          <p:spPr>
-            <a:xfrm rot="1761192">
-              <a:off x="1806317" y="1568413"/>
-              <a:ext cx="576064" cy="1152128"/>
-            </a:xfrm>
-            <a:custGeom>
-              <a:avLst/>
-              <a:gdLst/>
-              <a:ahLst/>
-              <a:cxnLst/>
-              <a:rect l="l" t="t" r="r" b="b"/>
-              <a:pathLst>
-                <a:path w="576064" h="1152128">
-                  <a:moveTo>
-                    <a:pt x="0" y="0"/>
-                  </a:moveTo>
-                  <a:cubicBezTo>
-                    <a:pt x="318151" y="0"/>
-                    <a:pt x="576064" y="257913"/>
-                    <a:pt x="576064" y="576064"/>
-                  </a:cubicBezTo>
-                  <a:cubicBezTo>
-                    <a:pt x="576064" y="894215"/>
-                    <a:pt x="318151" y="1152128"/>
-                    <a:pt x="0" y="1152128"/>
-                  </a:cubicBezTo>
-                  <a:close/>
-                </a:path>
-              </a:pathLst>
-            </a:custGeom>
-            <a:solidFill>
-              <a:srgbClr val="EAEAEA">
-                <a:alpha val="30196"/>
-              </a:srgbClr>
-            </a:solidFill>
-            <a:ln>
-              <a:noFill/>
-            </a:ln>
-          </p:spPr>
-          <p:style>
-            <a:lnRef idx="2">
-              <a:schemeClr val="accent1">
-                <a:shade val="50000"/>
-              </a:schemeClr>
-            </a:lnRef>
-            <a:fillRef idx="1">
-              <a:schemeClr val="accent1"/>
-            </a:fillRef>
-            <a:effectRef idx="0">
-              <a:schemeClr val="accent1"/>
-            </a:effectRef>
-            <a:fontRef idx="minor">
-              <a:schemeClr val="lt1"/>
-            </a:fontRef>
-          </p:style>
-          <p:txBody>
-            <a:bodyPr rtlCol="0" anchor="ctr"/>
-            <a:p>
-              <a:pPr algn="ctr"/>
-              <a:endParaRPr lang="zh-CN" altLang="en-US"/>
-            </a:p>
-          </p:txBody>
-        </p:sp>
-      </p:grpSp>
-      <p:grpSp>
-        <p:nvGrpSpPr>
-          <p:cNvPr id="15" name="组合 14"/>
-          <p:cNvGrpSpPr/>
-          <p:nvPr/>
-        </p:nvGrpSpPr>
-        <p:grpSpPr>
-          <a:xfrm>
-            <a:off x="2654935" y="-143776"/>
-            <a:ext cx="1299732" cy="2757702"/>
-            <a:chOff x="1207393" y="1794853"/>
-            <a:chExt cx="1174988" cy="2754598"/>
-          </a:xfrm>
-        </p:grpSpPr>
-        <p:sp>
-          <p:nvSpPr>
-            <p:cNvPr id="16" name="椭圆 15"/>
-            <p:cNvSpPr/>
-            <p:nvPr/>
-          </p:nvSpPr>
-          <p:spPr>
-            <a:xfrm>
-              <a:off x="1207393" y="3397323"/>
-              <a:ext cx="1152128" cy="1152128"/>
-            </a:xfrm>
-            <a:prstGeom prst="ellipse">
-              <a:avLst/>
-            </a:prstGeom>
-            <a:solidFill>
-              <a:srgbClr val="F2A849"/>
-            </a:solidFill>
-            <a:ln>
-              <a:noFill/>
-            </a:ln>
-          </p:spPr>
-          <p:style>
-            <a:lnRef idx="2">
-              <a:schemeClr val="accent1">
-                <a:shade val="50000"/>
-              </a:schemeClr>
-            </a:lnRef>
-            <a:fillRef idx="1">
-              <a:schemeClr val="accent1"/>
-            </a:fillRef>
-            <a:effectRef idx="0">
-              <a:schemeClr val="accent1"/>
-            </a:effectRef>
-            <a:fontRef idx="minor">
-              <a:schemeClr val="lt1"/>
-            </a:fontRef>
-          </p:style>
-          <p:txBody>
-            <a:bodyPr rtlCol="0" anchor="ctr"/>
-            <a:p>
-              <a:pPr algn="ctr"/>
-              <a:endParaRPr lang="zh-CN" altLang="en-US"/>
-            </a:p>
-          </p:txBody>
-        </p:sp>
-        <p:sp>
-          <p:nvSpPr>
-            <p:cNvPr id="17" name="椭圆 2"/>
-            <p:cNvSpPr/>
-            <p:nvPr/>
-          </p:nvSpPr>
-          <p:spPr>
-            <a:xfrm rot="1761192">
-              <a:off x="1806317" y="1794853"/>
-              <a:ext cx="576064" cy="1152128"/>
-            </a:xfrm>
-            <a:custGeom>
-              <a:avLst/>
-              <a:gdLst/>
-              <a:ahLst/>
-              <a:cxnLst/>
-              <a:rect l="l" t="t" r="r" b="b"/>
-              <a:pathLst>
-                <a:path w="576064" h="1152128">
-                  <a:moveTo>
-                    <a:pt x="0" y="0"/>
-                  </a:moveTo>
-                  <a:cubicBezTo>
-                    <a:pt x="318151" y="0"/>
-                    <a:pt x="576064" y="257913"/>
-                    <a:pt x="576064" y="576064"/>
-                  </a:cubicBezTo>
-                  <a:cubicBezTo>
-                    <a:pt x="576064" y="894215"/>
-                    <a:pt x="318151" y="1152128"/>
-                    <a:pt x="0" y="1152128"/>
-                  </a:cubicBezTo>
-                  <a:close/>
-                </a:path>
-              </a:pathLst>
-            </a:custGeom>
-            <a:solidFill>
-              <a:srgbClr val="EAEAEA">
-                <a:alpha val="30196"/>
-              </a:srgbClr>
-            </a:solidFill>
-            <a:ln>
-              <a:noFill/>
-            </a:ln>
-          </p:spPr>
-          <p:style>
-            <a:lnRef idx="2">
-              <a:schemeClr val="accent1">
-                <a:shade val="50000"/>
-              </a:schemeClr>
-            </a:lnRef>
-            <a:fillRef idx="1">
-              <a:schemeClr val="accent1"/>
-            </a:fillRef>
-            <a:effectRef idx="0">
-              <a:schemeClr val="accent1"/>
-            </a:effectRef>
-            <a:fontRef idx="minor">
-              <a:schemeClr val="lt1"/>
-            </a:fontRef>
-          </p:style>
-          <p:txBody>
-            <a:bodyPr rtlCol="0" anchor="ctr"/>
-            <a:p>
-              <a:pPr algn="ctr"/>
-              <a:endParaRPr lang="zh-CN" altLang="en-US"/>
-            </a:p>
-          </p:txBody>
-        </p:sp>
-      </p:grpSp>
-      <p:sp>
-        <p:nvSpPr>
-          <p:cNvPr id="33" name="矩形 32"/>
-          <p:cNvSpPr/>
-          <p:nvPr/>
-        </p:nvSpPr>
-        <p:spPr>
-          <a:xfrm>
-            <a:off x="1432189" y="2054925"/>
-            <a:ext cx="735006" cy="241289"/>
-          </a:xfrm>
-          <a:prstGeom prst="rect">
-            <a:avLst/>
-          </a:prstGeom>
-          <a:noFill/>
-          <a:ln w="25400" cap="flat" cmpd="sng" algn="ctr">
-            <a:noFill/>
-            <a:prstDash val="solid"/>
-          </a:ln>
-          <a:effectLst/>
-        </p:spPr>
-        <p:txBody>
-          <a:bodyPr rtlCol="0" anchor="ctr"/>
-          <a:lstStyle/>
-          <a:p>
-            <a:pPr marL="0" marR="0" lvl="0" indent="0" defTabSz="914400" eaLnBrk="1" fontAlgn="auto" latinLnBrk="0" hangingPunct="1">
-              <a:lnSpc>
-                <a:spcPct val="100000"/>
-              </a:lnSpc>
-              <a:spcBef>
-                <a:spcPts val="0"/>
-              </a:spcBef>
-              <a:spcAft>
-                <a:spcPts val="0"/>
-              </a:spcAft>
-              <a:buClrTx/>
-              <a:buSzTx/>
-              <a:buFontTx/>
-              <a:buNone/>
-              <a:defRPr/>
-            </a:pPr>
-            <a:r>
-              <a:rPr kumimoji="0" lang="en-US" altLang="zh-CN" sz="100" b="0" i="0" u="none" strike="noStrike" kern="0" cap="none" spc="0" normalizeH="0" baseline="0" noProof="0" dirty="0">
-                <a:ln>
-                  <a:noFill/>
-                </a:ln>
-                <a:solidFill>
-                  <a:sysClr val="window" lastClr="FFFFFF"/>
-                </a:solidFill>
-                <a:effectLst/>
-                <a:uLnTx/>
-                <a:uFillTx/>
-                <a:latin typeface="Calibri" panose="020F0502020204030204"/>
-                <a:ea typeface="宋体" panose="02010600030101010101" pitchFamily="2" charset="-122"/>
-                <a:cs typeface="+mn-cs"/>
-              </a:rPr>
-              <a:t>PPT</a:t>
-            </a:r>
-            <a:r>
-              <a:rPr kumimoji="0" lang="zh-CN" altLang="en-US" sz="100" b="0" i="0" u="none" strike="noStrike" kern="0" cap="none" spc="0" normalizeH="0" baseline="0" noProof="0" dirty="0">
-                <a:ln>
-                  <a:noFill/>
-                </a:ln>
-                <a:solidFill>
-                  <a:sysClr val="window" lastClr="FFFFFF"/>
-                </a:solidFill>
-                <a:effectLst/>
-                <a:uLnTx/>
-                <a:uFillTx/>
-                <a:latin typeface="Calibri" panose="020F0502020204030204"/>
-                <a:ea typeface="宋体" panose="02010600030101010101" pitchFamily="2" charset="-122"/>
-                <a:cs typeface="+mn-cs"/>
-              </a:rPr>
-              <a:t>模板：</a:t>
-            </a:r>
-            <a:r>
-              <a:rPr kumimoji="0" lang="en-US" altLang="zh-CN" sz="100" b="0" i="0" u="none" strike="noStrike" kern="0" cap="none" spc="0" normalizeH="0" baseline="0" noProof="0" dirty="0">
-                <a:ln>
-                  <a:noFill/>
-                </a:ln>
-                <a:solidFill>
-                  <a:sysClr val="window" lastClr="FFFFFF"/>
-                </a:solidFill>
-                <a:effectLst/>
-                <a:uLnTx/>
-                <a:uFillTx/>
-                <a:latin typeface="Calibri" panose="020F0502020204030204"/>
-                <a:ea typeface="宋体" panose="02010600030101010101" pitchFamily="2" charset="-122"/>
-                <a:cs typeface="+mn-cs"/>
-              </a:rPr>
-              <a:t>www.1ppt.com/moban/                  PPT</a:t>
-            </a:r>
-            <a:r>
-              <a:rPr kumimoji="0" lang="zh-CN" altLang="en-US" sz="100" b="0" i="0" u="none" strike="noStrike" kern="0" cap="none" spc="0" normalizeH="0" baseline="0" noProof="0" dirty="0">
-                <a:ln>
-                  <a:noFill/>
-                </a:ln>
-                <a:solidFill>
-                  <a:sysClr val="window" lastClr="FFFFFF"/>
-                </a:solidFill>
-                <a:effectLst/>
-                <a:uLnTx/>
-                <a:uFillTx/>
-                <a:latin typeface="Calibri" panose="020F0502020204030204"/>
-                <a:ea typeface="宋体" panose="02010600030101010101" pitchFamily="2" charset="-122"/>
-                <a:cs typeface="+mn-cs"/>
-              </a:rPr>
-              <a:t>素材：</a:t>
-            </a:r>
-            <a:r>
-              <a:rPr kumimoji="0" lang="en-US" altLang="zh-CN" sz="100" b="0" i="0" u="none" strike="noStrike" kern="0" cap="none" spc="0" normalizeH="0" baseline="0" noProof="0" dirty="0">
-                <a:ln>
-                  <a:noFill/>
-                </a:ln>
-                <a:solidFill>
-                  <a:sysClr val="window" lastClr="FFFFFF"/>
-                </a:solidFill>
-                <a:effectLst/>
-                <a:uLnTx/>
-                <a:uFillTx/>
-                <a:latin typeface="Calibri" panose="020F0502020204030204"/>
-                <a:ea typeface="宋体" panose="02010600030101010101" pitchFamily="2" charset="-122"/>
-                <a:cs typeface="+mn-cs"/>
-              </a:rPr>
-              <a:t>www.1ppt.com/sucai/</a:t>
-            </a:r>
-            <a:endParaRPr kumimoji="0" lang="en-US" altLang="zh-CN" sz="100" b="0" i="0" u="none" strike="noStrike" kern="0" cap="none" spc="0" normalizeH="0" baseline="0" noProof="0" dirty="0">
-              <a:ln>
-                <a:noFill/>
-              </a:ln>
-              <a:solidFill>
-                <a:sysClr val="window" lastClr="FFFFFF"/>
-              </a:solidFill>
-              <a:effectLst/>
-              <a:uLnTx/>
-              <a:uFillTx/>
-              <a:latin typeface="Calibri" panose="020F0502020204030204"/>
-              <a:ea typeface="宋体" panose="02010600030101010101" pitchFamily="2" charset="-122"/>
-              <a:cs typeface="+mn-cs"/>
-            </a:endParaRPr>
-          </a:p>
-          <a:p>
-            <a:pPr marL="0" marR="0" lvl="0" indent="0" defTabSz="914400" eaLnBrk="1" fontAlgn="auto" latinLnBrk="0" hangingPunct="1">
-              <a:lnSpc>
-                <a:spcPct val="100000"/>
-              </a:lnSpc>
-              <a:spcBef>
-                <a:spcPts val="0"/>
-              </a:spcBef>
-              <a:spcAft>
-                <a:spcPts val="0"/>
-              </a:spcAft>
-              <a:buClrTx/>
-              <a:buSzTx/>
-              <a:buFontTx/>
-              <a:buNone/>
-              <a:defRPr/>
-            </a:pPr>
-            <a:r>
-              <a:rPr kumimoji="0" lang="en-US" altLang="zh-CN" sz="100" b="0" i="0" u="none" strike="noStrike" kern="0" cap="none" spc="0" normalizeH="0" baseline="0" noProof="0" dirty="0">
-                <a:ln>
-                  <a:noFill/>
-                </a:ln>
-                <a:solidFill>
-                  <a:sysClr val="window" lastClr="FFFFFF"/>
-                </a:solidFill>
-                <a:effectLst/>
-                <a:uLnTx/>
-                <a:uFillTx/>
-                <a:latin typeface="Calibri" panose="020F0502020204030204"/>
-                <a:ea typeface="宋体" panose="02010600030101010101" pitchFamily="2" charset="-122"/>
-                <a:cs typeface="+mn-cs"/>
-              </a:rPr>
-              <a:t>PPT</a:t>
-            </a:r>
-            <a:r>
-              <a:rPr kumimoji="0" lang="zh-CN" altLang="en-US" sz="100" b="0" i="0" u="none" strike="noStrike" kern="0" cap="none" spc="0" normalizeH="0" baseline="0" noProof="0" dirty="0">
-                <a:ln>
-                  <a:noFill/>
-                </a:ln>
-                <a:solidFill>
-                  <a:sysClr val="window" lastClr="FFFFFF"/>
-                </a:solidFill>
-                <a:effectLst/>
-                <a:uLnTx/>
-                <a:uFillTx/>
-                <a:latin typeface="Calibri" panose="020F0502020204030204"/>
-                <a:ea typeface="宋体" panose="02010600030101010101" pitchFamily="2" charset="-122"/>
-                <a:cs typeface="+mn-cs"/>
-              </a:rPr>
-              <a:t>背景：</a:t>
-            </a:r>
-            <a:r>
-              <a:rPr kumimoji="0" lang="en-US" altLang="zh-CN" sz="100" b="0" i="0" u="none" strike="noStrike" kern="0" cap="none" spc="0" normalizeH="0" baseline="0" noProof="0" dirty="0">
-                <a:ln>
-                  <a:noFill/>
-                </a:ln>
-                <a:solidFill>
-                  <a:sysClr val="window" lastClr="FFFFFF"/>
-                </a:solidFill>
-                <a:effectLst/>
-                <a:uLnTx/>
-                <a:uFillTx/>
-                <a:latin typeface="Calibri" panose="020F0502020204030204"/>
-                <a:ea typeface="宋体" panose="02010600030101010101" pitchFamily="2" charset="-122"/>
-                <a:cs typeface="+mn-cs"/>
-              </a:rPr>
-              <a:t>www.1ppt.com/beijing/                   PPT</a:t>
-            </a:r>
-            <a:r>
-              <a:rPr kumimoji="0" lang="zh-CN" altLang="en-US" sz="100" b="0" i="0" u="none" strike="noStrike" kern="0" cap="none" spc="0" normalizeH="0" baseline="0" noProof="0" dirty="0">
-                <a:ln>
-                  <a:noFill/>
-                </a:ln>
-                <a:solidFill>
-                  <a:sysClr val="window" lastClr="FFFFFF"/>
-                </a:solidFill>
-                <a:effectLst/>
-                <a:uLnTx/>
-                <a:uFillTx/>
-                <a:latin typeface="Calibri" panose="020F0502020204030204"/>
-                <a:ea typeface="宋体" panose="02010600030101010101" pitchFamily="2" charset="-122"/>
-                <a:cs typeface="+mn-cs"/>
-              </a:rPr>
-              <a:t>图表：</a:t>
-            </a:r>
-            <a:r>
-              <a:rPr kumimoji="0" lang="en-US" altLang="zh-CN" sz="100" b="0" i="0" u="none" strike="noStrike" kern="0" cap="none" spc="0" normalizeH="0" baseline="0" noProof="0" dirty="0">
-                <a:ln>
-                  <a:noFill/>
-                </a:ln>
-                <a:solidFill>
-                  <a:sysClr val="window" lastClr="FFFFFF"/>
-                </a:solidFill>
-                <a:effectLst/>
-                <a:uLnTx/>
-                <a:uFillTx/>
-                <a:latin typeface="Calibri" panose="020F0502020204030204"/>
-                <a:ea typeface="宋体" panose="02010600030101010101" pitchFamily="2" charset="-122"/>
-                <a:cs typeface="+mn-cs"/>
-              </a:rPr>
-              <a:t>www.1ppt.com/tubiao/      </a:t>
-            </a:r>
-            <a:endParaRPr kumimoji="0" lang="en-US" altLang="zh-CN" sz="100" b="0" i="0" u="none" strike="noStrike" kern="0" cap="none" spc="0" normalizeH="0" baseline="0" noProof="0" dirty="0">
-              <a:ln>
-                <a:noFill/>
-              </a:ln>
-              <a:solidFill>
-                <a:sysClr val="window" lastClr="FFFFFF"/>
-              </a:solidFill>
-              <a:effectLst/>
-              <a:uLnTx/>
-              <a:uFillTx/>
-              <a:latin typeface="Calibri" panose="020F0502020204030204"/>
-              <a:ea typeface="宋体" panose="02010600030101010101" pitchFamily="2" charset="-122"/>
-              <a:cs typeface="+mn-cs"/>
-            </a:endParaRPr>
-          </a:p>
-          <a:p>
-            <a:pPr marL="0" marR="0" lvl="0" indent="0" defTabSz="914400" eaLnBrk="1" fontAlgn="auto" latinLnBrk="0" hangingPunct="1">
-              <a:lnSpc>
-                <a:spcPct val="100000"/>
-              </a:lnSpc>
-              <a:spcBef>
-                <a:spcPts val="0"/>
-              </a:spcBef>
-              <a:spcAft>
-                <a:spcPts val="0"/>
-              </a:spcAft>
-              <a:buClrTx/>
-              <a:buSzTx/>
-              <a:buFontTx/>
-              <a:buNone/>
-              <a:defRPr/>
-            </a:pPr>
-            <a:r>
-              <a:rPr kumimoji="0" lang="en-US" altLang="zh-CN" sz="100" b="0" i="0" u="none" strike="noStrike" kern="0" cap="none" spc="0" normalizeH="0" baseline="0" noProof="0" dirty="0">
-                <a:ln>
-                  <a:noFill/>
-                </a:ln>
-                <a:solidFill>
-                  <a:sysClr val="window" lastClr="FFFFFF"/>
-                </a:solidFill>
-                <a:effectLst/>
-                <a:uLnTx/>
-                <a:uFillTx/>
-                <a:latin typeface="Calibri" panose="020F0502020204030204"/>
-                <a:ea typeface="宋体" panose="02010600030101010101" pitchFamily="2" charset="-122"/>
-                <a:cs typeface="+mn-cs"/>
-              </a:rPr>
-              <a:t>PPT</a:t>
-            </a:r>
-            <a:r>
-              <a:rPr kumimoji="0" lang="zh-CN" altLang="en-US" sz="100" b="0" i="0" u="none" strike="noStrike" kern="0" cap="none" spc="0" normalizeH="0" baseline="0" noProof="0" dirty="0">
-                <a:ln>
-                  <a:noFill/>
-                </a:ln>
-                <a:solidFill>
-                  <a:sysClr val="window" lastClr="FFFFFF"/>
-                </a:solidFill>
-                <a:effectLst/>
-                <a:uLnTx/>
-                <a:uFillTx/>
-                <a:latin typeface="Calibri" panose="020F0502020204030204"/>
-                <a:ea typeface="宋体" panose="02010600030101010101" pitchFamily="2" charset="-122"/>
-                <a:cs typeface="+mn-cs"/>
-              </a:rPr>
-              <a:t>下载：</a:t>
-            </a:r>
-            <a:r>
-              <a:rPr kumimoji="0" lang="en-US" altLang="zh-CN" sz="100" b="0" i="0" u="none" strike="noStrike" kern="0" cap="none" spc="0" normalizeH="0" baseline="0" noProof="0" dirty="0">
-                <a:ln>
-                  <a:noFill/>
-                </a:ln>
-                <a:solidFill>
-                  <a:sysClr val="window" lastClr="FFFFFF"/>
-                </a:solidFill>
-                <a:effectLst/>
-                <a:uLnTx/>
-                <a:uFillTx/>
-                <a:latin typeface="Calibri" panose="020F0502020204030204"/>
-                <a:ea typeface="宋体" panose="02010600030101010101" pitchFamily="2" charset="-122"/>
-                <a:cs typeface="+mn-cs"/>
-              </a:rPr>
-              <a:t>www.1ppt.com/xiazai/                     PPT</a:t>
-            </a:r>
-            <a:r>
-              <a:rPr kumimoji="0" lang="zh-CN" altLang="en-US" sz="100" b="0" i="0" u="none" strike="noStrike" kern="0" cap="none" spc="0" normalizeH="0" baseline="0" noProof="0" dirty="0">
-                <a:ln>
-                  <a:noFill/>
-                </a:ln>
-                <a:solidFill>
-                  <a:sysClr val="window" lastClr="FFFFFF"/>
-                </a:solidFill>
-                <a:effectLst/>
-                <a:uLnTx/>
-                <a:uFillTx/>
-                <a:latin typeface="Calibri" panose="020F0502020204030204"/>
-                <a:ea typeface="宋体" panose="02010600030101010101" pitchFamily="2" charset="-122"/>
-                <a:cs typeface="+mn-cs"/>
-              </a:rPr>
-              <a:t>教程： </a:t>
-            </a:r>
-            <a:r>
-              <a:rPr kumimoji="0" lang="en-US" altLang="zh-CN" sz="100" b="0" i="0" u="none" strike="noStrike" kern="0" cap="none" spc="0" normalizeH="0" baseline="0" noProof="0" dirty="0">
-                <a:ln>
-                  <a:noFill/>
-                </a:ln>
-                <a:solidFill>
-                  <a:sysClr val="window" lastClr="FFFFFF"/>
-                </a:solidFill>
-                <a:effectLst/>
-                <a:uLnTx/>
-                <a:uFillTx/>
-                <a:latin typeface="Calibri" panose="020F0502020204030204"/>
-                <a:ea typeface="宋体" panose="02010600030101010101" pitchFamily="2" charset="-122"/>
-                <a:cs typeface="+mn-cs"/>
-              </a:rPr>
-              <a:t>www.1ppt.com/powerpoint/      </a:t>
-            </a:r>
-            <a:endParaRPr kumimoji="0" lang="en-US" altLang="zh-CN" sz="100" b="0" i="0" u="none" strike="noStrike" kern="0" cap="none" spc="0" normalizeH="0" baseline="0" noProof="0" dirty="0">
-              <a:ln>
-                <a:noFill/>
-              </a:ln>
-              <a:solidFill>
-                <a:sysClr val="window" lastClr="FFFFFF"/>
-              </a:solidFill>
-              <a:effectLst/>
-              <a:uLnTx/>
-              <a:uFillTx/>
-              <a:latin typeface="Calibri" panose="020F0502020204030204"/>
-              <a:ea typeface="宋体" panose="02010600030101010101" pitchFamily="2" charset="-122"/>
-              <a:cs typeface="+mn-cs"/>
-            </a:endParaRPr>
-          </a:p>
-          <a:p>
-            <a:pPr marL="0" marR="0" lvl="0" indent="0" defTabSz="914400" eaLnBrk="1" fontAlgn="auto" latinLnBrk="0" hangingPunct="1">
-              <a:lnSpc>
-                <a:spcPct val="100000"/>
-              </a:lnSpc>
-              <a:spcBef>
-                <a:spcPts val="0"/>
-              </a:spcBef>
-              <a:spcAft>
-                <a:spcPts val="0"/>
-              </a:spcAft>
-              <a:buClrTx/>
-              <a:buSzTx/>
-              <a:buFontTx/>
-              <a:buNone/>
-              <a:defRPr/>
-            </a:pPr>
-            <a:r>
-              <a:rPr kumimoji="0" lang="zh-CN" altLang="en-US" sz="100" b="0" i="0" u="none" strike="noStrike" kern="0" cap="none" spc="0" normalizeH="0" baseline="0" noProof="0" dirty="0">
-                <a:ln>
-                  <a:noFill/>
-                </a:ln>
-                <a:solidFill>
-                  <a:sysClr val="window" lastClr="FFFFFF"/>
-                </a:solidFill>
-                <a:effectLst/>
-                <a:uLnTx/>
-                <a:uFillTx/>
-                <a:latin typeface="Calibri" panose="020F0502020204030204"/>
-                <a:ea typeface="宋体" panose="02010600030101010101" pitchFamily="2" charset="-122"/>
-                <a:cs typeface="+mn-cs"/>
-              </a:rPr>
-              <a:t>资料下载：</a:t>
-            </a:r>
-            <a:r>
-              <a:rPr kumimoji="0" lang="en-US" altLang="zh-CN" sz="100" b="0" i="0" u="none" strike="noStrike" kern="0" cap="none" spc="0" normalizeH="0" baseline="0" noProof="0" dirty="0">
-                <a:ln>
-                  <a:noFill/>
-                </a:ln>
-                <a:solidFill>
-                  <a:sysClr val="window" lastClr="FFFFFF"/>
-                </a:solidFill>
-                <a:effectLst/>
-                <a:uLnTx/>
-                <a:uFillTx/>
-                <a:latin typeface="Calibri" panose="020F0502020204030204"/>
-                <a:ea typeface="宋体" panose="02010600030101010101" pitchFamily="2" charset="-122"/>
-                <a:cs typeface="+mn-cs"/>
-              </a:rPr>
-              <a:t>www.1ppt.com/ziliao/                   </a:t>
-            </a:r>
-            <a:r>
-              <a:rPr kumimoji="0" lang="zh-CN" altLang="en-US" sz="100" b="0" i="0" u="none" strike="noStrike" kern="0" cap="none" spc="0" normalizeH="0" baseline="0" noProof="0" dirty="0">
-                <a:ln>
-                  <a:noFill/>
-                </a:ln>
-                <a:solidFill>
-                  <a:sysClr val="window" lastClr="FFFFFF"/>
-                </a:solidFill>
-                <a:effectLst/>
-                <a:uLnTx/>
-                <a:uFillTx/>
-                <a:latin typeface="Calibri" panose="020F0502020204030204"/>
-                <a:ea typeface="宋体" panose="02010600030101010101" pitchFamily="2" charset="-122"/>
-                <a:cs typeface="+mn-cs"/>
-              </a:rPr>
-              <a:t>范文下载：</a:t>
-            </a:r>
-            <a:r>
-              <a:rPr kumimoji="0" lang="en-US" altLang="zh-CN" sz="100" b="0" i="0" u="none" strike="noStrike" kern="0" cap="none" spc="0" normalizeH="0" baseline="0" noProof="0" dirty="0">
-                <a:ln>
-                  <a:noFill/>
-                </a:ln>
-                <a:solidFill>
-                  <a:sysClr val="window" lastClr="FFFFFF"/>
-                </a:solidFill>
-                <a:effectLst/>
-                <a:uLnTx/>
-                <a:uFillTx/>
-                <a:latin typeface="Calibri" panose="020F0502020204030204"/>
-                <a:ea typeface="宋体" panose="02010600030101010101" pitchFamily="2" charset="-122"/>
-                <a:cs typeface="+mn-cs"/>
-              </a:rPr>
-              <a:t>www.1ppt.com/fanwen/             </a:t>
-            </a:r>
-            <a:endParaRPr kumimoji="0" lang="en-US" altLang="zh-CN" sz="100" b="0" i="0" u="none" strike="noStrike" kern="0" cap="none" spc="0" normalizeH="0" baseline="0" noProof="0" dirty="0">
-              <a:ln>
-                <a:noFill/>
-              </a:ln>
-              <a:solidFill>
-                <a:sysClr val="window" lastClr="FFFFFF"/>
-              </a:solidFill>
-              <a:effectLst/>
-              <a:uLnTx/>
-              <a:uFillTx/>
-              <a:latin typeface="Calibri" panose="020F0502020204030204"/>
-              <a:ea typeface="宋体" panose="02010600030101010101" pitchFamily="2" charset="-122"/>
-              <a:cs typeface="+mn-cs"/>
-            </a:endParaRPr>
-          </a:p>
-          <a:p>
-            <a:pPr marL="0" marR="0" lvl="0" indent="0" defTabSz="914400" eaLnBrk="1" fontAlgn="auto" latinLnBrk="0" hangingPunct="1">
-              <a:lnSpc>
-                <a:spcPct val="100000"/>
-              </a:lnSpc>
-              <a:spcBef>
-                <a:spcPts val="0"/>
-              </a:spcBef>
-              <a:spcAft>
-                <a:spcPts val="0"/>
-              </a:spcAft>
-              <a:buClrTx/>
-              <a:buSzTx/>
-              <a:buFontTx/>
-              <a:buNone/>
-              <a:defRPr/>
-            </a:pPr>
-            <a:r>
-              <a:rPr kumimoji="0" lang="zh-CN" altLang="en-US" sz="100" b="0" i="0" u="none" strike="noStrike" kern="0" cap="none" spc="0" normalizeH="0" baseline="0" noProof="0" dirty="0">
-                <a:ln>
-                  <a:noFill/>
-                </a:ln>
-                <a:solidFill>
-                  <a:sysClr val="window" lastClr="FFFFFF"/>
-                </a:solidFill>
-                <a:effectLst/>
-                <a:uLnTx/>
-                <a:uFillTx/>
-                <a:latin typeface="Calibri" panose="020F0502020204030204"/>
-                <a:ea typeface="宋体" panose="02010600030101010101" pitchFamily="2" charset="-122"/>
-                <a:cs typeface="+mn-cs"/>
-              </a:rPr>
-              <a:t>试卷下载：</a:t>
-            </a:r>
-            <a:r>
-              <a:rPr kumimoji="0" lang="en-US" altLang="zh-CN" sz="100" b="0" i="0" u="none" strike="noStrike" kern="0" cap="none" spc="0" normalizeH="0" baseline="0" noProof="0" dirty="0">
-                <a:ln>
-                  <a:noFill/>
-                </a:ln>
-                <a:solidFill>
-                  <a:sysClr val="window" lastClr="FFFFFF"/>
-                </a:solidFill>
-                <a:effectLst/>
-                <a:uLnTx/>
-                <a:uFillTx/>
-                <a:latin typeface="Calibri" panose="020F0502020204030204"/>
-                <a:ea typeface="宋体" panose="02010600030101010101" pitchFamily="2" charset="-122"/>
-                <a:cs typeface="+mn-cs"/>
-              </a:rPr>
-              <a:t>www.1ppt.com/shiti/                     </a:t>
-            </a:r>
-            <a:r>
-              <a:rPr kumimoji="0" lang="zh-CN" altLang="en-US" sz="100" b="0" i="0" u="none" strike="noStrike" kern="0" cap="none" spc="0" normalizeH="0" baseline="0" noProof="0" dirty="0">
-                <a:ln>
-                  <a:noFill/>
-                </a:ln>
-                <a:solidFill>
-                  <a:sysClr val="window" lastClr="FFFFFF"/>
-                </a:solidFill>
-                <a:effectLst/>
-                <a:uLnTx/>
-                <a:uFillTx/>
-                <a:latin typeface="Calibri" panose="020F0502020204030204"/>
-                <a:ea typeface="宋体" panose="02010600030101010101" pitchFamily="2" charset="-122"/>
-                <a:cs typeface="+mn-cs"/>
-              </a:rPr>
-              <a:t>教案下载：</a:t>
-            </a:r>
-            <a:r>
-              <a:rPr kumimoji="0" lang="en-US" altLang="zh-CN" sz="100" b="0" i="0" u="none" strike="noStrike" kern="0" cap="none" spc="0" normalizeH="0" baseline="0" noProof="0" dirty="0">
-                <a:ln>
-                  <a:noFill/>
-                </a:ln>
-                <a:solidFill>
-                  <a:sysClr val="window" lastClr="FFFFFF"/>
-                </a:solidFill>
-                <a:effectLst/>
-                <a:uLnTx/>
-                <a:uFillTx/>
-                <a:latin typeface="Calibri" panose="020F0502020204030204"/>
-                <a:ea typeface="宋体" panose="02010600030101010101" pitchFamily="2" charset="-122"/>
-                <a:cs typeface="+mn-cs"/>
-              </a:rPr>
-              <a:t>www.1ppt.com/jiaoan/               </a:t>
-            </a:r>
-            <a:endParaRPr kumimoji="0" lang="en-US" altLang="zh-CN" sz="100" b="0" i="0" u="none" strike="noStrike" kern="0" cap="none" spc="0" normalizeH="0" baseline="0" noProof="0" dirty="0">
-              <a:ln>
-                <a:noFill/>
-              </a:ln>
-              <a:solidFill>
-                <a:sysClr val="window" lastClr="FFFFFF"/>
-              </a:solidFill>
-              <a:effectLst/>
-              <a:uLnTx/>
-              <a:uFillTx/>
-              <a:latin typeface="Calibri" panose="020F0502020204030204"/>
-              <a:ea typeface="宋体" panose="02010600030101010101" pitchFamily="2" charset="-122"/>
-              <a:cs typeface="+mn-cs"/>
-            </a:endParaRPr>
-          </a:p>
-          <a:p>
-            <a:pPr marL="0" marR="0" lvl="0" indent="0" defTabSz="914400" eaLnBrk="1" fontAlgn="auto" latinLnBrk="0" hangingPunct="1">
-              <a:lnSpc>
-                <a:spcPct val="100000"/>
-              </a:lnSpc>
-              <a:spcBef>
-                <a:spcPts val="0"/>
-              </a:spcBef>
-              <a:spcAft>
-                <a:spcPts val="0"/>
-              </a:spcAft>
-              <a:buClrTx/>
-              <a:buSzTx/>
-              <a:buFontTx/>
-              <a:buNone/>
-              <a:defRPr/>
-            </a:pPr>
-            <a:r>
-              <a:rPr kumimoji="0" lang="en-US" altLang="zh-CN" sz="100" b="0" i="0" u="none" strike="noStrike" kern="0" cap="none" spc="0" normalizeH="0" baseline="0" noProof="0" dirty="0">
-                <a:ln>
-                  <a:noFill/>
-                </a:ln>
-                <a:solidFill>
-                  <a:sysClr val="window" lastClr="FFFFFF"/>
-                </a:solidFill>
-                <a:effectLst/>
-                <a:uLnTx/>
-                <a:uFillTx/>
-                <a:latin typeface="Calibri" panose="020F0502020204030204"/>
-                <a:ea typeface="宋体" panose="02010600030101010101" pitchFamily="2" charset="-122"/>
-                <a:cs typeface="+mn-cs"/>
-              </a:rPr>
-              <a:t>PPT</a:t>
-            </a:r>
-            <a:r>
-              <a:rPr kumimoji="0" lang="zh-CN" altLang="en-US" sz="100" b="0" i="0" u="none" strike="noStrike" kern="0" cap="none" spc="0" normalizeH="0" baseline="0" noProof="0" dirty="0">
-                <a:ln>
-                  <a:noFill/>
-                </a:ln>
-                <a:solidFill>
-                  <a:sysClr val="window" lastClr="FFFFFF"/>
-                </a:solidFill>
-                <a:effectLst/>
-                <a:uLnTx/>
-                <a:uFillTx/>
-                <a:latin typeface="Calibri" panose="020F0502020204030204"/>
-                <a:ea typeface="宋体" panose="02010600030101010101" pitchFamily="2" charset="-122"/>
-                <a:cs typeface="+mn-cs"/>
-              </a:rPr>
-              <a:t>论坛：</a:t>
-            </a:r>
-            <a:r>
-              <a:rPr kumimoji="0" lang="en-US" altLang="zh-CN" sz="100" b="0" i="0" u="none" strike="noStrike" kern="0" cap="none" spc="0" normalizeH="0" baseline="0" noProof="0" dirty="0">
-                <a:ln>
-                  <a:noFill/>
-                </a:ln>
-                <a:solidFill>
-                  <a:sysClr val="window" lastClr="FFFFFF"/>
-                </a:solidFill>
-                <a:effectLst/>
-                <a:uLnTx/>
-                <a:uFillTx/>
-                <a:latin typeface="Calibri" panose="020F0502020204030204"/>
-                <a:ea typeface="宋体" panose="02010600030101010101" pitchFamily="2" charset="-122"/>
-                <a:cs typeface="+mn-cs"/>
-              </a:rPr>
-              <a:t>www.1ppt.cn                                     PPT</a:t>
-            </a:r>
-            <a:r>
-              <a:rPr kumimoji="0" lang="zh-CN" altLang="en-US" sz="100" b="0" i="0" u="none" strike="noStrike" kern="0" cap="none" spc="0" normalizeH="0" baseline="0" noProof="0" dirty="0">
-                <a:ln>
-                  <a:noFill/>
-                </a:ln>
-                <a:solidFill>
-                  <a:sysClr val="window" lastClr="FFFFFF"/>
-                </a:solidFill>
-                <a:effectLst/>
-                <a:uLnTx/>
-                <a:uFillTx/>
-                <a:latin typeface="Calibri" panose="020F0502020204030204"/>
-                <a:ea typeface="宋体" panose="02010600030101010101" pitchFamily="2" charset="-122"/>
-                <a:cs typeface="+mn-cs"/>
-              </a:rPr>
-              <a:t>课件：</a:t>
-            </a:r>
-            <a:r>
-              <a:rPr kumimoji="0" lang="en-US" altLang="zh-CN" sz="100" b="0" i="0" u="none" strike="noStrike" kern="0" cap="none" spc="0" normalizeH="0" baseline="0" noProof="0" dirty="0">
-                <a:ln>
-                  <a:noFill/>
-                </a:ln>
-                <a:solidFill>
-                  <a:sysClr val="window" lastClr="FFFFFF"/>
-                </a:solidFill>
-                <a:effectLst/>
-                <a:uLnTx/>
-                <a:uFillTx/>
-                <a:latin typeface="Calibri" panose="020F0502020204030204"/>
-                <a:ea typeface="宋体" panose="02010600030101010101" pitchFamily="2" charset="-122"/>
-                <a:cs typeface="+mn-cs"/>
-              </a:rPr>
-              <a:t>www.1ppt.com/kejian/ </a:t>
-            </a:r>
-            <a:endParaRPr kumimoji="0" lang="en-US" altLang="zh-CN" sz="100" b="0" i="0" u="none" strike="noStrike" kern="0" cap="none" spc="0" normalizeH="0" baseline="0" noProof="0" dirty="0">
-              <a:ln>
-                <a:noFill/>
-              </a:ln>
-              <a:solidFill>
-                <a:sysClr val="window" lastClr="FFFFFF"/>
-              </a:solidFill>
-              <a:effectLst/>
-              <a:uLnTx/>
-              <a:uFillTx/>
-              <a:latin typeface="Calibri" panose="020F0502020204030204"/>
-              <a:ea typeface="宋体" panose="02010600030101010101" pitchFamily="2" charset="-122"/>
-              <a:cs typeface="+mn-cs"/>
-            </a:endParaRPr>
-          </a:p>
-          <a:p>
-            <a:pPr marL="0" marR="0" lvl="0" indent="0" defTabSz="914400" eaLnBrk="1" fontAlgn="auto" latinLnBrk="0" hangingPunct="1">
-              <a:lnSpc>
-                <a:spcPct val="100000"/>
-              </a:lnSpc>
-              <a:spcBef>
-                <a:spcPts val="0"/>
-              </a:spcBef>
-              <a:spcAft>
-                <a:spcPts val="0"/>
-              </a:spcAft>
-              <a:buClrTx/>
-              <a:buSzTx/>
-              <a:buFontTx/>
-              <a:buNone/>
-              <a:defRPr/>
-            </a:pPr>
-            <a:r>
-              <a:rPr kumimoji="0" lang="zh-CN" altLang="en-US" sz="100" b="0" i="0" u="none" strike="noStrike" kern="0" cap="none" spc="0" normalizeH="0" baseline="0" noProof="0" dirty="0">
-                <a:ln>
-                  <a:noFill/>
-                </a:ln>
-                <a:solidFill>
-                  <a:sysClr val="window" lastClr="FFFFFF"/>
-                </a:solidFill>
-                <a:effectLst/>
-                <a:uLnTx/>
-                <a:uFillTx/>
-                <a:latin typeface="Calibri" panose="020F0502020204030204"/>
-                <a:ea typeface="宋体" panose="02010600030101010101" pitchFamily="2" charset="-122"/>
-                <a:cs typeface="+mn-cs"/>
-              </a:rPr>
-              <a:t>语文课件：</a:t>
-            </a:r>
-            <a:r>
-              <a:rPr kumimoji="0" lang="en-US" altLang="zh-CN" sz="100" b="0" i="0" u="none" strike="noStrike" kern="0" cap="none" spc="0" normalizeH="0" baseline="0" noProof="0" dirty="0">
-                <a:ln>
-                  <a:noFill/>
-                </a:ln>
-                <a:solidFill>
-                  <a:sysClr val="window" lastClr="FFFFFF"/>
-                </a:solidFill>
-                <a:effectLst/>
-                <a:uLnTx/>
-                <a:uFillTx/>
-                <a:latin typeface="Calibri" panose="020F0502020204030204"/>
-                <a:ea typeface="宋体" panose="02010600030101010101" pitchFamily="2" charset="-122"/>
-                <a:cs typeface="+mn-cs"/>
-              </a:rPr>
-              <a:t>www.1ppt.com/kejian/yuwen/    </a:t>
-            </a:r>
-            <a:r>
-              <a:rPr kumimoji="0" lang="zh-CN" altLang="en-US" sz="100" b="0" i="0" u="none" strike="noStrike" kern="0" cap="none" spc="0" normalizeH="0" baseline="0" noProof="0" dirty="0">
-                <a:ln>
-                  <a:noFill/>
-                </a:ln>
-                <a:solidFill>
-                  <a:sysClr val="window" lastClr="FFFFFF"/>
-                </a:solidFill>
-                <a:effectLst/>
-                <a:uLnTx/>
-                <a:uFillTx/>
-                <a:latin typeface="Calibri" panose="020F0502020204030204"/>
-                <a:ea typeface="宋体" panose="02010600030101010101" pitchFamily="2" charset="-122"/>
-                <a:cs typeface="+mn-cs"/>
-              </a:rPr>
-              <a:t>数学课件：</a:t>
-            </a:r>
-            <a:r>
-              <a:rPr kumimoji="0" lang="en-US" altLang="zh-CN" sz="100" b="0" i="0" u="none" strike="noStrike" kern="0" cap="none" spc="0" normalizeH="0" baseline="0" noProof="0" dirty="0">
-                <a:ln>
-                  <a:noFill/>
-                </a:ln>
-                <a:solidFill>
-                  <a:sysClr val="window" lastClr="FFFFFF"/>
-                </a:solidFill>
-                <a:effectLst/>
-                <a:uLnTx/>
-                <a:uFillTx/>
-                <a:latin typeface="Calibri" panose="020F0502020204030204"/>
-                <a:ea typeface="宋体" panose="02010600030101010101" pitchFamily="2" charset="-122"/>
-                <a:cs typeface="+mn-cs"/>
-              </a:rPr>
-              <a:t>www.1ppt.com/kejian/shuxue/ </a:t>
-            </a:r>
-            <a:endParaRPr kumimoji="0" lang="en-US" altLang="zh-CN" sz="100" b="0" i="0" u="none" strike="noStrike" kern="0" cap="none" spc="0" normalizeH="0" baseline="0" noProof="0" dirty="0">
-              <a:ln>
-                <a:noFill/>
-              </a:ln>
-              <a:solidFill>
-                <a:sysClr val="window" lastClr="FFFFFF"/>
-              </a:solidFill>
-              <a:effectLst/>
-              <a:uLnTx/>
-              <a:uFillTx/>
-              <a:latin typeface="Calibri" panose="020F0502020204030204"/>
-              <a:ea typeface="宋体" panose="02010600030101010101" pitchFamily="2" charset="-122"/>
-              <a:cs typeface="+mn-cs"/>
-            </a:endParaRPr>
-          </a:p>
-          <a:p>
-            <a:pPr marL="0" marR="0" lvl="0" indent="0" defTabSz="914400" eaLnBrk="1" fontAlgn="auto" latinLnBrk="0" hangingPunct="1">
-              <a:lnSpc>
-                <a:spcPct val="100000"/>
-              </a:lnSpc>
-              <a:spcBef>
-                <a:spcPts val="0"/>
-              </a:spcBef>
-              <a:spcAft>
-                <a:spcPts val="0"/>
-              </a:spcAft>
-              <a:buClrTx/>
-              <a:buSzTx/>
-              <a:buFontTx/>
-              <a:buNone/>
-              <a:defRPr/>
-            </a:pPr>
-            <a:r>
-              <a:rPr kumimoji="0" lang="zh-CN" altLang="en-US" sz="100" b="0" i="0" u="none" strike="noStrike" kern="0" cap="none" spc="0" normalizeH="0" baseline="0" noProof="0" dirty="0">
-                <a:ln>
-                  <a:noFill/>
-                </a:ln>
-                <a:solidFill>
-                  <a:sysClr val="window" lastClr="FFFFFF"/>
-                </a:solidFill>
-                <a:effectLst/>
-                <a:uLnTx/>
-                <a:uFillTx/>
-                <a:latin typeface="Calibri" panose="020F0502020204030204"/>
-                <a:ea typeface="宋体" panose="02010600030101010101" pitchFamily="2" charset="-122"/>
-                <a:cs typeface="+mn-cs"/>
-              </a:rPr>
-              <a:t>英语课件：</a:t>
-            </a:r>
-            <a:r>
-              <a:rPr kumimoji="0" lang="en-US" altLang="zh-CN" sz="100" b="0" i="0" u="none" strike="noStrike" kern="0" cap="none" spc="0" normalizeH="0" baseline="0" noProof="0" dirty="0">
-                <a:ln>
-                  <a:noFill/>
-                </a:ln>
-                <a:solidFill>
-                  <a:sysClr val="window" lastClr="FFFFFF"/>
-                </a:solidFill>
-                <a:effectLst/>
-                <a:uLnTx/>
-                <a:uFillTx/>
-                <a:latin typeface="Calibri" panose="020F0502020204030204"/>
-                <a:ea typeface="宋体" panose="02010600030101010101" pitchFamily="2" charset="-122"/>
-                <a:cs typeface="+mn-cs"/>
-              </a:rPr>
-              <a:t>www.1ppt.com/kejian/yingyu/    </a:t>
-            </a:r>
-            <a:r>
-              <a:rPr kumimoji="0" lang="zh-CN" altLang="en-US" sz="100" b="0" i="0" u="none" strike="noStrike" kern="0" cap="none" spc="0" normalizeH="0" baseline="0" noProof="0" dirty="0">
-                <a:ln>
-                  <a:noFill/>
-                </a:ln>
-                <a:solidFill>
-                  <a:sysClr val="window" lastClr="FFFFFF"/>
-                </a:solidFill>
-                <a:effectLst/>
-                <a:uLnTx/>
-                <a:uFillTx/>
-                <a:latin typeface="Calibri" panose="020F0502020204030204"/>
-                <a:ea typeface="宋体" panose="02010600030101010101" pitchFamily="2" charset="-122"/>
-                <a:cs typeface="+mn-cs"/>
-              </a:rPr>
-              <a:t>美术课件：</a:t>
-            </a:r>
-            <a:r>
-              <a:rPr kumimoji="0" lang="en-US" altLang="zh-CN" sz="100" b="0" i="0" u="none" strike="noStrike" kern="0" cap="none" spc="0" normalizeH="0" baseline="0" noProof="0" dirty="0">
-                <a:ln>
-                  <a:noFill/>
-                </a:ln>
-                <a:solidFill>
-                  <a:sysClr val="window" lastClr="FFFFFF"/>
-                </a:solidFill>
-                <a:effectLst/>
-                <a:uLnTx/>
-                <a:uFillTx/>
-                <a:latin typeface="Calibri" panose="020F0502020204030204"/>
-                <a:ea typeface="宋体" panose="02010600030101010101" pitchFamily="2" charset="-122"/>
-                <a:cs typeface="+mn-cs"/>
-              </a:rPr>
-              <a:t>www.1ppt.com/kejian/meishu/ </a:t>
-            </a:r>
-            <a:endParaRPr kumimoji="0" lang="en-US" altLang="zh-CN" sz="100" b="0" i="0" u="none" strike="noStrike" kern="0" cap="none" spc="0" normalizeH="0" baseline="0" noProof="0" dirty="0">
-              <a:ln>
-                <a:noFill/>
-              </a:ln>
-              <a:solidFill>
-                <a:sysClr val="window" lastClr="FFFFFF"/>
-              </a:solidFill>
-              <a:effectLst/>
-              <a:uLnTx/>
-              <a:uFillTx/>
-              <a:latin typeface="Calibri" panose="020F0502020204030204"/>
-              <a:ea typeface="宋体" panose="02010600030101010101" pitchFamily="2" charset="-122"/>
-              <a:cs typeface="+mn-cs"/>
-            </a:endParaRPr>
-          </a:p>
-          <a:p>
-            <a:pPr marL="0" marR="0" lvl="0" indent="0" defTabSz="914400" eaLnBrk="1" fontAlgn="auto" latinLnBrk="0" hangingPunct="1">
-              <a:lnSpc>
-                <a:spcPct val="100000"/>
-              </a:lnSpc>
-              <a:spcBef>
-                <a:spcPts val="0"/>
-              </a:spcBef>
-              <a:spcAft>
-                <a:spcPts val="0"/>
-              </a:spcAft>
-              <a:buClrTx/>
-              <a:buSzTx/>
-              <a:buFontTx/>
-              <a:buNone/>
-              <a:defRPr/>
-            </a:pPr>
-            <a:r>
-              <a:rPr kumimoji="0" lang="zh-CN" altLang="en-US" sz="100" b="0" i="0" u="none" strike="noStrike" kern="0" cap="none" spc="0" normalizeH="0" baseline="0" noProof="0" dirty="0">
-                <a:ln>
-                  <a:noFill/>
-                </a:ln>
-                <a:solidFill>
-                  <a:sysClr val="window" lastClr="FFFFFF"/>
-                </a:solidFill>
-                <a:effectLst/>
-                <a:uLnTx/>
-                <a:uFillTx/>
-                <a:latin typeface="Calibri" panose="020F0502020204030204"/>
-                <a:ea typeface="宋体" panose="02010600030101010101" pitchFamily="2" charset="-122"/>
-                <a:cs typeface="+mn-cs"/>
-              </a:rPr>
-              <a:t>科学课件：</a:t>
-            </a:r>
-            <a:r>
-              <a:rPr kumimoji="0" lang="en-US" altLang="zh-CN" sz="100" b="0" i="0" u="none" strike="noStrike" kern="0" cap="none" spc="0" normalizeH="0" baseline="0" noProof="0" dirty="0">
-                <a:ln>
-                  <a:noFill/>
-                </a:ln>
-                <a:solidFill>
-                  <a:sysClr val="window" lastClr="FFFFFF"/>
-                </a:solidFill>
-                <a:effectLst/>
-                <a:uLnTx/>
-                <a:uFillTx/>
-                <a:latin typeface="Calibri" panose="020F0502020204030204"/>
-                <a:ea typeface="宋体" panose="02010600030101010101" pitchFamily="2" charset="-122"/>
-                <a:cs typeface="+mn-cs"/>
-              </a:rPr>
-              <a:t>www.1ppt.com/kejian/kexue/     </a:t>
-            </a:r>
-            <a:r>
-              <a:rPr kumimoji="0" lang="zh-CN" altLang="en-US" sz="100" b="0" i="0" u="none" strike="noStrike" kern="0" cap="none" spc="0" normalizeH="0" baseline="0" noProof="0" dirty="0">
-                <a:ln>
-                  <a:noFill/>
-                </a:ln>
-                <a:solidFill>
-                  <a:sysClr val="window" lastClr="FFFFFF"/>
-                </a:solidFill>
-                <a:effectLst/>
-                <a:uLnTx/>
-                <a:uFillTx/>
-                <a:latin typeface="Calibri" panose="020F0502020204030204"/>
-                <a:ea typeface="宋体" panose="02010600030101010101" pitchFamily="2" charset="-122"/>
-                <a:cs typeface="+mn-cs"/>
-              </a:rPr>
-              <a:t>物理课件：</a:t>
-            </a:r>
-            <a:r>
-              <a:rPr kumimoji="0" lang="en-US" altLang="zh-CN" sz="100" b="0" i="0" u="none" strike="noStrike" kern="0" cap="none" spc="0" normalizeH="0" baseline="0" noProof="0" dirty="0">
-                <a:ln>
-                  <a:noFill/>
-                </a:ln>
-                <a:solidFill>
-                  <a:sysClr val="window" lastClr="FFFFFF"/>
-                </a:solidFill>
-                <a:effectLst/>
-                <a:uLnTx/>
-                <a:uFillTx/>
-                <a:latin typeface="Calibri" panose="020F0502020204030204"/>
-                <a:ea typeface="宋体" panose="02010600030101010101" pitchFamily="2" charset="-122"/>
-                <a:cs typeface="+mn-cs"/>
-              </a:rPr>
-              <a:t>www.1ppt.com/kejian/wuli/ </a:t>
-            </a:r>
-            <a:endParaRPr kumimoji="0" lang="en-US" altLang="zh-CN" sz="100" b="0" i="0" u="none" strike="noStrike" kern="0" cap="none" spc="0" normalizeH="0" baseline="0" noProof="0" dirty="0">
-              <a:ln>
-                <a:noFill/>
-              </a:ln>
-              <a:solidFill>
-                <a:sysClr val="window" lastClr="FFFFFF"/>
-              </a:solidFill>
-              <a:effectLst/>
-              <a:uLnTx/>
-              <a:uFillTx/>
-              <a:latin typeface="Calibri" panose="020F0502020204030204"/>
-              <a:ea typeface="宋体" panose="02010600030101010101" pitchFamily="2" charset="-122"/>
-              <a:cs typeface="+mn-cs"/>
-            </a:endParaRPr>
-          </a:p>
-          <a:p>
-            <a:pPr marL="0" marR="0" lvl="0" indent="0" defTabSz="914400" eaLnBrk="1" fontAlgn="auto" latinLnBrk="0" hangingPunct="1">
-              <a:lnSpc>
-                <a:spcPct val="100000"/>
-              </a:lnSpc>
-              <a:spcBef>
-                <a:spcPts val="0"/>
-              </a:spcBef>
-              <a:spcAft>
-                <a:spcPts val="0"/>
-              </a:spcAft>
-              <a:buClrTx/>
-              <a:buSzTx/>
-              <a:buFontTx/>
-              <a:buNone/>
-              <a:defRPr/>
-            </a:pPr>
-            <a:r>
-              <a:rPr kumimoji="0" lang="zh-CN" altLang="en-US" sz="100" b="0" i="0" u="none" strike="noStrike" kern="0" cap="none" spc="0" normalizeH="0" baseline="0" noProof="0" dirty="0">
-                <a:ln>
-                  <a:noFill/>
-                </a:ln>
-                <a:solidFill>
-                  <a:sysClr val="window" lastClr="FFFFFF"/>
-                </a:solidFill>
-                <a:effectLst/>
-                <a:uLnTx/>
-                <a:uFillTx/>
-                <a:latin typeface="Calibri" panose="020F0502020204030204"/>
-                <a:ea typeface="宋体" panose="02010600030101010101" pitchFamily="2" charset="-122"/>
-                <a:cs typeface="+mn-cs"/>
-              </a:rPr>
-              <a:t>化学课件：</a:t>
-            </a:r>
-            <a:r>
-              <a:rPr kumimoji="0" lang="en-US" altLang="zh-CN" sz="100" b="0" i="0" u="none" strike="noStrike" kern="0" cap="none" spc="0" normalizeH="0" baseline="0" noProof="0" dirty="0">
-                <a:ln>
-                  <a:noFill/>
-                </a:ln>
-                <a:solidFill>
-                  <a:sysClr val="window" lastClr="FFFFFF"/>
-                </a:solidFill>
-                <a:effectLst/>
-                <a:uLnTx/>
-                <a:uFillTx/>
-                <a:latin typeface="Calibri" panose="020F0502020204030204"/>
-                <a:ea typeface="宋体" panose="02010600030101010101" pitchFamily="2" charset="-122"/>
-                <a:cs typeface="+mn-cs"/>
-              </a:rPr>
-              <a:t>www.1ppt.com/kejian/huaxue/  </a:t>
-            </a:r>
-            <a:r>
-              <a:rPr kumimoji="0" lang="zh-CN" altLang="en-US" sz="100" b="0" i="0" u="none" strike="noStrike" kern="0" cap="none" spc="0" normalizeH="0" baseline="0" noProof="0" dirty="0">
-                <a:ln>
-                  <a:noFill/>
-                </a:ln>
-                <a:solidFill>
-                  <a:sysClr val="window" lastClr="FFFFFF"/>
-                </a:solidFill>
-                <a:effectLst/>
-                <a:uLnTx/>
-                <a:uFillTx/>
-                <a:latin typeface="Calibri" panose="020F0502020204030204"/>
-                <a:ea typeface="宋体" panose="02010600030101010101" pitchFamily="2" charset="-122"/>
-                <a:cs typeface="+mn-cs"/>
-              </a:rPr>
-              <a:t>生物课件：</a:t>
-            </a:r>
-            <a:r>
-              <a:rPr kumimoji="0" lang="en-US" altLang="zh-CN" sz="100" b="0" i="0" u="none" strike="noStrike" kern="0" cap="none" spc="0" normalizeH="0" baseline="0" noProof="0" dirty="0">
-                <a:ln>
-                  <a:noFill/>
-                </a:ln>
-                <a:solidFill>
-                  <a:sysClr val="window" lastClr="FFFFFF"/>
-                </a:solidFill>
-                <a:effectLst/>
-                <a:uLnTx/>
-                <a:uFillTx/>
-                <a:latin typeface="Calibri" panose="020F0502020204030204"/>
-                <a:ea typeface="宋体" panose="02010600030101010101" pitchFamily="2" charset="-122"/>
-                <a:cs typeface="+mn-cs"/>
-              </a:rPr>
-              <a:t>www.1ppt.com/kejian/shengwu/ </a:t>
-            </a:r>
-            <a:endParaRPr kumimoji="0" lang="en-US" altLang="zh-CN" sz="100" b="0" i="0" u="none" strike="noStrike" kern="0" cap="none" spc="0" normalizeH="0" baseline="0" noProof="0" dirty="0">
-              <a:ln>
-                <a:noFill/>
-              </a:ln>
-              <a:solidFill>
-                <a:sysClr val="window" lastClr="FFFFFF"/>
-              </a:solidFill>
-              <a:effectLst/>
-              <a:uLnTx/>
-              <a:uFillTx/>
-              <a:latin typeface="Calibri" panose="020F0502020204030204"/>
-              <a:ea typeface="宋体" panose="02010600030101010101" pitchFamily="2" charset="-122"/>
-              <a:cs typeface="+mn-cs"/>
-            </a:endParaRPr>
-          </a:p>
-          <a:p>
-            <a:pPr marL="0" marR="0" lvl="0" indent="0" defTabSz="914400" eaLnBrk="1" fontAlgn="auto" latinLnBrk="0" hangingPunct="1">
-              <a:lnSpc>
-                <a:spcPct val="100000"/>
-              </a:lnSpc>
-              <a:spcBef>
-                <a:spcPts val="0"/>
-              </a:spcBef>
-              <a:spcAft>
-                <a:spcPts val="0"/>
-              </a:spcAft>
-              <a:buClrTx/>
-              <a:buSzTx/>
-              <a:buFontTx/>
-              <a:buNone/>
-              <a:defRPr/>
-            </a:pPr>
-            <a:r>
-              <a:rPr kumimoji="0" lang="zh-CN" altLang="en-US" sz="100" b="0" i="0" u="none" strike="noStrike" kern="0" cap="none" spc="0" normalizeH="0" baseline="0" noProof="0" dirty="0">
-                <a:ln>
-                  <a:noFill/>
-                </a:ln>
-                <a:solidFill>
-                  <a:sysClr val="window" lastClr="FFFFFF"/>
-                </a:solidFill>
-                <a:effectLst/>
-                <a:uLnTx/>
-                <a:uFillTx/>
-                <a:latin typeface="Calibri" panose="020F0502020204030204"/>
-                <a:ea typeface="宋体" panose="02010600030101010101" pitchFamily="2" charset="-122"/>
-                <a:cs typeface="+mn-cs"/>
-              </a:rPr>
-              <a:t>地理课件：</a:t>
-            </a:r>
-            <a:r>
-              <a:rPr kumimoji="0" lang="en-US" altLang="zh-CN" sz="100" b="0" i="0" u="none" strike="noStrike" kern="0" cap="none" spc="0" normalizeH="0" baseline="0" noProof="0" dirty="0">
-                <a:ln>
-                  <a:noFill/>
-                </a:ln>
-                <a:solidFill>
-                  <a:sysClr val="window" lastClr="FFFFFF"/>
-                </a:solidFill>
-                <a:effectLst/>
-                <a:uLnTx/>
-                <a:uFillTx/>
-                <a:latin typeface="Calibri" panose="020F0502020204030204"/>
-                <a:ea typeface="宋体" panose="02010600030101010101" pitchFamily="2" charset="-122"/>
-                <a:cs typeface="+mn-cs"/>
-              </a:rPr>
-              <a:t>www.1ppt.com/kejian/dili/          </a:t>
-            </a:r>
-            <a:r>
-              <a:rPr kumimoji="0" lang="zh-CN" altLang="en-US" sz="100" b="0" i="0" u="none" strike="noStrike" kern="0" cap="none" spc="0" normalizeH="0" baseline="0" noProof="0" dirty="0">
-                <a:ln>
-                  <a:noFill/>
-                </a:ln>
-                <a:solidFill>
-                  <a:sysClr val="window" lastClr="FFFFFF"/>
-                </a:solidFill>
-                <a:effectLst/>
-                <a:uLnTx/>
-                <a:uFillTx/>
-                <a:latin typeface="Calibri" panose="020F0502020204030204"/>
-                <a:ea typeface="宋体" panose="02010600030101010101" pitchFamily="2" charset="-122"/>
-                <a:cs typeface="+mn-cs"/>
-              </a:rPr>
-              <a:t>历史课件：</a:t>
-            </a:r>
-            <a:r>
-              <a:rPr kumimoji="0" lang="en-US" altLang="zh-CN" sz="100" b="0" i="0" u="none" strike="noStrike" kern="0" cap="none" spc="0" normalizeH="0" baseline="0" noProof="0" dirty="0">
-                <a:ln>
-                  <a:noFill/>
-                </a:ln>
-                <a:solidFill>
-                  <a:sysClr val="window" lastClr="FFFFFF"/>
-                </a:solidFill>
-                <a:effectLst/>
-                <a:uLnTx/>
-                <a:uFillTx/>
-                <a:latin typeface="Calibri" panose="020F0502020204030204"/>
-                <a:ea typeface="宋体" panose="02010600030101010101" pitchFamily="2" charset="-122"/>
-                <a:cs typeface="+mn-cs"/>
-              </a:rPr>
-              <a:t>www.1ppt.com/kejian/lishi/        </a:t>
-            </a:r>
-            <a:endParaRPr kumimoji="0" lang="en-US" altLang="zh-CN" sz="100" b="0" i="0" u="none" strike="noStrike" kern="0" cap="none" spc="0" normalizeH="0" baseline="0" noProof="0" dirty="0">
-              <a:ln>
-                <a:noFill/>
-              </a:ln>
-              <a:solidFill>
-                <a:sysClr val="window" lastClr="FFFFFF"/>
-              </a:solidFill>
-              <a:effectLst/>
-              <a:uLnTx/>
-              <a:uFillTx/>
-              <a:latin typeface="Calibri" panose="020F0502020204030204"/>
-              <a:ea typeface="宋体" panose="02010600030101010101" pitchFamily="2" charset="-122"/>
-              <a:cs typeface="+mn-cs"/>
-            </a:endParaRPr>
-          </a:p>
-        </p:txBody>
-      </p:sp>
-      <p:grpSp>
-        <p:nvGrpSpPr>
-          <p:cNvPr id="5" name="组合 4"/>
-          <p:cNvGrpSpPr/>
-          <p:nvPr/>
-        </p:nvGrpSpPr>
-        <p:grpSpPr>
-          <a:xfrm>
-            <a:off x="774874" y="1461832"/>
-            <a:ext cx="1152128" cy="1300919"/>
-            <a:chOff x="1259632" y="1419622"/>
-            <a:chExt cx="1152128" cy="1300919"/>
-          </a:xfrm>
-        </p:grpSpPr>
-        <p:sp>
-          <p:nvSpPr>
-            <p:cNvPr id="2" name="椭圆 1"/>
-            <p:cNvSpPr/>
-            <p:nvPr/>
-          </p:nvSpPr>
-          <p:spPr>
-            <a:xfrm>
-              <a:off x="1259632" y="1419622"/>
-              <a:ext cx="1152128" cy="1152128"/>
-            </a:xfrm>
-            <a:prstGeom prst="ellipse">
-              <a:avLst/>
-            </a:prstGeom>
-            <a:solidFill>
-              <a:srgbClr val="F46970"/>
-            </a:solidFill>
-            <a:ln>
-              <a:noFill/>
-            </a:ln>
-          </p:spPr>
-          <p:style>
-            <a:lnRef idx="2">
-              <a:schemeClr val="accent1">
-                <a:shade val="50000"/>
-              </a:schemeClr>
-            </a:lnRef>
-            <a:fillRef idx="1">
-              <a:schemeClr val="accent1"/>
-            </a:fillRef>
-            <a:effectRef idx="0">
-              <a:schemeClr val="accent1"/>
-            </a:effectRef>
-            <a:fontRef idx="minor">
-              <a:schemeClr val="lt1"/>
-            </a:fontRef>
-          </p:style>
-          <p:txBody>
-            <a:bodyPr rtlCol="0" anchor="ctr"/>
-            <a:lstStyle/>
-            <a:p>
-              <a:pPr algn="ctr"/>
-              <a:endParaRPr lang="zh-CN" altLang="en-US"/>
-            </a:p>
-          </p:txBody>
-        </p:sp>
-        <p:sp>
-          <p:nvSpPr>
-            <p:cNvPr id="3" name="椭圆 2"/>
-            <p:cNvSpPr/>
-            <p:nvPr/>
-          </p:nvSpPr>
-          <p:spPr>
-            <a:xfrm rot="1761192">
-              <a:off x="1806317" y="1568413"/>
-              <a:ext cx="576064" cy="1152128"/>
-            </a:xfrm>
-            <a:custGeom>
-              <a:avLst/>
-              <a:gdLst/>
-              <a:ahLst/>
-              <a:cxnLst/>
-              <a:rect l="l" t="t" r="r" b="b"/>
-              <a:pathLst>
-                <a:path w="576064" h="1152128">
-                  <a:moveTo>
-                    <a:pt x="0" y="0"/>
-                  </a:moveTo>
-                  <a:cubicBezTo>
-                    <a:pt x="318151" y="0"/>
-                    <a:pt x="576064" y="257913"/>
-                    <a:pt x="576064" y="576064"/>
-                  </a:cubicBezTo>
-                  <a:cubicBezTo>
-                    <a:pt x="576064" y="894215"/>
-                    <a:pt x="318151" y="1152128"/>
-                    <a:pt x="0" y="1152128"/>
-                  </a:cubicBezTo>
-                  <a:close/>
-                </a:path>
-              </a:pathLst>
-            </a:custGeom>
-            <a:solidFill>
-              <a:srgbClr val="EAEAEA">
-                <a:alpha val="30196"/>
-              </a:srgbClr>
-            </a:solidFill>
-            <a:ln>
-              <a:noFill/>
-            </a:ln>
-          </p:spPr>
-          <p:style>
-            <a:lnRef idx="2">
-              <a:schemeClr val="accent1">
-                <a:shade val="50000"/>
-              </a:schemeClr>
-            </a:lnRef>
-            <a:fillRef idx="1">
-              <a:schemeClr val="accent1"/>
-            </a:fillRef>
-            <a:effectRef idx="0">
-              <a:schemeClr val="accent1"/>
-            </a:effectRef>
-            <a:fontRef idx="minor">
-              <a:schemeClr val="lt1"/>
-            </a:fontRef>
-          </p:style>
-          <p:txBody>
-            <a:bodyPr rtlCol="0" anchor="ctr"/>
-            <a:lstStyle/>
-            <a:p>
-              <a:pPr algn="ctr"/>
-              <a:endParaRPr lang="zh-CN" altLang="en-US"/>
-            </a:p>
-          </p:txBody>
-        </p:sp>
-      </p:grpSp>
-      <p:grpSp>
-        <p:nvGrpSpPr>
-          <p:cNvPr id="9" name="组合 8"/>
-          <p:cNvGrpSpPr/>
-          <p:nvPr/>
-        </p:nvGrpSpPr>
-        <p:grpSpPr>
-          <a:xfrm>
-            <a:off x="4488300" y="1461832"/>
-            <a:ext cx="1152128" cy="1300919"/>
-            <a:chOff x="1259632" y="1419622"/>
-            <a:chExt cx="1152128" cy="1300919"/>
-          </a:xfrm>
-        </p:grpSpPr>
-        <p:sp>
-          <p:nvSpPr>
-            <p:cNvPr id="10" name="椭圆 9"/>
-            <p:cNvSpPr/>
-            <p:nvPr/>
-          </p:nvSpPr>
-          <p:spPr>
-            <a:xfrm>
-              <a:off x="1259632" y="1419622"/>
-              <a:ext cx="1152128" cy="1152128"/>
-            </a:xfrm>
-            <a:prstGeom prst="ellipse">
-              <a:avLst/>
-            </a:prstGeom>
-            <a:solidFill>
-              <a:srgbClr val="00B0F0"/>
-            </a:solidFill>
-            <a:ln>
-              <a:noFill/>
-            </a:ln>
-          </p:spPr>
-          <p:style>
-            <a:lnRef idx="2">
-              <a:schemeClr val="accent1">
-                <a:shade val="50000"/>
-              </a:schemeClr>
-            </a:lnRef>
-            <a:fillRef idx="1">
-              <a:schemeClr val="accent1"/>
-            </a:fillRef>
-            <a:effectRef idx="0">
-              <a:schemeClr val="accent1"/>
-            </a:effectRef>
-            <a:fontRef idx="minor">
-              <a:schemeClr val="lt1"/>
-            </a:fontRef>
-          </p:style>
-          <p:txBody>
-            <a:bodyPr rtlCol="0" anchor="ctr"/>
-            <a:lstStyle/>
-            <a:p>
-              <a:pPr algn="ctr"/>
-              <a:endParaRPr lang="zh-CN" altLang="en-US"/>
-            </a:p>
-          </p:txBody>
-        </p:sp>
-        <p:sp>
-          <p:nvSpPr>
-            <p:cNvPr id="11" name="椭圆 2"/>
-            <p:cNvSpPr/>
-            <p:nvPr/>
-          </p:nvSpPr>
-          <p:spPr>
-            <a:xfrm rot="1761192">
-              <a:off x="1806317" y="1568413"/>
-              <a:ext cx="576064" cy="1152128"/>
-            </a:xfrm>
-            <a:custGeom>
-              <a:avLst/>
-              <a:gdLst/>
-              <a:ahLst/>
-              <a:cxnLst/>
-              <a:rect l="l" t="t" r="r" b="b"/>
-              <a:pathLst>
-                <a:path w="576064" h="1152128">
-                  <a:moveTo>
-                    <a:pt x="0" y="0"/>
-                  </a:moveTo>
-                  <a:cubicBezTo>
-                    <a:pt x="318151" y="0"/>
-                    <a:pt x="576064" y="257913"/>
-                    <a:pt x="576064" y="576064"/>
-                  </a:cubicBezTo>
-                  <a:cubicBezTo>
-                    <a:pt x="576064" y="894215"/>
-                    <a:pt x="318151" y="1152128"/>
-                    <a:pt x="0" y="1152128"/>
-                  </a:cubicBezTo>
-                  <a:close/>
-                </a:path>
-              </a:pathLst>
-            </a:custGeom>
-            <a:solidFill>
-              <a:srgbClr val="EAEAEA">
-                <a:alpha val="30196"/>
-              </a:srgbClr>
-            </a:solidFill>
-            <a:ln>
-              <a:noFill/>
-            </a:ln>
-          </p:spPr>
-          <p:style>
-            <a:lnRef idx="2">
-              <a:schemeClr val="accent1">
-                <a:shade val="50000"/>
-              </a:schemeClr>
-            </a:lnRef>
-            <a:fillRef idx="1">
-              <a:schemeClr val="accent1"/>
-            </a:fillRef>
-            <a:effectRef idx="0">
-              <a:schemeClr val="accent1"/>
-            </a:effectRef>
-            <a:fontRef idx="minor">
-              <a:schemeClr val="lt1"/>
-            </a:fontRef>
-          </p:style>
-          <p:txBody>
-            <a:bodyPr rtlCol="0" anchor="ctr"/>
-            <a:lstStyle/>
-            <a:p>
-              <a:pPr algn="ctr"/>
-              <a:endParaRPr lang="zh-CN" altLang="en-US"/>
-            </a:p>
-          </p:txBody>
-        </p:sp>
-      </p:grpSp>
-      <p:pic>
-        <p:nvPicPr>
-          <p:cNvPr id="29" name="图片 28"/>
-          <p:cNvPicPr>
-            <a:picLocks noChangeAspect="1"/>
-          </p:cNvPicPr>
-          <p:nvPr/>
-        </p:nvPicPr>
-        <p:blipFill>
-          <a:blip r:embed="rId1" cstate="print">
-            <a:extLst>
-              <a:ext uri="{28A0092B-C50C-407E-A947-70E740481C1C}">
-                <a14:useLocalDpi xmlns:a14="http://schemas.microsoft.com/office/drawing/2010/main" val="0"/>
-              </a:ext>
-            </a:extLst>
-          </a:blip>
-          <a:stretch>
-            <a:fillRect/>
-          </a:stretch>
-        </p:blipFill>
-        <p:spPr>
-          <a:xfrm>
-            <a:off x="6827924" y="1787970"/>
-            <a:ext cx="507937" cy="507937"/>
-          </a:xfrm>
-          <a:prstGeom prst="rect">
-            <a:avLst/>
-          </a:prstGeom>
-        </p:spPr>
-      </p:pic>
-      <p:sp>
-        <p:nvSpPr>
-          <p:cNvPr id="21" name="TextBox 20">
-            <a:hlinkClick r:id="rId2" action="ppaction://hlinksldjump"/>
-          </p:cNvPr>
-          <p:cNvSpPr txBox="1"/>
-          <p:nvPr/>
-        </p:nvSpPr>
-        <p:spPr>
-          <a:xfrm>
-            <a:off x="5190691" y="2418442"/>
-            <a:ext cx="792089" cy="369332"/>
-          </a:xfrm>
-          <a:prstGeom prst="rect">
-            <a:avLst/>
-          </a:prstGeom>
-          <a:noFill/>
-        </p:spPr>
-        <p:txBody>
-          <a:bodyPr wrap="square" rtlCol="0">
-            <a:spAutoFit/>
-          </a:bodyPr>
-          <a:lstStyle/>
-          <a:p>
-            <a:r>
-              <a:rPr lang="en-US" altLang="zh-CN" dirty="0" smtClean="0">
-                <a:solidFill>
-                  <a:schemeClr val="bg1"/>
-                </a:solidFill>
-              </a:rPr>
-              <a:t>about</a:t>
-            </a:r>
-            <a:endParaRPr lang="zh-CN" altLang="en-US" dirty="0">
-              <a:solidFill>
-                <a:schemeClr val="bg1"/>
-              </a:solidFill>
-            </a:endParaRPr>
-          </a:p>
-        </p:txBody>
-      </p:sp>
-      <p:sp>
-        <p:nvSpPr>
-          <p:cNvPr id="18" name="TextBox 17"/>
-          <p:cNvSpPr txBox="1"/>
-          <p:nvPr/>
-        </p:nvSpPr>
-        <p:spPr>
-          <a:xfrm>
-            <a:off x="3089651" y="364644"/>
-            <a:ext cx="2221495" cy="707886"/>
-          </a:xfrm>
-          <a:prstGeom prst="rect">
-            <a:avLst/>
-          </a:prstGeom>
-          <a:noFill/>
-        </p:spPr>
-        <p:txBody>
-          <a:bodyPr wrap="square" rtlCol="0">
-            <a:spAutoFit/>
-          </a:bodyPr>
-          <a:lstStyle/>
-          <a:p>
-            <a:r>
-              <a:rPr lang="en-US" altLang="zh-CN" sz="4000" dirty="0" smtClean="0">
-                <a:solidFill>
-                  <a:schemeClr val="tx1"/>
-                </a:solidFill>
-              </a:rPr>
-              <a:t>CONTEXT</a:t>
-            </a:r>
-            <a:endParaRPr lang="en-US" altLang="zh-CN" sz="4000" dirty="0" smtClean="0">
-              <a:solidFill>
-                <a:schemeClr val="tx1"/>
-              </a:solidFill>
-            </a:endParaRPr>
-          </a:p>
-        </p:txBody>
-      </p:sp>
-      <p:sp>
-        <p:nvSpPr>
-          <p:cNvPr id="24" name="TextBox 23"/>
-          <p:cNvSpPr txBox="1"/>
-          <p:nvPr/>
-        </p:nvSpPr>
-        <p:spPr>
-          <a:xfrm>
-            <a:off x="691515" y="2830195"/>
-            <a:ext cx="1317625" cy="368300"/>
-          </a:xfrm>
-          <a:prstGeom prst="rect">
-            <a:avLst/>
-          </a:prstGeom>
-          <a:noFill/>
-        </p:spPr>
-        <p:txBody>
-          <a:bodyPr wrap="square" rtlCol="0">
-            <a:spAutoFit/>
-          </a:bodyPr>
-          <a:lstStyle/>
-          <a:p>
-            <a:r>
-              <a:rPr lang="en-US" altLang="zh-CN" dirty="0">
-                <a:solidFill>
-                  <a:srgbClr val="F46970"/>
-                </a:solidFill>
-              </a:rPr>
-              <a:t>        </a:t>
-            </a:r>
-            <a:r>
-              <a:rPr lang="zh-CN" altLang="en-US" dirty="0">
-                <a:solidFill>
-                  <a:srgbClr val="F46970"/>
-                </a:solidFill>
-              </a:rPr>
-              <a:t>引言</a:t>
-            </a:r>
-            <a:endParaRPr lang="zh-CN" altLang="en-US" dirty="0">
-              <a:solidFill>
-                <a:srgbClr val="F46970"/>
-              </a:solidFill>
-            </a:endParaRPr>
-          </a:p>
-        </p:txBody>
-      </p:sp>
-      <p:pic>
-        <p:nvPicPr>
-          <p:cNvPr id="28" name="图片 27"/>
-          <p:cNvPicPr>
-            <a:picLocks noChangeAspect="1"/>
-          </p:cNvPicPr>
-          <p:nvPr/>
-        </p:nvPicPr>
-        <p:blipFill>
-          <a:blip r:embed="rId3" cstate="print">
-            <a:extLst>
-              <a:ext uri="{28A0092B-C50C-407E-A947-70E740481C1C}">
-                <a14:useLocalDpi xmlns:a14="http://schemas.microsoft.com/office/drawing/2010/main" val="0"/>
-              </a:ext>
-            </a:extLst>
-          </a:blip>
-          <a:stretch>
-            <a:fillRect/>
-          </a:stretch>
-        </p:blipFill>
-        <p:spPr>
-          <a:xfrm>
-            <a:off x="4809876" y="1783524"/>
-            <a:ext cx="507937" cy="507937"/>
-          </a:xfrm>
-          <a:prstGeom prst="rect">
-            <a:avLst/>
-          </a:prstGeom>
-        </p:spPr>
-      </p:pic>
-      <p:sp>
-        <p:nvSpPr>
-          <p:cNvPr id="26" name="TextBox 25"/>
-          <p:cNvSpPr txBox="1"/>
-          <p:nvPr/>
-        </p:nvSpPr>
-        <p:spPr>
-          <a:xfrm flipH="1">
-            <a:off x="4502150" y="2843530"/>
-            <a:ext cx="1480185" cy="640080"/>
-          </a:xfrm>
-          <a:prstGeom prst="rect">
-            <a:avLst/>
-          </a:prstGeom>
-          <a:noFill/>
-        </p:spPr>
-        <p:txBody>
-          <a:bodyPr wrap="square" rtlCol="0">
-            <a:spAutoFit/>
-          </a:bodyPr>
-          <a:lstStyle/>
-          <a:p>
-            <a:r>
-              <a:rPr lang="zh-CN" altLang="en-US" dirty="0" smtClean="0">
-                <a:solidFill>
-                  <a:srgbClr val="00B0F0"/>
-                </a:solidFill>
-              </a:rPr>
-              <a:t>程序的设计说明</a:t>
-            </a:r>
-            <a:r>
-              <a:rPr lang="en-US" altLang="zh-CN" dirty="0" smtClean="0">
-                <a:solidFill>
-                  <a:srgbClr val="00B0F0"/>
-                </a:solidFill>
-              </a:rPr>
-              <a:t> </a:t>
-            </a:r>
-            <a:endParaRPr lang="zh-CN" altLang="en-US" dirty="0">
-              <a:solidFill>
-                <a:srgbClr val="00B0F0"/>
-              </a:solidFill>
-            </a:endParaRPr>
-          </a:p>
-        </p:txBody>
-      </p:sp>
-      <p:pic>
-        <p:nvPicPr>
-          <p:cNvPr id="31" name="图片 30"/>
-          <p:cNvPicPr>
-            <a:picLocks noChangeAspect="1"/>
-          </p:cNvPicPr>
-          <p:nvPr/>
-        </p:nvPicPr>
-        <p:blipFill>
-          <a:blip r:embed="rId4" cstate="print">
-            <a:extLst>
-              <a:ext uri="{28A0092B-C50C-407E-A947-70E740481C1C}">
-                <a14:useLocalDpi xmlns:a14="http://schemas.microsoft.com/office/drawing/2010/main" val="0"/>
-              </a:ext>
-            </a:extLst>
-          </a:blip>
-          <a:stretch>
-            <a:fillRect/>
-          </a:stretch>
-        </p:blipFill>
-        <p:spPr>
-          <a:xfrm>
-            <a:off x="1087443" y="1856635"/>
-            <a:ext cx="525632" cy="525632"/>
-          </a:xfrm>
-          <a:prstGeom prst="rect">
-            <a:avLst/>
-          </a:prstGeom>
-        </p:spPr>
-      </p:pic>
-      <p:pic>
-        <p:nvPicPr>
-          <p:cNvPr id="30" name="图片 29">
-            <a:hlinkClick r:id="rId5" action="ppaction://hlinksldjump"/>
-          </p:cNvPr>
-          <p:cNvPicPr>
-            <a:picLocks noChangeAspect="1"/>
-          </p:cNvPicPr>
-          <p:nvPr/>
-        </p:nvPicPr>
-        <p:blipFill>
-          <a:blip r:embed="rId6" cstate="print">
-            <a:extLst>
-              <a:ext uri="{28A0092B-C50C-407E-A947-70E740481C1C}">
-                <a14:useLocalDpi xmlns:a14="http://schemas.microsoft.com/office/drawing/2010/main" val="0"/>
-              </a:ext>
-            </a:extLst>
-          </a:blip>
-          <a:stretch>
-            <a:fillRect/>
-          </a:stretch>
-        </p:blipFill>
-        <p:spPr>
-          <a:xfrm rot="21420000">
-            <a:off x="3037851" y="1775270"/>
-            <a:ext cx="507937" cy="507937"/>
-          </a:xfrm>
-          <a:prstGeom prst="rect">
-            <a:avLst/>
-          </a:prstGeom>
-        </p:spPr>
-      </p:pic>
-      <p:sp>
-        <p:nvSpPr>
-          <p:cNvPr id="4" name="文本框 3"/>
-          <p:cNvSpPr txBox="1"/>
-          <p:nvPr/>
-        </p:nvSpPr>
-        <p:spPr>
-          <a:xfrm>
-            <a:off x="2515870" y="2830195"/>
-            <a:ext cx="1553210" cy="640080"/>
-          </a:xfrm>
-          <a:prstGeom prst="rect">
-            <a:avLst/>
-          </a:prstGeom>
-          <a:noFill/>
-        </p:spPr>
-        <p:txBody>
-          <a:bodyPr wrap="square" rtlCol="0">
-            <a:spAutoFit/>
-          </a:bodyPr>
-          <a:p>
-            <a:r>
-              <a:rPr lang="zh-CN" altLang="en-US">
-                <a:solidFill>
-                  <a:schemeClr val="accent6"/>
-                </a:solidFill>
-              </a:rPr>
-              <a:t>程序的系统结构</a:t>
-            </a:r>
-            <a:endParaRPr lang="zh-CN" altLang="en-US">
-              <a:solidFill>
-                <a:schemeClr val="accent6"/>
-              </a:solidFill>
-            </a:endParaRPr>
-          </a:p>
-        </p:txBody>
-      </p:sp>
-      <p:sp>
-        <p:nvSpPr>
-          <p:cNvPr id="20" name="文本框 19"/>
-          <p:cNvSpPr txBox="1"/>
-          <p:nvPr/>
-        </p:nvSpPr>
-        <p:spPr>
-          <a:xfrm>
-            <a:off x="6728460" y="2933065"/>
-            <a:ext cx="1115060" cy="640080"/>
-          </a:xfrm>
-          <a:prstGeom prst="rect">
-            <a:avLst/>
-          </a:prstGeom>
-          <a:noFill/>
-        </p:spPr>
-        <p:txBody>
-          <a:bodyPr wrap="square" rtlCol="0">
-            <a:spAutoFit/>
-          </a:bodyPr>
-          <a:p>
-            <a:r>
-              <a:rPr lang="zh-CN" altLang="en-US">
-                <a:solidFill>
-                  <a:srgbClr val="00B050"/>
-                </a:solidFill>
-                <a:sym typeface="+mn-ea"/>
-              </a:rPr>
-              <a:t>小组绩效分析</a:t>
-            </a:r>
-            <a:endParaRPr lang="zh-CN" altLang="en-US">
-              <a:solidFill>
-                <a:srgbClr val="00B050"/>
-              </a:solidFill>
-              <a:sym typeface="+mn-ea"/>
-            </a:endParaRPr>
-          </a:p>
-        </p:txBody>
-      </p:sp>
-      <p:pic>
-        <p:nvPicPr>
-          <p:cNvPr id="23" name="图片 -2147482624" descr="超级截屏_20170311_184728"/>
-          <p:cNvPicPr>
-            <a:picLocks noChangeAspect="1"/>
-          </p:cNvPicPr>
-          <p:nvPr/>
-        </p:nvPicPr>
-        <p:blipFill>
-          <a:blip r:embed="rId7"/>
-          <a:srcRect b="7617"/>
-          <a:stretch>
-            <a:fillRect/>
-          </a:stretch>
-        </p:blipFill>
-        <p:spPr>
-          <a:xfrm>
-            <a:off x="7843520" y="-38100"/>
-            <a:ext cx="1144905" cy="1012825"/>
-          </a:xfrm>
-          <a:prstGeom prst="rect">
-            <a:avLst/>
-          </a:prstGeom>
-          <a:noFill/>
-          <a:ln w="9525">
-            <a:noFill/>
-          </a:ln>
-        </p:spPr>
-      </p:pic>
-    </p:spTree>
-  </p:cSld>
-  <p:clrMapOvr>
-    <a:masterClrMapping/>
-  </p:clrMapOvr>
-  <p:timing>
-    <p:tnLst>
-      <p:par>
-        <p:cTn id="1" dur="indefinite" restart="never" nodeType="tmRoot"/>
-      </p:par>
-    </p:tnLst>
-  </p:timing>
-</p:sld>
-</file>
-
-<file path=ppt/slides/slide20.xml><?xml version="1.0" encoding="utf-8"?>
+<file path=ppt/slides/slide22.xml><?xml version="1.0" encoding="utf-8"?>
 <p:sld xmlns:a="http://schemas.openxmlformats.org/drawingml/2006/main" xmlns:r="http://schemas.openxmlformats.org/officeDocument/2006/relationships" xmlns:p="http://schemas.openxmlformats.org/presentationml/2006/main">
   <p:cSld>
     <p:spTree>
@@ -9703,7 +9978,7 @@
         <p:spPr>
           <a:xfrm>
             <a:off x="4211960" y="1580198"/>
-            <a:ext cx="4392488" cy="1862048"/>
+            <a:ext cx="4392488" cy="1861185"/>
           </a:xfrm>
           <a:prstGeom prst="rect">
             <a:avLst/>
@@ -9717,14 +9992,13 @@
           <a:lstStyle/>
           <a:p>
             <a:r>
-              <a:rPr lang="en-US" altLang="zh-CN" sz="11500" dirty="0" smtClean="0">
+              <a:rPr lang="zh-CN" altLang="en-US" sz="11500" dirty="0">
                 <a:solidFill>
                   <a:srgbClr val="F46970"/>
                 </a:solidFill>
                 <a:latin typeface="Adobe Gothic Std B" pitchFamily="34" charset="-128"/>
-                <a:ea typeface="Adobe Gothic Std B" pitchFamily="34" charset="-128"/>
               </a:rPr>
-              <a:t>Part 1</a:t>
+              <a:t>引言</a:t>
             </a:r>
             <a:endParaRPr lang="zh-CN" altLang="en-US" sz="11500" dirty="0">
               <a:solidFill>
@@ -11501,8 +11775,8 @@
         </p:nvSpPr>
         <p:spPr>
           <a:xfrm>
-            <a:off x="4211960" y="1580198"/>
-            <a:ext cx="4392488" cy="1862048"/>
+            <a:off x="3878585" y="1919288"/>
+            <a:ext cx="4392488" cy="768350"/>
           </a:xfrm>
           <a:prstGeom prst="rect">
             <a:avLst/>
@@ -11516,16 +11790,16 @@
           <a:lstStyle/>
           <a:p>
             <a:r>
-              <a:rPr lang="en-US" altLang="zh-CN" sz="11500" dirty="0" smtClean="0">
+              <a:rPr lang="zh-CN" sz="4400" dirty="0" smtClean="0">
                 <a:solidFill>
                   <a:srgbClr val="F2A849"/>
                 </a:solidFill>
                 <a:latin typeface="Adobe Gothic Std B" pitchFamily="34" charset="-128"/>
                 <a:ea typeface="Adobe Gothic Std B" pitchFamily="34" charset="-128"/>
               </a:rPr>
-              <a:t>Part 2</a:t>
-            </a:r>
-            <a:endParaRPr lang="zh-CN" altLang="en-US" sz="11500" dirty="0">
+              <a:t>程序的系统结构</a:t>
+            </a:r>
+            <a:endParaRPr lang="zh-CN" sz="4400" dirty="0">
               <a:solidFill>
                 <a:srgbClr val="F2A849"/>
               </a:solidFill>
